--- a/Slides/How to execute the IMPC statistical pipeline.pptx
+++ b/Slides/How to execute the IMPC statistical pipeline.pptx
@@ -5,19 +5,22 @@
     <p:sldMasterId id="2147483673" r:id="rId1"/>
   </p:sldMasterIdLst>
   <p:notesMasterIdLst>
-    <p:notesMasterId r:id="rId9"/>
+    <p:notesMasterId r:id="rId12"/>
   </p:notesMasterIdLst>
   <p:handoutMasterIdLst>
-    <p:handoutMasterId r:id="rId10"/>
+    <p:handoutMasterId r:id="rId13"/>
   </p:handoutMasterIdLst>
   <p:sldIdLst>
     <p:sldId id="257" r:id="rId2"/>
     <p:sldId id="258" r:id="rId3"/>
-    <p:sldId id="259" r:id="rId4"/>
-    <p:sldId id="260" r:id="rId5"/>
-    <p:sldId id="261" r:id="rId6"/>
-    <p:sldId id="262" r:id="rId7"/>
-    <p:sldId id="263" r:id="rId8"/>
+    <p:sldId id="265" r:id="rId4"/>
+    <p:sldId id="259" r:id="rId5"/>
+    <p:sldId id="260" r:id="rId6"/>
+    <p:sldId id="264" r:id="rId7"/>
+    <p:sldId id="266" r:id="rId8"/>
+    <p:sldId id="261" r:id="rId9"/>
+    <p:sldId id="262" r:id="rId10"/>
+    <p:sldId id="263" r:id="rId11"/>
   </p:sldIdLst>
   <p:sldSz cx="12192000" cy="6858000"/>
   <p:notesSz cx="6858000" cy="9144000"/>
@@ -211,7 +214,7 @@
             <a:pPr rtl="0"/>
             <a:fld id="{A6F5C5BD-8AB6-4E5F-8616-0B1D32D0FBFD}" type="datetime1">
               <a:rPr lang="en-US" smtClean="0"/>
-              <a:t>5/31/2023</a:t>
+              <a:t>6/13/2023</a:t>
             </a:fld>
             <a:endParaRPr lang="en-US" dirty="0"/>
           </a:p>
@@ -381,7 +384,7 @@
             <a:pPr rtl="0"/>
             <a:fld id="{C3DD49AE-E876-4130-BF53-6229B9820536}" type="datetime1">
               <a:rPr lang="en-US" smtClean="0"/>
-              <a:t>5/31/2023</a:t>
+              <a:t>6/13/2023</a:t>
             </a:fld>
             <a:endParaRPr lang="en-US"/>
           </a:p>
@@ -1126,7 +1129,7 @@
             <a:pPr rtl="0"/>
             <a:fld id="{C0840E64-78EA-480E-9DFC-F5D183737F14}" type="datetime1">
               <a:rPr lang="en-US" smtClean="0"/>
-              <a:t>5/31/2023</a:t>
+              <a:t>6/13/2023</a:t>
             </a:fld>
             <a:endParaRPr lang="en-US" dirty="0"/>
           </a:p>
@@ -1332,7 +1335,7 @@
             <a:pPr rtl="0"/>
             <a:fld id="{6B56802B-70FA-41EA-BEAA-8B64D5BF1424}" type="datetime1">
               <a:rPr lang="en-US" smtClean="0"/>
-              <a:t>5/31/2023</a:t>
+              <a:t>6/13/2023</a:t>
             </a:fld>
             <a:endParaRPr lang="en-US"/>
           </a:p>
@@ -1516,7 +1519,7 @@
             <a:pPr rtl="0"/>
             <a:fld id="{F512D428-74E3-499E-9255-6C7C463A82F6}" type="datetime1">
               <a:rPr lang="en-US" smtClean="0"/>
-              <a:t>5/31/2023</a:t>
+              <a:t>6/13/2023</a:t>
             </a:fld>
             <a:endParaRPr lang="en-US"/>
           </a:p>
@@ -1690,7 +1693,7 @@
             <a:pPr rtl="0"/>
             <a:fld id="{6AF379E8-AC6C-43B9-9222-BDF0AF9336F0}" type="datetime1">
               <a:rPr lang="en-US" smtClean="0"/>
-              <a:t>5/31/2023</a:t>
+              <a:t>6/13/2023</a:t>
             </a:fld>
             <a:endParaRPr lang="en-US"/>
           </a:p>
@@ -2293,7 +2296,7 @@
             <a:pPr rtl="0"/>
             <a:fld id="{ED329652-6112-4F3D-B614-62B56A045E3D}" type="datetime1">
               <a:rPr lang="en-US" smtClean="0"/>
-              <a:t>5/31/2023</a:t>
+              <a:t>6/13/2023</a:t>
             </a:fld>
             <a:endParaRPr lang="en-US" dirty="0"/>
           </a:p>
@@ -2617,7 +2620,7 @@
             <a:pPr rtl="0"/>
             <a:fld id="{3064E64D-1B50-4EC0-83A1-DE58B45AB49E}" type="datetime1">
               <a:rPr lang="en-US" smtClean="0"/>
-              <a:t>5/31/2023</a:t>
+              <a:t>6/13/2023</a:t>
             </a:fld>
             <a:endParaRPr lang="en-US"/>
           </a:p>
@@ -3058,7 +3061,7 @@
             <a:pPr rtl="0"/>
             <a:fld id="{8761A824-A4A3-4BDD-B7F1-293A0EC1EA54}" type="datetime1">
               <a:rPr lang="en-US" smtClean="0"/>
-              <a:t>5/31/2023</a:t>
+              <a:t>6/13/2023</a:t>
             </a:fld>
             <a:endParaRPr lang="en-US"/>
           </a:p>
@@ -3180,7 +3183,7 @@
             <a:pPr rtl="0"/>
             <a:fld id="{D81B1D06-1BCF-4BCB-9319-09267D16BB9F}" type="datetime1">
               <a:rPr lang="en-US" smtClean="0"/>
-              <a:t>5/31/2023</a:t>
+              <a:t>6/13/2023</a:t>
             </a:fld>
             <a:endParaRPr lang="en-US"/>
           </a:p>
@@ -3278,7 +3281,7 @@
             <a:pPr rtl="0"/>
             <a:fld id="{65361324-1C8A-40EA-A8C7-BACD05350B74}" type="datetime1">
               <a:rPr lang="en-US" smtClean="0"/>
-              <a:t>5/31/2023</a:t>
+              <a:t>6/13/2023</a:t>
             </a:fld>
             <a:endParaRPr lang="en-US"/>
           </a:p>
@@ -3699,7 +3702,7 @@
             <a:pPr rtl="0"/>
             <a:fld id="{5BA78C1D-B8C9-43D1-BED3-AB201E145563}" type="datetime1">
               <a:rPr lang="en-US" smtClean="0"/>
-              <a:t>5/31/2023</a:t>
+              <a:t>6/13/2023</a:t>
             </a:fld>
             <a:endParaRPr lang="en-US"/>
           </a:p>
@@ -3964,7 +3967,7 @@
             <a:pPr rtl="0"/>
             <a:fld id="{BFA2D3EE-FBE6-4434-A13B-BD4C1C612D44}" type="datetime1">
               <a:rPr lang="en-US" smtClean="0"/>
-              <a:t>5/31/2023</a:t>
+              <a:t>6/13/2023</a:t>
             </a:fld>
             <a:endParaRPr lang="en-US" dirty="0"/>
           </a:p>
@@ -4484,7 +4487,7 @@
             <a:pPr rtl="0"/>
             <a:fld id="{4FF323AA-170C-4C76-B350-C21CF15222DA}" type="datetime1">
               <a:rPr lang="en-US" smtClean="0"/>
-              <a:t>5/31/2023</a:t>
+              <a:t>6/13/2023</a:t>
             </a:fld>
             <a:endParaRPr lang="en-US" dirty="0"/>
           </a:p>
@@ -5166,7 +5169,7 @@
                   <a:schemeClr val="tx1"/>
                 </a:solidFill>
               </a:rPr>
-              <a:t>Hamed Haseli</a:t>
+              <a:t>Hamed Haseli, June 2023</a:t>
             </a:r>
           </a:p>
         </p:txBody>
@@ -5180,6 +5183,303 @@
   </p:cSld>
   <p:clrMapOvr>
     <a:overrideClrMapping bg1="dk1" tx1="lt1" bg2="dk2" tx2="lt2" accent1="accent1" accent2="accent2" accent3="accent3" accent4="accent4" accent5="accent5" accent6="accent6" hlink="hlink" folHlink="folHlink"/>
+  </p:clrMapOvr>
+</p:sld>
+</file>
+
+<file path=ppt/slides/slide10.xml><?xml version="1.0" encoding="utf-8"?>
+<p:sld xmlns:a="http://schemas.openxmlformats.org/drawingml/2006/main" xmlns:r="http://schemas.openxmlformats.org/officeDocument/2006/relationships" xmlns:p="http://schemas.openxmlformats.org/presentationml/2006/main">
+  <p:cSld>
+    <p:spTree>
+      <p:nvGrpSpPr>
+        <p:cNvPr id="1" name=""/>
+        <p:cNvGrpSpPr/>
+        <p:nvPr/>
+      </p:nvGrpSpPr>
+      <p:grpSpPr>
+        <a:xfrm>
+          <a:off x="0" y="0"/>
+          <a:ext cx="0" cy="0"/>
+          <a:chOff x="0" y="0"/>
+          <a:chExt cx="0" cy="0"/>
+        </a:xfrm>
+      </p:grpSpPr>
+      <p:sp>
+        <p:nvSpPr>
+          <p:cNvPr id="2" name="Title 1">
+            <a:extLst>
+              <a:ext uri="{FF2B5EF4-FFF2-40B4-BE49-F238E27FC236}">
+                <a16:creationId xmlns:a16="http://schemas.microsoft.com/office/drawing/2014/main" id="{AF2BE95B-DDF1-5FBC-254E-875503A29DC2}"/>
+              </a:ext>
+            </a:extLst>
+          </p:cNvPr>
+          <p:cNvSpPr>
+            <a:spLocks noGrp="1"/>
+          </p:cNvSpPr>
+          <p:nvPr>
+            <p:ph type="title"/>
+          </p:nvPr>
+        </p:nvSpPr>
+        <p:spPr/>
+        <p:txBody>
+          <a:bodyPr/>
+          <a:lstStyle/>
+          <a:p>
+            <a:r>
+              <a:rPr lang="en-GB" dirty="0"/>
+              <a:t>Run the extraction of risky genes pipeline</a:t>
+            </a:r>
+          </a:p>
+        </p:txBody>
+      </p:sp>
+      <p:sp>
+        <p:nvSpPr>
+          <p:cNvPr id="3" name="Content Placeholder 2">
+            <a:extLst>
+              <a:ext uri="{FF2B5EF4-FFF2-40B4-BE49-F238E27FC236}">
+                <a16:creationId xmlns:a16="http://schemas.microsoft.com/office/drawing/2014/main" id="{382E34FA-2F10-59F2-D739-E3D164821BD2}"/>
+              </a:ext>
+            </a:extLst>
+          </p:cNvPr>
+          <p:cNvSpPr>
+            <a:spLocks noGrp="1"/>
+          </p:cNvSpPr>
+          <p:nvPr>
+            <p:ph idx="1"/>
+          </p:nvPr>
+        </p:nvSpPr>
+        <p:spPr>
+          <a:xfrm>
+            <a:off x="1066800" y="2014194"/>
+            <a:ext cx="10058400" cy="3849624"/>
+          </a:xfrm>
+        </p:spPr>
+        <p:txBody>
+          <a:bodyPr>
+            <a:normAutofit/>
+          </a:bodyPr>
+          <a:lstStyle/>
+          <a:p>
+            <a:r>
+              <a:rPr lang="en-GB" sz="1100" dirty="0">
+                <a:latin typeface="Courier New" panose="02070309020205020404" pitchFamily="49" charset="0"/>
+                <a:cs typeface="Courier New" panose="02070309020205020404" pitchFamily="49" charset="0"/>
+              </a:rPr>
+              <a:t>This process generates a list of risky genes to check manually</a:t>
+            </a:r>
+          </a:p>
+          <a:p>
+            <a:r>
+              <a:rPr lang="en-GB" sz="1100" dirty="0">
+                <a:latin typeface="Courier New" panose="02070309020205020404" pitchFamily="49" charset="0"/>
+                <a:cs typeface="Courier New" panose="02070309020205020404" pitchFamily="49" charset="0"/>
+              </a:rPr>
+              <a:t>Step:</a:t>
+            </a:r>
+          </a:p>
+          <a:p>
+            <a:pPr marL="617220" lvl="1" indent="-342900">
+              <a:buFont typeface="+mj-lt"/>
+              <a:buAutoNum type="arabicPeriod"/>
+            </a:pPr>
+            <a:r>
+              <a:rPr lang="en-GB" sz="1100" dirty="0">
+                <a:latin typeface="Courier New" panose="02070309020205020404" pitchFamily="49" charset="0"/>
+                <a:cs typeface="Courier New" panose="02070309020205020404" pitchFamily="49" charset="0"/>
+              </a:rPr>
+              <a:t>Allocate a machine on codon cluster, </a:t>
+            </a:r>
+            <a:r>
+              <a:rPr lang="en-GB" sz="1100" dirty="0" err="1">
+                <a:latin typeface="Courier New" panose="02070309020205020404" pitchFamily="49" charset="0"/>
+                <a:cs typeface="Courier New" panose="02070309020205020404" pitchFamily="49" charset="0"/>
+              </a:rPr>
+              <a:t>bsub</a:t>
+            </a:r>
+            <a:r>
+              <a:rPr lang="en-GB" sz="1100" dirty="0">
+                <a:latin typeface="Courier New" panose="02070309020205020404" pitchFamily="49" charset="0"/>
+                <a:cs typeface="Courier New" panose="02070309020205020404" pitchFamily="49" charset="0"/>
+              </a:rPr>
+              <a:t> –M 8000 –Is /bin/bash</a:t>
+            </a:r>
+          </a:p>
+          <a:p>
+            <a:pPr marL="617220" lvl="1" indent="-342900">
+              <a:buFont typeface="+mj-lt"/>
+              <a:buAutoNum type="arabicPeriod"/>
+            </a:pPr>
+            <a:r>
+              <a:rPr lang="en-GB" sz="1100" dirty="0">
+                <a:latin typeface="Courier New" panose="02070309020205020404" pitchFamily="49" charset="0"/>
+                <a:cs typeface="Courier New" panose="02070309020205020404" pitchFamily="49" charset="0"/>
+              </a:rPr>
+              <a:t>Open an R session by typing R in the console</a:t>
+            </a:r>
+          </a:p>
+          <a:p>
+            <a:pPr marL="617220" lvl="1" indent="-342900">
+              <a:buFont typeface="+mj-lt"/>
+              <a:buAutoNum type="arabicPeriod"/>
+            </a:pPr>
+            <a:r>
+              <a:rPr lang="en-GB" sz="1100" dirty="0">
+                <a:latin typeface="Courier New" panose="02070309020205020404" pitchFamily="49" charset="0"/>
+                <a:cs typeface="Courier New" panose="02070309020205020404" pitchFamily="49" charset="0"/>
+              </a:rPr>
+              <a:t>Run the following command on the console:</a:t>
+            </a:r>
+          </a:p>
+          <a:p>
+            <a:pPr marL="617220" lvl="1" indent="-342900">
+              <a:buFont typeface="+mj-lt"/>
+              <a:buAutoNum type="arabicPeriod"/>
+            </a:pPr>
+            <a:r>
+              <a:rPr lang="en-GB" sz="1100" dirty="0" err="1">
+                <a:latin typeface="Courier New" panose="02070309020205020404" pitchFamily="49" charset="0"/>
+                <a:cs typeface="Courier New" panose="02070309020205020404" pitchFamily="49" charset="0"/>
+              </a:rPr>
+              <a:t>DRrequiredAgeing</a:t>
+            </a:r>
+            <a:r>
+              <a:rPr lang="en-GB" sz="1100" dirty="0">
+                <a:latin typeface="Courier New" panose="02070309020205020404" pitchFamily="49" charset="0"/>
+                <a:cs typeface="Courier New" panose="02070309020205020404" pitchFamily="49" charset="0"/>
+              </a:rPr>
+              <a:t>:::</a:t>
+            </a:r>
+            <a:r>
+              <a:rPr lang="en-GB" sz="1100" dirty="0" err="1">
+                <a:latin typeface="Courier New" panose="02070309020205020404" pitchFamily="49" charset="0"/>
+                <a:cs typeface="Courier New" panose="02070309020205020404" pitchFamily="49" charset="0"/>
+              </a:rPr>
+              <a:t>extractRiskyGenesFromDRs</a:t>
+            </a:r>
+            <a:r>
+              <a:rPr lang="en-GB" sz="1100" dirty="0">
+                <a:latin typeface="Courier New" panose="02070309020205020404" pitchFamily="49" charset="0"/>
+                <a:cs typeface="Courier New" panose="02070309020205020404" pitchFamily="49" charset="0"/>
+              </a:rPr>
+              <a:t>(path to the </a:t>
+            </a:r>
+            <a:r>
+              <a:rPr lang="en-GB" sz="1100" dirty="0" err="1">
+                <a:latin typeface="Courier New" panose="02070309020205020404" pitchFamily="49" charset="0"/>
+                <a:cs typeface="Courier New" panose="02070309020205020404" pitchFamily="49" charset="0"/>
+              </a:rPr>
+              <a:t>gzip</a:t>
+            </a:r>
+            <a:r>
+              <a:rPr lang="en-GB" sz="1100" dirty="0">
+                <a:latin typeface="Courier New" panose="02070309020205020404" pitchFamily="49" charset="0"/>
+                <a:cs typeface="Courier New" panose="02070309020205020404" pitchFamily="49" charset="0"/>
+              </a:rPr>
+              <a:t> report from the previous release, path to the new report on the current release)</a:t>
+            </a:r>
+          </a:p>
+          <a:p>
+            <a:pPr marL="891540" lvl="2" indent="-342900">
+              <a:buFont typeface="+mj-lt"/>
+              <a:buAutoNum type="arabicPeriod"/>
+            </a:pPr>
+            <a:r>
+              <a:rPr lang="en-GB" sz="1000" dirty="0">
+                <a:latin typeface="Courier New" panose="02070309020205020404" pitchFamily="49" charset="0"/>
+                <a:cs typeface="Courier New" panose="02070309020205020404" pitchFamily="49" charset="0"/>
+              </a:rPr>
+              <a:t>The inputs above can be URLs from the FTP site or absolute paths</a:t>
+            </a:r>
+          </a:p>
+          <a:p>
+            <a:pPr marL="274320" lvl="1" indent="0">
+              <a:buNone/>
+            </a:pPr>
+            <a:r>
+              <a:rPr lang="en-GB" sz="1100" b="1" kern="1200" dirty="0">
+                <a:solidFill>
+                  <a:srgbClr val="2C481F"/>
+                </a:solidFill>
+                <a:effectLst/>
+                <a:latin typeface="Courier New" panose="02070309020205020404" pitchFamily="49" charset="0"/>
+                <a:cs typeface="Courier New" panose="02070309020205020404" pitchFamily="49" charset="0"/>
+              </a:rPr>
+              <a:t>► The output of this process is a file (in the current directory) RiskyGenesToCheck_[DATE].txt with each line a gene that should be </a:t>
+            </a:r>
+            <a:r>
+              <a:rPr lang="en-GB" sz="1100" b="1" kern="1200">
+                <a:solidFill>
+                  <a:srgbClr val="2C481F"/>
+                </a:solidFill>
+                <a:effectLst/>
+                <a:latin typeface="Courier New" panose="02070309020205020404" pitchFamily="49" charset="0"/>
+                <a:cs typeface="Courier New" panose="02070309020205020404" pitchFamily="49" charset="0"/>
+              </a:rPr>
+              <a:t>manually checked</a:t>
+            </a:r>
+            <a:endParaRPr lang="en-GB" sz="1100" dirty="0">
+              <a:latin typeface="Courier New" panose="02070309020205020404" pitchFamily="49" charset="0"/>
+              <a:cs typeface="Courier New" panose="02070309020205020404" pitchFamily="49" charset="0"/>
+            </a:endParaRPr>
+          </a:p>
+          <a:p>
+            <a:pPr marL="617220" lvl="1" indent="-342900">
+              <a:buFont typeface="+mj-lt"/>
+              <a:buAutoNum type="arabicPeriod"/>
+            </a:pPr>
+            <a:endParaRPr lang="en-GB" sz="1100" dirty="0">
+              <a:latin typeface="Courier New" panose="02070309020205020404" pitchFamily="49" charset="0"/>
+              <a:cs typeface="Courier New" panose="02070309020205020404" pitchFamily="49" charset="0"/>
+            </a:endParaRPr>
+          </a:p>
+          <a:p>
+            <a:pPr lvl="2"/>
+            <a:endParaRPr lang="en-GB" sz="1400" dirty="0">
+              <a:latin typeface="Courier New" panose="02070309020205020404" pitchFamily="49" charset="0"/>
+              <a:cs typeface="Courier New" panose="02070309020205020404" pitchFamily="49" charset="0"/>
+            </a:endParaRPr>
+          </a:p>
+        </p:txBody>
+      </p:sp>
+      <p:sp>
+        <p:nvSpPr>
+          <p:cNvPr id="4" name="Date Placeholder 3">
+            <a:extLst>
+              <a:ext uri="{FF2B5EF4-FFF2-40B4-BE49-F238E27FC236}">
+                <a16:creationId xmlns:a16="http://schemas.microsoft.com/office/drawing/2014/main" id="{8E297709-FD23-B3A8-0B3B-3B60227D290E}"/>
+              </a:ext>
+            </a:extLst>
+          </p:cNvPr>
+          <p:cNvSpPr>
+            <a:spLocks noGrp="1"/>
+          </p:cNvSpPr>
+          <p:nvPr>
+            <p:ph type="dt" sz="half" idx="10"/>
+          </p:nvPr>
+        </p:nvSpPr>
+        <p:spPr/>
+        <p:txBody>
+          <a:bodyPr/>
+          <a:lstStyle/>
+          <a:p>
+            <a:pPr rtl="0"/>
+            <a:fld id="{6AF379E8-AC6C-43B9-9222-BDF0AF9336F0}" type="datetime1">
+              <a:rPr lang="en-US" smtClean="0"/>
+              <a:t>6/13/2023</a:t>
+            </a:fld>
+            <a:endParaRPr lang="en-US"/>
+          </a:p>
+        </p:txBody>
+      </p:sp>
+    </p:spTree>
+    <p:extLst>
+      <p:ext uri="{BB962C8B-B14F-4D97-AF65-F5344CB8AC3E}">
+        <p14:creationId xmlns:p14="http://schemas.microsoft.com/office/powerpoint/2010/main" val="1913377309"/>
+      </p:ext>
+    </p:extLst>
+  </p:cSld>
+  <p:clrMapOvr>
+    <a:masterClrMapping/>
   </p:clrMapOvr>
 </p:sld>
 </file>
@@ -5321,7 +5621,7 @@
             <a:pPr rtl="0"/>
             <a:fld id="{6AF379E8-AC6C-43B9-9222-BDF0AF9336F0}" type="datetime1">
               <a:rPr lang="en-US" smtClean="0"/>
-              <a:t>5/31/2023</a:t>
+              <a:t>6/13/2023</a:t>
             </a:fld>
             <a:endParaRPr lang="en-US"/>
           </a:p>
@@ -5362,7 +5662,7 @@
           <p:cNvPr id="2" name="Title 1">
             <a:extLst>
               <a:ext uri="{FF2B5EF4-FFF2-40B4-BE49-F238E27FC236}">
-                <a16:creationId xmlns:a16="http://schemas.microsoft.com/office/drawing/2014/main" id="{C5DD46AC-50A4-C0A8-A152-C46F5AAC77CB}"/>
+                <a16:creationId xmlns:a16="http://schemas.microsoft.com/office/drawing/2014/main" id="{18590C91-3F34-B38F-5138-D7956187B17B}"/>
               </a:ext>
             </a:extLst>
           </p:cNvPr>
@@ -5373,36 +5673,15 @@
             <p:ph type="title"/>
           </p:nvPr>
         </p:nvSpPr>
-        <p:spPr>
-          <a:xfrm>
-            <a:off x="411192" y="392428"/>
-            <a:ext cx="10058400" cy="849776"/>
-          </a:xfrm>
-        </p:spPr>
-        <p:txBody>
-          <a:bodyPr>
-            <a:normAutofit/>
-          </a:bodyPr>
+        <p:spPr/>
+        <p:txBody>
+          <a:bodyPr/>
           <a:lstStyle/>
           <a:p>
             <a:r>
-              <a:rPr lang="en-GB" sz="3600" dirty="0">
-                <a:latin typeface="Courier New" panose="02070309020205020404" pitchFamily="49" charset="0"/>
-                <a:cs typeface="Courier New" panose="02070309020205020404" pitchFamily="49" charset="0"/>
-              </a:rPr>
-              <a:t>1. Preparing the </a:t>
-            </a:r>
-            <a:r>
-              <a:rPr lang="en-GB" sz="3600" dirty="0" err="1">
-                <a:latin typeface="Courier New" panose="02070309020205020404" pitchFamily="49" charset="0"/>
-                <a:cs typeface="Courier New" panose="02070309020205020404" pitchFamily="49" charset="0"/>
-              </a:rPr>
-              <a:t>mp_chooser</a:t>
-            </a:r>
-            <a:endParaRPr lang="en-GB" sz="3600" dirty="0">
-              <a:latin typeface="Courier New" panose="02070309020205020404" pitchFamily="49" charset="0"/>
-              <a:cs typeface="Courier New" panose="02070309020205020404" pitchFamily="49" charset="0"/>
-            </a:endParaRPr>
+              <a:rPr lang="en-GB" dirty="0"/>
+              <a:t>FAQ</a:t>
+            </a:r>
           </a:p>
         </p:txBody>
       </p:sp>
@@ -5411,7 +5690,7 @@
           <p:cNvPr id="3" name="Content Placeholder 2">
             <a:extLst>
               <a:ext uri="{FF2B5EF4-FFF2-40B4-BE49-F238E27FC236}">
-                <a16:creationId xmlns:a16="http://schemas.microsoft.com/office/drawing/2014/main" id="{AB83E854-E5EB-F4BB-F61C-B662BC2667CB}"/>
+                <a16:creationId xmlns:a16="http://schemas.microsoft.com/office/drawing/2014/main" id="{14505E25-D5AE-B99D-70DA-F4D0726AA85D}"/>
               </a:ext>
             </a:extLst>
           </p:cNvPr>
@@ -5422,518 +5701,55 @@
             <p:ph idx="1"/>
           </p:nvPr>
         </p:nvSpPr>
-        <p:spPr>
-          <a:xfrm>
-            <a:off x="635479" y="1180093"/>
-            <a:ext cx="10058400" cy="5157953"/>
-          </a:xfrm>
-        </p:spPr>
-        <p:txBody>
-          <a:bodyPr>
-            <a:normAutofit/>
-          </a:bodyPr>
+        <p:spPr/>
+        <p:txBody>
+          <a:bodyPr/>
           <a:lstStyle/>
           <a:p>
             <a:r>
-              <a:rPr lang="en-GB" sz="1100" dirty="0">
-                <a:latin typeface="Courier New" panose="02070309020205020404" pitchFamily="49" charset="0"/>
-                <a:cs typeface="Courier New" panose="02070309020205020404" pitchFamily="49" charset="0"/>
-              </a:rPr>
-              <a:t>This step requires updating the </a:t>
-            </a:r>
-            <a:r>
-              <a:rPr lang="en-GB" sz="1100" b="1" dirty="0" err="1">
-                <a:latin typeface="Courier New" panose="02070309020205020404" pitchFamily="49" charset="0"/>
-                <a:cs typeface="Courier New" panose="02070309020205020404" pitchFamily="49" charset="0"/>
-              </a:rPr>
-              <a:t>mp_chooser</a:t>
-            </a:r>
-            <a:r>
-              <a:rPr lang="en-GB" sz="1100" b="1" dirty="0">
-                <a:latin typeface="Courier New" panose="02070309020205020404" pitchFamily="49" charset="0"/>
-                <a:cs typeface="Courier New" panose="02070309020205020404" pitchFamily="49" charset="0"/>
-              </a:rPr>
-              <a:t> </a:t>
-            </a:r>
-            <a:r>
-              <a:rPr lang="en-GB" sz="1100" dirty="0">
-                <a:latin typeface="Courier New" panose="02070309020205020404" pitchFamily="49" charset="0"/>
-                <a:cs typeface="Courier New" panose="02070309020205020404" pitchFamily="49" charset="0"/>
-              </a:rPr>
-              <a:t>data files from the input data that Federico passes with each data release </a:t>
-            </a:r>
-          </a:p>
-          <a:p>
-            <a:r>
-              <a:rPr lang="en-GB" sz="1100" dirty="0">
-                <a:latin typeface="Courier New" panose="02070309020205020404" pitchFamily="49" charset="0"/>
-                <a:cs typeface="Courier New" panose="02070309020205020404" pitchFamily="49" charset="0"/>
-              </a:rPr>
-              <a:t>Assume the path to the </a:t>
-            </a:r>
-            <a:r>
-              <a:rPr lang="en-GB" sz="1100" dirty="0" err="1">
-                <a:latin typeface="Courier New" panose="02070309020205020404" pitchFamily="49" charset="0"/>
-                <a:cs typeface="Courier New" panose="02070309020205020404" pitchFamily="49" charset="0"/>
-              </a:rPr>
-              <a:t>mp_chooser.json</a:t>
-            </a:r>
-            <a:r>
-              <a:rPr lang="en-GB" sz="1100" dirty="0">
-                <a:latin typeface="Courier New" panose="02070309020205020404" pitchFamily="49" charset="0"/>
-                <a:cs typeface="Courier New" panose="02070309020205020404" pitchFamily="49" charset="0"/>
-              </a:rPr>
-              <a:t> is </a:t>
-            </a:r>
-            <a:r>
-              <a:rPr lang="en-GB" sz="1100" dirty="0" err="1">
-                <a:latin typeface="Courier New" panose="02070309020205020404" pitchFamily="49" charset="0"/>
-                <a:cs typeface="Courier New" panose="02070309020205020404" pitchFamily="49" charset="0"/>
-              </a:rPr>
-              <a:t>EBIHadoopCluster</a:t>
-            </a:r>
-            <a:r>
-              <a:rPr lang="en-GB" sz="1100" dirty="0">
-                <a:latin typeface="Courier New" panose="02070309020205020404" pitchFamily="49" charset="0"/>
-                <a:cs typeface="Courier New" panose="02070309020205020404" pitchFamily="49" charset="0"/>
-              </a:rPr>
-              <a:t>:/</a:t>
-            </a:r>
-            <a:r>
-              <a:rPr lang="en-GB" sz="1100" dirty="0" err="1">
-                <a:latin typeface="Courier New" panose="02070309020205020404" pitchFamily="49" charset="0"/>
-                <a:cs typeface="Courier New" panose="02070309020205020404" pitchFamily="49" charset="0"/>
-              </a:rPr>
-              <a:t>hadoop</a:t>
-            </a:r>
-            <a:r>
-              <a:rPr lang="en-GB" sz="1100" dirty="0">
-                <a:latin typeface="Courier New" panose="02070309020205020404" pitchFamily="49" charset="0"/>
-                <a:cs typeface="Courier New" panose="02070309020205020404" pitchFamily="49" charset="0"/>
-              </a:rPr>
-              <a:t>/user/</a:t>
-            </a:r>
-            <a:r>
-              <a:rPr lang="en-GB" sz="1100" dirty="0" err="1">
-                <a:latin typeface="Courier New" panose="02070309020205020404" pitchFamily="49" charset="0"/>
-                <a:cs typeface="Courier New" panose="02070309020205020404" pitchFamily="49" charset="0"/>
-              </a:rPr>
-              <a:t>mi_hadoop</a:t>
-            </a:r>
-            <a:r>
-              <a:rPr lang="en-GB" sz="1100" dirty="0">
-                <a:latin typeface="Courier New" panose="02070309020205020404" pitchFamily="49" charset="0"/>
-                <a:cs typeface="Courier New" panose="02070309020205020404" pitchFamily="49" charset="0"/>
-              </a:rPr>
-              <a:t>/</a:t>
-            </a:r>
-            <a:r>
-              <a:rPr lang="en-GB" sz="1100" dirty="0" err="1">
-                <a:latin typeface="Courier New" panose="02070309020205020404" pitchFamily="49" charset="0"/>
-                <a:cs typeface="Courier New" panose="02070309020205020404" pitchFamily="49" charset="0"/>
-              </a:rPr>
-              <a:t>impc</a:t>
-            </a:r>
-            <a:r>
-              <a:rPr lang="en-GB" sz="1100" dirty="0">
-                <a:latin typeface="Courier New" panose="02070309020205020404" pitchFamily="49" charset="0"/>
-                <a:cs typeface="Courier New" panose="02070309020205020404" pitchFamily="49" charset="0"/>
-              </a:rPr>
-              <a:t>/dr19.1/output/</a:t>
-            </a:r>
-            <a:r>
-              <a:rPr lang="en-GB" sz="1100" dirty="0" err="1">
-                <a:latin typeface="Courier New" panose="02070309020205020404" pitchFamily="49" charset="0"/>
-                <a:cs typeface="Courier New" panose="02070309020205020404" pitchFamily="49" charset="0"/>
-              </a:rPr>
-              <a:t>mp_chooser_json</a:t>
-            </a:r>
-            <a:r>
-              <a:rPr lang="en-GB" sz="1100" dirty="0">
-                <a:latin typeface="Courier New" panose="02070309020205020404" pitchFamily="49" charset="0"/>
-                <a:cs typeface="Courier New" panose="02070309020205020404" pitchFamily="49" charset="0"/>
-              </a:rPr>
-              <a:t>/part-00000-482667f5-0b4e-4a5a-8c62-ac341833df19-c000.txt</a:t>
-            </a:r>
-          </a:p>
-          <a:p>
-            <a:r>
-              <a:rPr lang="en-GB" sz="1100" b="1" dirty="0">
-                <a:latin typeface="Courier New" panose="02070309020205020404" pitchFamily="49" charset="0"/>
-                <a:cs typeface="Courier New" panose="02070309020205020404" pitchFamily="49" charset="0"/>
-              </a:rPr>
-              <a:t>Steps</a:t>
-            </a:r>
-            <a:r>
-              <a:rPr lang="en-GB" sz="1100" dirty="0">
-                <a:latin typeface="Courier New" panose="02070309020205020404" pitchFamily="49" charset="0"/>
-                <a:cs typeface="Courier New" panose="02070309020205020404" pitchFamily="49" charset="0"/>
-              </a:rPr>
-              <a:t>:</a:t>
-            </a:r>
-          </a:p>
-          <a:p>
-            <a:pPr marL="617220" lvl="1" indent="-342900">
-              <a:buFont typeface="+mj-lt"/>
-              <a:buAutoNum type="arabicPeriod"/>
-            </a:pPr>
-            <a:r>
-              <a:rPr lang="en-GB" sz="1100" dirty="0">
-                <a:solidFill>
-                  <a:schemeClr val="accent1">
-                    <a:lumMod val="50000"/>
-                  </a:schemeClr>
-                </a:solidFill>
-                <a:latin typeface="Courier New" panose="02070309020205020404" pitchFamily="49" charset="0"/>
-                <a:cs typeface="Courier New" panose="02070309020205020404" pitchFamily="49" charset="0"/>
-              </a:rPr>
-              <a:t>Copy file above to a temporary directory on codon cluster</a:t>
-            </a:r>
-          </a:p>
-          <a:p>
-            <a:pPr marL="891540" lvl="2" indent="-342900">
-              <a:buFont typeface="+mj-lt"/>
-              <a:buAutoNum type="arabicPeriod"/>
-            </a:pPr>
-            <a:r>
-              <a:rPr lang="en-GB" sz="1100" dirty="0">
-                <a:solidFill>
-                  <a:schemeClr val="accent1">
-                    <a:lumMod val="50000"/>
-                  </a:schemeClr>
-                </a:solidFill>
-                <a:latin typeface="Courier New" panose="02070309020205020404" pitchFamily="49" charset="0"/>
-                <a:cs typeface="Courier New" panose="02070309020205020404" pitchFamily="49" charset="0"/>
-              </a:rPr>
-              <a:t>Navigate to the directory</a:t>
-            </a:r>
-          </a:p>
-          <a:p>
-            <a:pPr marL="891540" lvl="2" indent="-342900">
-              <a:buFont typeface="+mj-lt"/>
-              <a:buAutoNum type="arabicPeriod"/>
-            </a:pPr>
-            <a:r>
-              <a:rPr lang="en-GB" sz="1100" dirty="0">
-                <a:solidFill>
-                  <a:schemeClr val="accent1">
-                    <a:lumMod val="50000"/>
-                  </a:schemeClr>
-                </a:solidFill>
-                <a:latin typeface="Courier New" panose="02070309020205020404" pitchFamily="49" charset="0"/>
-                <a:cs typeface="Courier New" panose="02070309020205020404" pitchFamily="49" charset="0"/>
-              </a:rPr>
-              <a:t>Open and R session by typing R in the console</a:t>
-            </a:r>
-          </a:p>
-          <a:p>
-            <a:pPr marL="891540" lvl="2" indent="-342900">
-              <a:buFont typeface="+mj-lt"/>
-              <a:buAutoNum type="arabicPeriod"/>
-            </a:pPr>
-            <a:r>
-              <a:rPr lang="en-GB" sz="1100" dirty="0">
-                <a:solidFill>
-                  <a:schemeClr val="accent1">
-                    <a:lumMod val="50000"/>
-                  </a:schemeClr>
-                </a:solidFill>
-                <a:latin typeface="Courier New" panose="02070309020205020404" pitchFamily="49" charset="0"/>
-                <a:cs typeface="Courier New" panose="02070309020205020404" pitchFamily="49" charset="0"/>
-              </a:rPr>
-              <a:t>Run the command below:</a:t>
-            </a:r>
-          </a:p>
-          <a:p>
-            <a:pPr marL="1051560" lvl="3" indent="-228600">
-              <a:buFont typeface="+mj-lt"/>
-              <a:buAutoNum type="arabicPeriod"/>
-            </a:pPr>
-            <a:r>
-              <a:rPr lang="en-GB" sz="1100" dirty="0">
-                <a:solidFill>
-                  <a:schemeClr val="accent1">
-                    <a:lumMod val="50000"/>
-                  </a:schemeClr>
-                </a:solidFill>
-                <a:latin typeface="Courier New" panose="02070309020205020404" pitchFamily="49" charset="0"/>
-                <a:cs typeface="Courier New" panose="02070309020205020404" pitchFamily="49" charset="0"/>
-              </a:rPr>
-              <a:t>a = </a:t>
-            </a:r>
-            <a:r>
-              <a:rPr lang="en-GB" sz="1100" dirty="0" err="1">
-                <a:solidFill>
-                  <a:schemeClr val="accent1">
-                    <a:lumMod val="50000"/>
-                  </a:schemeClr>
-                </a:solidFill>
-                <a:latin typeface="Courier New" panose="02070309020205020404" pitchFamily="49" charset="0"/>
-                <a:cs typeface="Courier New" panose="02070309020205020404" pitchFamily="49" charset="0"/>
-              </a:rPr>
-              <a:t>jsonlite</a:t>
-            </a:r>
-            <a:r>
-              <a:rPr lang="en-GB" sz="1100" dirty="0">
-                <a:solidFill>
-                  <a:schemeClr val="accent1">
-                    <a:lumMod val="50000"/>
-                  </a:schemeClr>
-                </a:solidFill>
-                <a:latin typeface="Courier New" panose="02070309020205020404" pitchFamily="49" charset="0"/>
-                <a:cs typeface="Courier New" panose="02070309020205020404" pitchFamily="49" charset="0"/>
-              </a:rPr>
-              <a:t>::</a:t>
-            </a:r>
-            <a:r>
-              <a:rPr lang="en-GB" sz="1100" dirty="0" err="1">
-                <a:solidFill>
-                  <a:schemeClr val="accent1">
-                    <a:lumMod val="50000"/>
-                  </a:schemeClr>
-                </a:solidFill>
-                <a:latin typeface="Courier New" panose="02070309020205020404" pitchFamily="49" charset="0"/>
-                <a:cs typeface="Courier New" panose="02070309020205020404" pitchFamily="49" charset="0"/>
-              </a:rPr>
-              <a:t>fromJSON</a:t>
-            </a:r>
-            <a:r>
-              <a:rPr lang="en-GB" sz="1100" dirty="0">
-                <a:solidFill>
-                  <a:schemeClr val="accent1">
-                    <a:lumMod val="50000"/>
-                  </a:schemeClr>
-                </a:solidFill>
-                <a:latin typeface="Courier New" panose="02070309020205020404" pitchFamily="49" charset="0"/>
-                <a:cs typeface="Courier New" panose="02070309020205020404" pitchFamily="49" charset="0"/>
-              </a:rPr>
-              <a:t>(‘absolute path to the file’);save(</a:t>
-            </a:r>
-            <a:r>
-              <a:rPr lang="en-GB" sz="1100" dirty="0" err="1">
-                <a:solidFill>
-                  <a:schemeClr val="accent1">
-                    <a:lumMod val="50000"/>
-                  </a:schemeClr>
-                </a:solidFill>
-                <a:latin typeface="Courier New" panose="02070309020205020404" pitchFamily="49" charset="0"/>
-                <a:cs typeface="Courier New" panose="02070309020205020404" pitchFamily="49" charset="0"/>
-              </a:rPr>
-              <a:t>a,file</a:t>
-            </a:r>
-            <a:r>
-              <a:rPr lang="en-GB" sz="1100" dirty="0">
-                <a:solidFill>
-                  <a:schemeClr val="accent1">
-                    <a:lumMod val="50000"/>
-                  </a:schemeClr>
-                </a:solidFill>
-                <a:latin typeface="Courier New" panose="02070309020205020404" pitchFamily="49" charset="0"/>
-                <a:cs typeface="Courier New" panose="02070309020205020404" pitchFamily="49" charset="0"/>
-              </a:rPr>
-              <a:t>=‘mp_chooser_20230411.json.Rdata’)</a:t>
-            </a:r>
-          </a:p>
-          <a:p>
-            <a:pPr marL="985838" lvl="3" indent="-163513">
-              <a:buFont typeface="+mj-lt"/>
-              <a:buAutoNum type="arabicPeriod"/>
-            </a:pPr>
-            <a:r>
-              <a:rPr lang="en-GB" sz="1100" b="1" dirty="0">
-                <a:solidFill>
-                  <a:schemeClr val="accent1">
-                    <a:lumMod val="50000"/>
-                  </a:schemeClr>
-                </a:solidFill>
-                <a:latin typeface="Courier New" panose="02070309020205020404" pitchFamily="49" charset="0"/>
-                <a:cs typeface="Courier New" panose="02070309020205020404" pitchFamily="49" charset="0"/>
-              </a:rPr>
-              <a:t>► Running </a:t>
-            </a:r>
-            <a:r>
-              <a:rPr lang="en-GB" sz="1100" dirty="0">
-                <a:solidFill>
-                  <a:schemeClr val="accent1">
-                    <a:lumMod val="50000"/>
-                  </a:schemeClr>
-                </a:solidFill>
-                <a:latin typeface="Courier New" panose="02070309020205020404" pitchFamily="49" charset="0"/>
-                <a:cs typeface="Courier New" panose="02070309020205020404" pitchFamily="49" charset="0"/>
-              </a:rPr>
-              <a:t>the command above will create a </a:t>
-            </a:r>
-            <a:r>
-              <a:rPr lang="en-GB" sz="1100" b="1" dirty="0">
-                <a:solidFill>
-                  <a:schemeClr val="accent1">
-                    <a:lumMod val="50000"/>
-                  </a:schemeClr>
-                </a:solidFill>
-                <a:latin typeface="Courier New" panose="02070309020205020404" pitchFamily="49" charset="0"/>
-                <a:cs typeface="Courier New" panose="02070309020205020404" pitchFamily="49" charset="0"/>
-              </a:rPr>
-              <a:t>file mp_chooser_20230411.json.Rdata </a:t>
-            </a:r>
-            <a:r>
-              <a:rPr lang="en-GB" sz="1100" dirty="0">
-                <a:solidFill>
-                  <a:schemeClr val="accent1">
-                    <a:lumMod val="50000"/>
-                  </a:schemeClr>
-                </a:solidFill>
-                <a:latin typeface="Courier New" panose="02070309020205020404" pitchFamily="49" charset="0"/>
-                <a:cs typeface="Courier New" panose="02070309020205020404" pitchFamily="49" charset="0"/>
-              </a:rPr>
-              <a:t>in the working directory (do not change the name or timestamp)</a:t>
-            </a:r>
-          </a:p>
-          <a:p>
-            <a:pPr marL="502920" lvl="1" indent="-228600">
-              <a:buFont typeface="+mj-lt"/>
-              <a:buAutoNum type="arabicPeriod"/>
-            </a:pPr>
-            <a:r>
-              <a:rPr lang="en-GB" sz="1100" dirty="0">
-                <a:latin typeface="Courier New" panose="02070309020205020404" pitchFamily="49" charset="0"/>
-                <a:cs typeface="Courier New" panose="02070309020205020404" pitchFamily="49" charset="0"/>
-              </a:rPr>
-              <a:t>Pull the stats pipeline from </a:t>
-            </a:r>
-            <a:r>
-              <a:rPr lang="en-GB" sz="1100" dirty="0">
-                <a:latin typeface="Courier New" panose="02070309020205020404" pitchFamily="49" charset="0"/>
-                <a:cs typeface="Courier New" panose="02070309020205020404" pitchFamily="49" charset="0"/>
-                <a:hlinkClick r:id="rId2"/>
-              </a:rPr>
-              <a:t>https://github.com/mpi2/impc_stats_pipeline</a:t>
-            </a:r>
-            <a:r>
-              <a:rPr lang="en-GB" sz="1100" dirty="0">
-                <a:latin typeface="Courier New" panose="02070309020205020404" pitchFamily="49" charset="0"/>
-                <a:cs typeface="Courier New" panose="02070309020205020404" pitchFamily="49" charset="0"/>
-              </a:rPr>
-              <a:t> </a:t>
-            </a:r>
-          </a:p>
-          <a:p>
-            <a:pPr marL="777240" lvl="2" indent="-228600">
-              <a:buFont typeface="+mj-lt"/>
-              <a:buAutoNum type="arabicPeriod"/>
-            </a:pPr>
-            <a:r>
-              <a:rPr lang="en-GB" sz="1100" dirty="0">
-                <a:latin typeface="Courier New" panose="02070309020205020404" pitchFamily="49" charset="0"/>
-                <a:cs typeface="Courier New" panose="02070309020205020404" pitchFamily="49" charset="0"/>
-              </a:rPr>
-              <a:t>Copy and overwrite the file above in the following directories:</a:t>
-            </a:r>
-          </a:p>
-          <a:p>
-            <a:pPr marL="1051560" lvl="3" indent="-228600">
-              <a:buFont typeface="+mj-lt"/>
-              <a:buAutoNum type="arabicPeriod"/>
-            </a:pPr>
-            <a:r>
-              <a:rPr lang="en-GB" sz="1100" dirty="0">
-                <a:latin typeface="Courier New" panose="02070309020205020404" pitchFamily="49" charset="0"/>
-                <a:cs typeface="Courier New" panose="02070309020205020404" pitchFamily="49" charset="0"/>
-                <a:hlinkClick r:id="rId3"/>
-              </a:rPr>
-              <a:t>https://github.com/mpi2/impc_stats_pipeline/tree/master/Late%20adults%20stats%20pipeline/DRrequiredAgeing/DRrequiredAgeingPackage/inst/extdata/annotation</a:t>
-            </a:r>
-            <a:endParaRPr lang="en-GB" sz="1100" dirty="0">
-              <a:latin typeface="Courier New" panose="02070309020205020404" pitchFamily="49" charset="0"/>
-              <a:cs typeface="Courier New" panose="02070309020205020404" pitchFamily="49" charset="0"/>
-            </a:endParaRPr>
-          </a:p>
-          <a:p>
-            <a:pPr marL="1051560" lvl="3" indent="-228600">
-              <a:buFont typeface="+mj-lt"/>
-              <a:buAutoNum type="arabicPeriod"/>
-            </a:pPr>
-            <a:r>
-              <a:rPr lang="en-GB" sz="1100" dirty="0">
-                <a:latin typeface="Courier New" panose="02070309020205020404" pitchFamily="49" charset="0"/>
-                <a:cs typeface="Courier New" panose="02070309020205020404" pitchFamily="49" charset="0"/>
-                <a:hlinkClick r:id="rId4"/>
-              </a:rPr>
-              <a:t>https://github.com/mpi2/impc_stats_pipeline/tree/master/Late%20adults%20stats%20pipeline/DRrequiredAgeing/DRrequiredAgeingPackage/inst/extdata/StatsPipeline/jobs/Postgres</a:t>
-            </a:r>
-            <a:r>
-              <a:rPr lang="en-GB" sz="1100" dirty="0">
-                <a:latin typeface="Courier New" panose="02070309020205020404" pitchFamily="49" charset="0"/>
-                <a:cs typeface="Courier New" panose="02070309020205020404" pitchFamily="49" charset="0"/>
-              </a:rPr>
-              <a:t> </a:t>
-            </a:r>
-          </a:p>
-          <a:p>
-            <a:pPr marL="1051560" lvl="3" indent="-228600">
-              <a:buFont typeface="+mj-lt"/>
-              <a:buAutoNum type="arabicPeriod"/>
-            </a:pPr>
-            <a:r>
-              <a:rPr lang="en-GB" sz="1100" dirty="0">
-                <a:latin typeface="Courier New" panose="02070309020205020404" pitchFamily="49" charset="0"/>
-                <a:cs typeface="Courier New" panose="02070309020205020404" pitchFamily="49" charset="0"/>
-              </a:rPr>
-              <a:t>Push the repository to GitHub</a:t>
-            </a:r>
-          </a:p>
-          <a:p>
-            <a:pPr marL="1051560" lvl="3" indent="-228600">
-              <a:buFont typeface="+mj-lt"/>
-              <a:buAutoNum type="arabicPeriod"/>
-            </a:pPr>
-            <a:r>
-              <a:rPr lang="en-GB" sz="1100" b="1" dirty="0">
-                <a:solidFill>
-                  <a:schemeClr val="accent1">
-                    <a:lumMod val="50000"/>
-                  </a:schemeClr>
-                </a:solidFill>
-                <a:latin typeface="Courier New" panose="02070309020205020404" pitchFamily="49" charset="0"/>
-                <a:cs typeface="Courier New" panose="02070309020205020404" pitchFamily="49" charset="0"/>
-              </a:rPr>
-              <a:t>►  You need to rewrite the file in this step (an older version of the file should be already existing there)</a:t>
-            </a:r>
-          </a:p>
-          <a:p>
-            <a:pPr marL="1051560" lvl="3" indent="-228600">
-              <a:buFont typeface="+mj-lt"/>
-              <a:buAutoNum type="arabicPeriod"/>
-            </a:pPr>
-            <a:endParaRPr lang="en-GB" sz="1100" dirty="0">
-              <a:latin typeface="Courier New" panose="02070309020205020404" pitchFamily="49" charset="0"/>
-              <a:cs typeface="Courier New" panose="02070309020205020404" pitchFamily="49" charset="0"/>
-            </a:endParaRPr>
-          </a:p>
-          <a:p>
-            <a:pPr lvl="2"/>
-            <a:endParaRPr lang="en-GB" sz="1100" dirty="0">
-              <a:latin typeface="Courier New" panose="02070309020205020404" pitchFamily="49" charset="0"/>
-              <a:cs typeface="Courier New" panose="02070309020205020404" pitchFamily="49" charset="0"/>
-            </a:endParaRPr>
+              <a:rPr lang="en-GB" b="1" dirty="0"/>
+              <a:t>When the pipeline is completed?</a:t>
+            </a:r>
           </a:p>
           <a:p>
             <a:pPr lvl="1"/>
-            <a:endParaRPr lang="en-GB" sz="1100" dirty="0">
-              <a:latin typeface="Courier New" panose="02070309020205020404" pitchFamily="49" charset="0"/>
-              <a:cs typeface="Courier New" panose="02070309020205020404" pitchFamily="49" charset="0"/>
-            </a:endParaRPr>
-          </a:p>
-          <a:p>
-            <a:endParaRPr lang="en-GB" sz="1100" dirty="0">
-              <a:latin typeface="Courier New" panose="02070309020205020404" pitchFamily="49" charset="0"/>
-              <a:cs typeface="Courier New" panose="02070309020205020404" pitchFamily="49" charset="0"/>
-            </a:endParaRPr>
-          </a:p>
-          <a:p>
-            <a:endParaRPr lang="en-GB" sz="1100" dirty="0">
-              <a:latin typeface="Courier New" panose="02070309020205020404" pitchFamily="49" charset="0"/>
-              <a:cs typeface="Courier New" panose="02070309020205020404" pitchFamily="49" charset="0"/>
-            </a:endParaRPr>
+            <a:r>
+              <a:rPr lang="en-GB" dirty="0"/>
+              <a:t>When there is no job running under </a:t>
+            </a:r>
+            <a:r>
+              <a:rPr lang="en-GB" dirty="0" err="1"/>
+              <a:t>mi_stats</a:t>
+            </a:r>
+            <a:r>
+              <a:rPr lang="en-GB" dirty="0"/>
+              <a:t> user.</a:t>
+            </a:r>
+          </a:p>
+          <a:p>
+            <a:r>
+              <a:rPr lang="en-GB" b="1" dirty="0"/>
+              <a:t>Do you expect some errors from the stats pipeline?</a:t>
+            </a:r>
+          </a:p>
+          <a:p>
+            <a:pPr lvl="1"/>
+            <a:r>
+              <a:rPr lang="en-GB" dirty="0"/>
+              <a:t>Yes, having a few errors is normal. If you see more than few errors, you may want to run the </a:t>
+            </a:r>
+            <a:r>
+              <a:rPr lang="en-GB" dirty="0" err="1"/>
+              <a:t>GapFilling</a:t>
+            </a:r>
+            <a:r>
+              <a:rPr lang="en-GB" dirty="0"/>
+              <a:t> pipeline. </a:t>
+            </a:r>
+            <a:r>
+              <a:rPr lang="en-GB" b="1" dirty="0"/>
+              <a:t>See Step_1.2_RunGapFillingPipeline.mp4 video</a:t>
+            </a:r>
           </a:p>
         </p:txBody>
       </p:sp>
@@ -5942,7 +5758,7 @@
           <p:cNvPr id="4" name="Date Placeholder 3">
             <a:extLst>
               <a:ext uri="{FF2B5EF4-FFF2-40B4-BE49-F238E27FC236}">
-                <a16:creationId xmlns:a16="http://schemas.microsoft.com/office/drawing/2014/main" id="{781F7B05-D087-7E45-9514-901E591BE501}"/>
+                <a16:creationId xmlns:a16="http://schemas.microsoft.com/office/drawing/2014/main" id="{320B7133-3E26-AE11-0FCF-464AB3C8B2D8}"/>
               </a:ext>
             </a:extLst>
           </p:cNvPr>
@@ -5961,7 +5777,7 @@
             <a:pPr rtl="0"/>
             <a:fld id="{6AF379E8-AC6C-43B9-9222-BDF0AF9336F0}" type="datetime1">
               <a:rPr lang="en-US" smtClean="0"/>
-              <a:t>5/31/2023</a:t>
+              <a:t>6/13/2023</a:t>
             </a:fld>
             <a:endParaRPr lang="en-US"/>
           </a:p>
@@ -5970,7 +5786,7 @@
     </p:spTree>
     <p:extLst>
       <p:ext uri="{BB962C8B-B14F-4D97-AF65-F5344CB8AC3E}">
-        <p14:creationId xmlns:p14="http://schemas.microsoft.com/office/powerpoint/2010/main" val="2497478817"/>
+        <p14:creationId xmlns:p14="http://schemas.microsoft.com/office/powerpoint/2010/main" val="3895999296"/>
       </p:ext>
     </p:extLst>
   </p:cSld>
@@ -6021,7 +5837,7 @@
         </p:spPr>
         <p:txBody>
           <a:bodyPr>
-            <a:normAutofit fontScale="90000"/>
+            <a:normAutofit/>
           </a:bodyPr>
           <a:lstStyle/>
           <a:p>
@@ -6030,8 +5846,19 @@
                 <a:latin typeface="Courier New" panose="02070309020205020404" pitchFamily="49" charset="0"/>
                 <a:cs typeface="Courier New" panose="02070309020205020404" pitchFamily="49" charset="0"/>
               </a:rPr>
-              <a:t>1 (continue). Copying the parquet files to the codon cluster</a:t>
-            </a:r>
+              <a:t>1. Preparing the </a:t>
+            </a:r>
+            <a:r>
+              <a:rPr lang="en-GB" sz="3600" dirty="0" err="1">
+                <a:latin typeface="Courier New" panose="02070309020205020404" pitchFamily="49" charset="0"/>
+                <a:cs typeface="Courier New" panose="02070309020205020404" pitchFamily="49" charset="0"/>
+              </a:rPr>
+              <a:t>mp_chooser</a:t>
+            </a:r>
+            <a:endParaRPr lang="en-GB" sz="3600" dirty="0">
+              <a:latin typeface="Courier New" panose="02070309020205020404" pitchFamily="49" charset="0"/>
+              <a:cs typeface="Courier New" panose="02070309020205020404" pitchFamily="49" charset="0"/>
+            </a:endParaRPr>
           </a:p>
         </p:txBody>
       </p:sp>
@@ -6053,8 +5880,8 @@
         </p:nvSpPr>
         <p:spPr>
           <a:xfrm>
-            <a:off x="635479" y="1703294"/>
-            <a:ext cx="10058400" cy="4634752"/>
+            <a:off x="635479" y="1180093"/>
+            <a:ext cx="10058400" cy="5157953"/>
           </a:xfrm>
         </p:spPr>
         <p:txBody>
@@ -6063,15 +5890,142 @@
           </a:bodyPr>
           <a:lstStyle/>
           <a:p>
-            <a:pPr marL="274320" lvl="1" indent="0">
-              <a:buNone/>
-            </a:pPr>
+            <a:r>
+              <a:rPr lang="en-GB" sz="1100" dirty="0">
+                <a:latin typeface="Courier New" panose="02070309020205020404" pitchFamily="49" charset="0"/>
+                <a:cs typeface="Courier New" panose="02070309020205020404" pitchFamily="49" charset="0"/>
+              </a:rPr>
+              <a:t>This step requires updating the </a:t>
+            </a:r>
+            <a:r>
+              <a:rPr lang="en-GB" sz="1100" b="1" dirty="0" err="1">
+                <a:latin typeface="Courier New" panose="02070309020205020404" pitchFamily="49" charset="0"/>
+                <a:cs typeface="Courier New" panose="02070309020205020404" pitchFamily="49" charset="0"/>
+              </a:rPr>
+              <a:t>mp_chooser</a:t>
+            </a:r>
             <a:r>
               <a:rPr lang="en-GB" sz="1100" b="1" dirty="0">
                 <a:latin typeface="Courier New" panose="02070309020205020404" pitchFamily="49" charset="0"/>
                 <a:cs typeface="Courier New" panose="02070309020205020404" pitchFamily="49" charset="0"/>
               </a:rPr>
-              <a:t>Steps:</a:t>
+              <a:t> </a:t>
+            </a:r>
+            <a:r>
+              <a:rPr lang="en-GB" sz="1100" dirty="0">
+                <a:latin typeface="Courier New" panose="02070309020205020404" pitchFamily="49" charset="0"/>
+                <a:cs typeface="Courier New" panose="02070309020205020404" pitchFamily="49" charset="0"/>
+              </a:rPr>
+              <a:t>data files from the input data that Federico passes with each data release </a:t>
+            </a:r>
+          </a:p>
+          <a:p>
+            <a:r>
+              <a:rPr lang="en-GB" sz="1100" dirty="0">
+                <a:latin typeface="Courier New" panose="02070309020205020404" pitchFamily="49" charset="0"/>
+                <a:cs typeface="Courier New" panose="02070309020205020404" pitchFamily="49" charset="0"/>
+              </a:rPr>
+              <a:t>Assume the path to the </a:t>
+            </a:r>
+            <a:r>
+              <a:rPr lang="en-GB" sz="1100" dirty="0" err="1">
+                <a:latin typeface="Courier New" panose="02070309020205020404" pitchFamily="49" charset="0"/>
+                <a:cs typeface="Courier New" panose="02070309020205020404" pitchFamily="49" charset="0"/>
+              </a:rPr>
+              <a:t>mp_chooser.json</a:t>
+            </a:r>
+            <a:r>
+              <a:rPr lang="en-GB" sz="1100" dirty="0">
+                <a:latin typeface="Courier New" panose="02070309020205020404" pitchFamily="49" charset="0"/>
+                <a:cs typeface="Courier New" panose="02070309020205020404" pitchFamily="49" charset="0"/>
+              </a:rPr>
+              <a:t> is </a:t>
+            </a:r>
+            <a:r>
+              <a:rPr lang="en-GB" sz="1100" dirty="0" err="1">
+                <a:latin typeface="Courier New" panose="02070309020205020404" pitchFamily="49" charset="0"/>
+                <a:cs typeface="Courier New" panose="02070309020205020404" pitchFamily="49" charset="0"/>
+              </a:rPr>
+              <a:t>EBIHadoopCluster</a:t>
+            </a:r>
+            <a:r>
+              <a:rPr lang="en-GB" sz="1100" dirty="0">
+                <a:latin typeface="Courier New" panose="02070309020205020404" pitchFamily="49" charset="0"/>
+                <a:cs typeface="Courier New" panose="02070309020205020404" pitchFamily="49" charset="0"/>
+              </a:rPr>
+              <a:t>:/</a:t>
+            </a:r>
+            <a:r>
+              <a:rPr lang="en-GB" sz="1100" dirty="0" err="1">
+                <a:latin typeface="Courier New" panose="02070309020205020404" pitchFamily="49" charset="0"/>
+                <a:cs typeface="Courier New" panose="02070309020205020404" pitchFamily="49" charset="0"/>
+              </a:rPr>
+              <a:t>hadoop</a:t>
+            </a:r>
+            <a:r>
+              <a:rPr lang="en-GB" sz="1100" dirty="0">
+                <a:latin typeface="Courier New" panose="02070309020205020404" pitchFamily="49" charset="0"/>
+                <a:cs typeface="Courier New" panose="02070309020205020404" pitchFamily="49" charset="0"/>
+              </a:rPr>
+              <a:t>/user/</a:t>
+            </a:r>
+            <a:r>
+              <a:rPr lang="en-GB" sz="1100" dirty="0" err="1">
+                <a:latin typeface="Courier New" panose="02070309020205020404" pitchFamily="49" charset="0"/>
+                <a:cs typeface="Courier New" panose="02070309020205020404" pitchFamily="49" charset="0"/>
+              </a:rPr>
+              <a:t>mi_hadoop</a:t>
+            </a:r>
+            <a:r>
+              <a:rPr lang="en-GB" sz="1100" dirty="0">
+                <a:latin typeface="Courier New" panose="02070309020205020404" pitchFamily="49" charset="0"/>
+                <a:cs typeface="Courier New" panose="02070309020205020404" pitchFamily="49" charset="0"/>
+              </a:rPr>
+              <a:t>/</a:t>
+            </a:r>
+            <a:r>
+              <a:rPr lang="en-GB" sz="1100" dirty="0" err="1">
+                <a:latin typeface="Courier New" panose="02070309020205020404" pitchFamily="49" charset="0"/>
+                <a:cs typeface="Courier New" panose="02070309020205020404" pitchFamily="49" charset="0"/>
+              </a:rPr>
+              <a:t>impc</a:t>
+            </a:r>
+            <a:r>
+              <a:rPr lang="en-GB" sz="1100" dirty="0">
+                <a:latin typeface="Courier New" panose="02070309020205020404" pitchFamily="49" charset="0"/>
+                <a:cs typeface="Courier New" panose="02070309020205020404" pitchFamily="49" charset="0"/>
+              </a:rPr>
+              <a:t>/dr19.1/output/</a:t>
+            </a:r>
+            <a:r>
+              <a:rPr lang="en-GB" sz="1100" dirty="0" err="1">
+                <a:latin typeface="Courier New" panose="02070309020205020404" pitchFamily="49" charset="0"/>
+                <a:cs typeface="Courier New" panose="02070309020205020404" pitchFamily="49" charset="0"/>
+              </a:rPr>
+              <a:t>mp_chooser_json</a:t>
+            </a:r>
+            <a:r>
+              <a:rPr lang="en-GB" sz="1100" dirty="0">
+                <a:latin typeface="Courier New" panose="02070309020205020404" pitchFamily="49" charset="0"/>
+                <a:cs typeface="Courier New" panose="02070309020205020404" pitchFamily="49" charset="0"/>
+              </a:rPr>
+              <a:t>/part-00000-482667f5-0b4e-4a5a-8c62-ac341833df19-c000.txt</a:t>
+            </a:r>
+          </a:p>
+          <a:p>
+            <a:r>
+              <a:rPr lang="en-GB" sz="1100" b="1" dirty="0">
+                <a:latin typeface="Courier New" panose="02070309020205020404" pitchFamily="49" charset="0"/>
+                <a:cs typeface="Courier New" panose="02070309020205020404" pitchFamily="49" charset="0"/>
+              </a:rPr>
+              <a:t>Steps</a:t>
+            </a:r>
+            <a:r>
+              <a:rPr lang="en-GB" sz="1100" dirty="0">
+                <a:latin typeface="Courier New" panose="02070309020205020404" pitchFamily="49" charset="0"/>
+                <a:cs typeface="Courier New" panose="02070309020205020404" pitchFamily="49" charset="0"/>
+              </a:rPr>
+              <a:t>:</a:t>
             </a:r>
           </a:p>
           <a:p>
@@ -6081,97 +6035,15 @@
             </a:pPr>
             <a:r>
               <a:rPr lang="en-GB" sz="1100" dirty="0">
-                <a:latin typeface="Courier New" panose="02070309020205020404" pitchFamily="49" charset="0"/>
-                <a:cs typeface="Courier New" panose="02070309020205020404" pitchFamily="49" charset="0"/>
-              </a:rPr>
-              <a:t>Create a directory on codon:/</a:t>
-            </a:r>
-            <a:r>
-              <a:rPr lang="en-GB" sz="1100" dirty="0" err="1">
-                <a:latin typeface="Courier New" panose="02070309020205020404" pitchFamily="49" charset="0"/>
-                <a:cs typeface="Courier New" panose="02070309020205020404" pitchFamily="49" charset="0"/>
-              </a:rPr>
-              <a:t>nfs</a:t>
-            </a:r>
-            <a:r>
-              <a:rPr lang="en-GB" sz="1100" dirty="0">
-                <a:latin typeface="Courier New" panose="02070309020205020404" pitchFamily="49" charset="0"/>
-                <a:cs typeface="Courier New" panose="02070309020205020404" pitchFamily="49" charset="0"/>
-              </a:rPr>
-              <a:t>/production/</a:t>
-            </a:r>
-            <a:r>
-              <a:rPr lang="en-GB" sz="1100" dirty="0" err="1">
-                <a:latin typeface="Courier New" panose="02070309020205020404" pitchFamily="49" charset="0"/>
-                <a:cs typeface="Courier New" panose="02070309020205020404" pitchFamily="49" charset="0"/>
-              </a:rPr>
-              <a:t>tudor</a:t>
-            </a:r>
-            <a:r>
-              <a:rPr lang="en-GB" sz="1100" dirty="0">
-                <a:latin typeface="Courier New" panose="02070309020205020404" pitchFamily="49" charset="0"/>
-                <a:cs typeface="Courier New" panose="02070309020205020404" pitchFamily="49" charset="0"/>
-              </a:rPr>
-              <a:t>/</a:t>
-            </a:r>
-            <a:r>
-              <a:rPr lang="en-GB" sz="1100" dirty="0" err="1">
-                <a:latin typeface="Courier New" panose="02070309020205020404" pitchFamily="49" charset="0"/>
-                <a:cs typeface="Courier New" panose="02070309020205020404" pitchFamily="49" charset="0"/>
-              </a:rPr>
-              <a:t>komp</a:t>
-            </a:r>
-            <a:r>
-              <a:rPr lang="en-GB" sz="1100" dirty="0">
-                <a:latin typeface="Courier New" panose="02070309020205020404" pitchFamily="49" charset="0"/>
-                <a:cs typeface="Courier New" panose="02070309020205020404" pitchFamily="49" charset="0"/>
-              </a:rPr>
-              <a:t>/</a:t>
-            </a:r>
-            <a:r>
-              <a:rPr lang="en-GB" sz="1100" dirty="0" err="1">
-                <a:latin typeface="Courier New" panose="02070309020205020404" pitchFamily="49" charset="0"/>
-                <a:cs typeface="Courier New" panose="02070309020205020404" pitchFamily="49" charset="0"/>
-              </a:rPr>
-              <a:t>impc_statistical_pipeline</a:t>
-            </a:r>
-            <a:r>
-              <a:rPr lang="en-GB" sz="1100" dirty="0">
-                <a:latin typeface="Courier New" panose="02070309020205020404" pitchFamily="49" charset="0"/>
-                <a:cs typeface="Courier New" panose="02070309020205020404" pitchFamily="49" charset="0"/>
-              </a:rPr>
-              <a:t>/IMPC_DRs/</a:t>
-            </a:r>
-            <a:r>
-              <a:rPr lang="en-GB" sz="1100" b="1" dirty="0">
-                <a:latin typeface="Courier New" panose="02070309020205020404" pitchFamily="49" charset="0"/>
-                <a:cs typeface="Courier New" panose="02070309020205020404" pitchFamily="49" charset="0"/>
-              </a:rPr>
-              <a:t> </a:t>
-            </a:r>
-            <a:r>
-              <a:rPr lang="en-GB" sz="1100" b="1" dirty="0" err="1">
-                <a:latin typeface="Courier New" panose="02070309020205020404" pitchFamily="49" charset="0"/>
-                <a:cs typeface="Courier New" panose="02070309020205020404" pitchFamily="49" charset="0"/>
-              </a:rPr>
-              <a:t>stats_pipeline_input_drXX.y</a:t>
-            </a:r>
-            <a:endParaRPr lang="en-GB" sz="1100" dirty="0">
-              <a:latin typeface="Courier New" panose="02070309020205020404" pitchFamily="49" charset="0"/>
-              <a:cs typeface="Courier New" panose="02070309020205020404" pitchFamily="49" charset="0"/>
-            </a:endParaRPr>
-          </a:p>
-          <a:p>
-            <a:pPr marL="617220" lvl="1" indent="-342900">
-              <a:buFont typeface="+mj-lt"/>
-              <a:buAutoNum type="arabicPeriod"/>
-            </a:pPr>
-            <a:r>
-              <a:rPr lang="en-GB" sz="1100" dirty="0">
-                <a:latin typeface="Courier New" panose="02070309020205020404" pitchFamily="49" charset="0"/>
-                <a:cs typeface="Courier New" panose="02070309020205020404" pitchFamily="49" charset="0"/>
-              </a:rPr>
-              <a:t>Open an R session by typing R in the console</a:t>
+                <a:solidFill>
+                  <a:schemeClr val="accent1">
+                    <a:lumMod val="50000"/>
+                  </a:schemeClr>
+                </a:solidFill>
+                <a:latin typeface="Courier New" panose="02070309020205020404" pitchFamily="49" charset="0"/>
+                <a:cs typeface="Courier New" panose="02070309020205020404" pitchFamily="49" charset="0"/>
+              </a:rPr>
+              <a:t>Copy file above to a temporary directory on codon cluster</a:t>
             </a:r>
           </a:p>
           <a:p>
@@ -6181,122 +6053,15 @@
             </a:pPr>
             <a:r>
               <a:rPr lang="en-GB" sz="1100" dirty="0">
-                <a:latin typeface="Courier New" panose="02070309020205020404" pitchFamily="49" charset="0"/>
-                <a:cs typeface="Courier New" panose="02070309020205020404" pitchFamily="49" charset="0"/>
-              </a:rPr>
-              <a:t>Run the following. This will update the pipeline to the latest version. </a:t>
-            </a:r>
-            <a:r>
-              <a:rPr lang="en-GB" sz="1100" b="1" dirty="0" err="1">
-                <a:latin typeface="Courier New" panose="02070309020205020404" pitchFamily="49" charset="0"/>
-                <a:cs typeface="Courier New" panose="02070309020205020404" pitchFamily="49" charset="0"/>
-              </a:rPr>
-              <a:t>command:source</a:t>
-            </a:r>
-            <a:r>
-              <a:rPr lang="en-GB" sz="1100" b="1" dirty="0">
-                <a:latin typeface="Courier New" panose="02070309020205020404" pitchFamily="49" charset="0"/>
-                <a:cs typeface="Courier New" panose="02070309020205020404" pitchFamily="49" charset="0"/>
-              </a:rPr>
-              <a:t>('https://raw.githubusercontent.com/mpi2/</a:t>
-            </a:r>
-            <a:r>
-              <a:rPr lang="en-GB" sz="1100" b="1" dirty="0" err="1">
-                <a:latin typeface="Courier New" panose="02070309020205020404" pitchFamily="49" charset="0"/>
-                <a:cs typeface="Courier New" panose="02070309020205020404" pitchFamily="49" charset="0"/>
-              </a:rPr>
-              <a:t>impc_stats_pipeline</a:t>
-            </a:r>
-            <a:r>
-              <a:rPr lang="en-GB" sz="1100" b="1" dirty="0">
-                <a:latin typeface="Courier New" panose="02070309020205020404" pitchFamily="49" charset="0"/>
-                <a:cs typeface="Courier New" panose="02070309020205020404" pitchFamily="49" charset="0"/>
-              </a:rPr>
-              <a:t>/master/Late%20adults%20stats%20pipeline/</a:t>
-            </a:r>
-            <a:r>
-              <a:rPr lang="en-GB" sz="1100" b="1" dirty="0" err="1">
-                <a:latin typeface="Courier New" panose="02070309020205020404" pitchFamily="49" charset="0"/>
-                <a:cs typeface="Courier New" panose="02070309020205020404" pitchFamily="49" charset="0"/>
-              </a:rPr>
-              <a:t>DRrequiredAgeing</a:t>
-            </a:r>
-            <a:r>
-              <a:rPr lang="en-GB" sz="1100" b="1" dirty="0">
-                <a:latin typeface="Courier New" panose="02070309020205020404" pitchFamily="49" charset="0"/>
-                <a:cs typeface="Courier New" panose="02070309020205020404" pitchFamily="49" charset="0"/>
-              </a:rPr>
-              <a:t>/</a:t>
-            </a:r>
-            <a:r>
-              <a:rPr lang="en-GB" sz="1100" b="1" dirty="0" err="1">
-                <a:latin typeface="Courier New" panose="02070309020205020404" pitchFamily="49" charset="0"/>
-                <a:cs typeface="Courier New" panose="02070309020205020404" pitchFamily="49" charset="0"/>
-              </a:rPr>
-              <a:t>DRrequiredAgeingPackage</a:t>
-            </a:r>
-            <a:r>
-              <a:rPr lang="en-GB" sz="1100" b="1" dirty="0">
-                <a:latin typeface="Courier New" panose="02070309020205020404" pitchFamily="49" charset="0"/>
-                <a:cs typeface="Courier New" panose="02070309020205020404" pitchFamily="49" charset="0"/>
-              </a:rPr>
-              <a:t>/</a:t>
-            </a:r>
-            <a:r>
-              <a:rPr lang="en-GB" sz="1100" b="1" dirty="0" err="1">
-                <a:latin typeface="Courier New" panose="02070309020205020404" pitchFamily="49" charset="0"/>
-                <a:cs typeface="Courier New" panose="02070309020205020404" pitchFamily="49" charset="0"/>
-              </a:rPr>
-              <a:t>inst</a:t>
-            </a:r>
-            <a:r>
-              <a:rPr lang="en-GB" sz="1100" b="1" dirty="0">
-                <a:latin typeface="Courier New" panose="02070309020205020404" pitchFamily="49" charset="0"/>
-                <a:cs typeface="Courier New" panose="02070309020205020404" pitchFamily="49" charset="0"/>
-              </a:rPr>
-              <a:t>/</a:t>
-            </a:r>
-            <a:r>
-              <a:rPr lang="en-GB" sz="1100" b="1" dirty="0" err="1">
-                <a:latin typeface="Courier New" panose="02070309020205020404" pitchFamily="49" charset="0"/>
-                <a:cs typeface="Courier New" panose="02070309020205020404" pitchFamily="49" charset="0"/>
-              </a:rPr>
-              <a:t>extdata</a:t>
-            </a:r>
-            <a:r>
-              <a:rPr lang="en-GB" sz="1100" b="1" dirty="0">
-                <a:latin typeface="Courier New" panose="02070309020205020404" pitchFamily="49" charset="0"/>
-                <a:cs typeface="Courier New" panose="02070309020205020404" pitchFamily="49" charset="0"/>
-              </a:rPr>
-              <a:t>/</a:t>
-            </a:r>
-            <a:r>
-              <a:rPr lang="en-GB" sz="1100" b="1" dirty="0" err="1">
-                <a:latin typeface="Courier New" panose="02070309020205020404" pitchFamily="49" charset="0"/>
-                <a:cs typeface="Courier New" panose="02070309020205020404" pitchFamily="49" charset="0"/>
-              </a:rPr>
-              <a:t>StatsPipeline</a:t>
-            </a:r>
-            <a:r>
-              <a:rPr lang="en-GB" sz="1100" b="1" dirty="0">
-                <a:latin typeface="Courier New" panose="02070309020205020404" pitchFamily="49" charset="0"/>
-                <a:cs typeface="Courier New" panose="02070309020205020404" pitchFamily="49" charset="0"/>
-              </a:rPr>
-              <a:t>/</a:t>
-            </a:r>
-            <a:r>
-              <a:rPr lang="en-GB" sz="1100" b="1" dirty="0" err="1">
-                <a:latin typeface="Courier New" panose="02070309020205020404" pitchFamily="49" charset="0"/>
-                <a:cs typeface="Courier New" panose="02070309020205020404" pitchFamily="49" charset="0"/>
-              </a:rPr>
-              <a:t>UpdatePackagesFromGithub.R</a:t>
-            </a:r>
-            <a:r>
-              <a:rPr lang="en-GB" sz="1100" b="1" dirty="0">
-                <a:latin typeface="Courier New" panose="02070309020205020404" pitchFamily="49" charset="0"/>
-                <a:cs typeface="Courier New" panose="02070309020205020404" pitchFamily="49" charset="0"/>
-              </a:rPr>
-              <a:t>’) </a:t>
+                <a:solidFill>
+                  <a:schemeClr val="accent1">
+                    <a:lumMod val="50000"/>
+                  </a:schemeClr>
+                </a:solidFill>
+                <a:latin typeface="Courier New" panose="02070309020205020404" pitchFamily="49" charset="0"/>
+                <a:cs typeface="Courier New" panose="02070309020205020404" pitchFamily="49" charset="0"/>
+              </a:rPr>
+              <a:t>Navigate to the directory</a:t>
             </a:r>
           </a:p>
           <a:p>
@@ -6305,142 +6070,131 @@
               <a:buAutoNum type="arabicPeriod"/>
             </a:pPr>
             <a:r>
-              <a:rPr lang="en-GB" sz="1100" b="1" dirty="0">
-                <a:latin typeface="Courier New" panose="02070309020205020404" pitchFamily="49" charset="0"/>
-                <a:cs typeface="Courier New" panose="02070309020205020404" pitchFamily="49" charset="0"/>
-              </a:rPr>
-              <a:t>Exit R by typing exit()</a:t>
-            </a:r>
-          </a:p>
-          <a:p>
-            <a:pPr marL="617220" lvl="1" indent="-342900">
+              <a:rPr lang="en-GB" sz="1100" dirty="0">
+                <a:solidFill>
+                  <a:schemeClr val="accent1">
+                    <a:lumMod val="50000"/>
+                  </a:schemeClr>
+                </a:solidFill>
+                <a:latin typeface="Courier New" panose="02070309020205020404" pitchFamily="49" charset="0"/>
+                <a:cs typeface="Courier New" panose="02070309020205020404" pitchFamily="49" charset="0"/>
+              </a:rPr>
+              <a:t>Open and R session by typing R in the console</a:t>
+            </a:r>
+          </a:p>
+          <a:p>
+            <a:pPr marL="891540" lvl="2" indent="-342900">
               <a:buFont typeface="+mj-lt"/>
               <a:buAutoNum type="arabicPeriod"/>
             </a:pPr>
-            <a:endParaRPr lang="en-GB" sz="1100" b="1" dirty="0">
-              <a:latin typeface="Courier New" panose="02070309020205020404" pitchFamily="49" charset="0"/>
-              <a:cs typeface="Courier New" panose="02070309020205020404" pitchFamily="49" charset="0"/>
-            </a:endParaRPr>
-          </a:p>
-          <a:p>
-            <a:pPr marL="617220" lvl="1" indent="-342900">
+            <a:r>
+              <a:rPr lang="en-GB" sz="1100" dirty="0">
+                <a:solidFill>
+                  <a:schemeClr val="accent1">
+                    <a:lumMod val="50000"/>
+                  </a:schemeClr>
+                </a:solidFill>
+                <a:latin typeface="Courier New" panose="02070309020205020404" pitchFamily="49" charset="0"/>
+                <a:cs typeface="Courier New" panose="02070309020205020404" pitchFamily="49" charset="0"/>
+              </a:rPr>
+              <a:t>Run the command below:</a:t>
+            </a:r>
+          </a:p>
+          <a:p>
+            <a:pPr marL="1051560" lvl="3" indent="-228600">
               <a:buFont typeface="+mj-lt"/>
               <a:buAutoNum type="arabicPeriod"/>
             </a:pPr>
             <a:r>
               <a:rPr lang="en-GB" sz="1100" dirty="0">
-                <a:latin typeface="Courier New" panose="02070309020205020404" pitchFamily="49" charset="0"/>
-                <a:cs typeface="Courier New" panose="02070309020205020404" pitchFamily="49" charset="0"/>
-              </a:rPr>
-              <a:t>In the same directory run:</a:t>
-            </a:r>
-          </a:p>
-          <a:p>
-            <a:pPr lvl="2"/>
+                <a:solidFill>
+                  <a:schemeClr val="accent1">
+                    <a:lumMod val="50000"/>
+                  </a:schemeClr>
+                </a:solidFill>
+                <a:latin typeface="Courier New" panose="02070309020205020404" pitchFamily="49" charset="0"/>
+                <a:cs typeface="Courier New" panose="02070309020205020404" pitchFamily="49" charset="0"/>
+              </a:rPr>
+              <a:t>a = </a:t>
+            </a:r>
             <a:r>
               <a:rPr lang="en-GB" sz="1100" dirty="0" err="1">
-                <a:latin typeface="Courier New" panose="02070309020205020404" pitchFamily="49" charset="0"/>
-                <a:cs typeface="Courier New" panose="02070309020205020404" pitchFamily="49" charset="0"/>
-              </a:rPr>
-              <a:t>bsub</a:t>
-            </a:r>
-            <a:r>
-              <a:rPr lang="en-GB" sz="1100" dirty="0">
-                <a:latin typeface="Courier New" panose="02070309020205020404" pitchFamily="49" charset="0"/>
-                <a:cs typeface="Courier New" panose="02070309020205020404" pitchFamily="49" charset="0"/>
-              </a:rPr>
-              <a:t> –e </a:t>
+                <a:solidFill>
+                  <a:schemeClr val="accent1">
+                    <a:lumMod val="50000"/>
+                  </a:schemeClr>
+                </a:solidFill>
+                <a:latin typeface="Courier New" panose="02070309020205020404" pitchFamily="49" charset="0"/>
+                <a:cs typeface="Courier New" panose="02070309020205020404" pitchFamily="49" charset="0"/>
+              </a:rPr>
+              <a:t>jsonlite</a:t>
+            </a:r>
+            <a:r>
+              <a:rPr lang="en-GB" sz="1100" dirty="0">
+                <a:solidFill>
+                  <a:schemeClr val="accent1">
+                    <a:lumMod val="50000"/>
+                  </a:schemeClr>
+                </a:solidFill>
+                <a:latin typeface="Courier New" panose="02070309020205020404" pitchFamily="49" charset="0"/>
+                <a:cs typeface="Courier New" panose="02070309020205020404" pitchFamily="49" charset="0"/>
+              </a:rPr>
+              <a:t>::</a:t>
             </a:r>
             <a:r>
               <a:rPr lang="en-GB" sz="1100" dirty="0" err="1">
-                <a:latin typeface="Courier New" panose="02070309020205020404" pitchFamily="49" charset="0"/>
-                <a:cs typeface="Courier New" panose="02070309020205020404" pitchFamily="49" charset="0"/>
-              </a:rPr>
-              <a:t>StatsPipelineError</a:t>
-            </a:r>
-            <a:r>
-              <a:rPr lang="en-GB" sz="1100" dirty="0">
-                <a:latin typeface="Courier New" panose="02070309020205020404" pitchFamily="49" charset="0"/>
-                <a:cs typeface="Courier New" panose="02070309020205020404" pitchFamily="49" charset="0"/>
-              </a:rPr>
-              <a:t> –o </a:t>
+                <a:solidFill>
+                  <a:schemeClr val="accent1">
+                    <a:lumMod val="50000"/>
+                  </a:schemeClr>
+                </a:solidFill>
+                <a:latin typeface="Courier New" panose="02070309020205020404" pitchFamily="49" charset="0"/>
+                <a:cs typeface="Courier New" panose="02070309020205020404" pitchFamily="49" charset="0"/>
+              </a:rPr>
+              <a:t>fromJSON</a:t>
+            </a:r>
+            <a:r>
+              <a:rPr lang="en-GB" sz="1100" dirty="0">
+                <a:solidFill>
+                  <a:schemeClr val="accent1">
+                    <a:lumMod val="50000"/>
+                  </a:schemeClr>
+                </a:solidFill>
+                <a:latin typeface="Courier New" panose="02070309020205020404" pitchFamily="49" charset="0"/>
+                <a:cs typeface="Courier New" panose="02070309020205020404" pitchFamily="49" charset="0"/>
+              </a:rPr>
+              <a:t>(‘absolute path to the file’);save(</a:t>
             </a:r>
             <a:r>
               <a:rPr lang="en-GB" sz="1100" dirty="0" err="1">
-                <a:latin typeface="Courier New" panose="02070309020205020404" pitchFamily="49" charset="0"/>
-                <a:cs typeface="Courier New" panose="02070309020205020404" pitchFamily="49" charset="0"/>
-              </a:rPr>
-              <a:t>StatsPipelineOutput</a:t>
-            </a:r>
-            <a:r>
-              <a:rPr lang="en-GB" sz="1100" dirty="0">
-                <a:latin typeface="Courier New" panose="02070309020205020404" pitchFamily="49" charset="0"/>
-                <a:cs typeface="Courier New" panose="02070309020205020404" pitchFamily="49" charset="0"/>
-              </a:rPr>
-              <a:t> “R –e ‘</a:t>
-            </a:r>
-            <a:r>
-              <a:rPr lang="en-GB" sz="1100" dirty="0" err="1">
-                <a:latin typeface="Courier New" panose="02070309020205020404" pitchFamily="49" charset="0"/>
-                <a:cs typeface="Courier New" panose="02070309020205020404" pitchFamily="49" charset="0"/>
-              </a:rPr>
-              <a:t>DRrequiredAgeing</a:t>
-            </a:r>
-            <a:r>
-              <a:rPr lang="en-GB" sz="1100" dirty="0">
-                <a:latin typeface="Courier New" panose="02070309020205020404" pitchFamily="49" charset="0"/>
-                <a:cs typeface="Courier New" panose="02070309020205020404" pitchFamily="49" charset="0"/>
-              </a:rPr>
-              <a:t>:::</a:t>
-            </a:r>
-            <a:r>
-              <a:rPr lang="en-GB" sz="1100" dirty="0" err="1">
-                <a:latin typeface="Courier New" panose="02070309020205020404" pitchFamily="49" charset="0"/>
-                <a:cs typeface="Courier New" panose="02070309020205020404" pitchFamily="49" charset="0"/>
-              </a:rPr>
-              <a:t>StatsPipeline</a:t>
-            </a:r>
-            <a:r>
-              <a:rPr lang="en-GB" sz="1100" dirty="0">
-                <a:latin typeface="Courier New" panose="02070309020205020404" pitchFamily="49" charset="0"/>
-                <a:cs typeface="Courier New" panose="02070309020205020404" pitchFamily="49" charset="0"/>
-              </a:rPr>
-              <a:t>(</a:t>
-            </a:r>
-            <a:r>
-              <a:rPr lang="en-GB" sz="1100" dirty="0" err="1">
-                <a:latin typeface="Courier New" panose="02070309020205020404" pitchFamily="49" charset="0"/>
-                <a:cs typeface="Courier New" panose="02070309020205020404" pitchFamily="49" charset="0"/>
-              </a:rPr>
-              <a:t>DRversion</a:t>
-            </a:r>
-            <a:r>
-              <a:rPr lang="en-GB" sz="1100" dirty="0">
-                <a:latin typeface="Courier New" panose="02070309020205020404" pitchFamily="49" charset="0"/>
-                <a:cs typeface="Courier New" panose="02070309020205020404" pitchFamily="49" charset="0"/>
-              </a:rPr>
-              <a:t>=</a:t>
-            </a:r>
-            <a:r>
-              <a:rPr lang="en-GB" sz="1100" b="1" dirty="0">
                 <a:solidFill>
-                  <a:schemeClr val="accent2"/>
+                  <a:schemeClr val="accent1">
+                    <a:lumMod val="50000"/>
+                  </a:schemeClr>
                 </a:solidFill>
                 <a:latin typeface="Courier New" panose="02070309020205020404" pitchFamily="49" charset="0"/>
                 <a:cs typeface="Courier New" panose="02070309020205020404" pitchFamily="49" charset="0"/>
               </a:rPr>
-              <a:t>XXX</a:t>
-            </a:r>
-            <a:r>
-              <a:rPr lang="en-GB" sz="1100" dirty="0">
-                <a:latin typeface="Courier New" panose="02070309020205020404" pitchFamily="49" charset="0"/>
-                <a:cs typeface="Courier New" panose="02070309020205020404" pitchFamily="49" charset="0"/>
-              </a:rPr>
-              <a:t>)’”</a:t>
-            </a:r>
-          </a:p>
-          <a:p>
-            <a:pPr lvl="3"/>
+              <a:t>a,file</a:t>
+            </a:r>
+            <a:r>
+              <a:rPr lang="en-GB" sz="1100" dirty="0">
+                <a:solidFill>
+                  <a:schemeClr val="accent1">
+                    <a:lumMod val="50000"/>
+                  </a:schemeClr>
+                </a:solidFill>
+                <a:latin typeface="Courier New" panose="02070309020205020404" pitchFamily="49" charset="0"/>
+                <a:cs typeface="Courier New" panose="02070309020205020404" pitchFamily="49" charset="0"/>
+              </a:rPr>
+              <a:t>=‘mp_chooser_20230411.json.Rdata’)</a:t>
+            </a:r>
+          </a:p>
+          <a:p>
+            <a:pPr marL="985838" lvl="3" indent="-163513">
+              <a:buFont typeface="+mj-lt"/>
+              <a:buAutoNum type="arabicPeriod"/>
+            </a:pPr>
             <a:r>
               <a:rPr lang="en-GB" sz="1100" b="1" dirty="0">
                 <a:solidFill>
@@ -6451,7 +6205,98 @@
                 <a:latin typeface="Courier New" panose="02070309020205020404" pitchFamily="49" charset="0"/>
                 <a:cs typeface="Courier New" panose="02070309020205020404" pitchFamily="49" charset="0"/>
               </a:rPr>
-              <a:t>► replace the DR version in XXX</a:t>
+              <a:t>► Running </a:t>
+            </a:r>
+            <a:r>
+              <a:rPr lang="en-GB" sz="1100" dirty="0">
+                <a:solidFill>
+                  <a:schemeClr val="accent1">
+                    <a:lumMod val="50000"/>
+                  </a:schemeClr>
+                </a:solidFill>
+                <a:latin typeface="Courier New" panose="02070309020205020404" pitchFamily="49" charset="0"/>
+                <a:cs typeface="Courier New" panose="02070309020205020404" pitchFamily="49" charset="0"/>
+              </a:rPr>
+              <a:t>the command above will create a </a:t>
+            </a:r>
+            <a:r>
+              <a:rPr lang="en-GB" sz="1100" b="1" dirty="0">
+                <a:solidFill>
+                  <a:schemeClr val="accent1">
+                    <a:lumMod val="50000"/>
+                  </a:schemeClr>
+                </a:solidFill>
+                <a:latin typeface="Courier New" panose="02070309020205020404" pitchFamily="49" charset="0"/>
+                <a:cs typeface="Courier New" panose="02070309020205020404" pitchFamily="49" charset="0"/>
+              </a:rPr>
+              <a:t>file mp_chooser_20230411.json.Rdata </a:t>
+            </a:r>
+            <a:r>
+              <a:rPr lang="en-GB" sz="1100" dirty="0">
+                <a:solidFill>
+                  <a:schemeClr val="accent1">
+                    <a:lumMod val="50000"/>
+                  </a:schemeClr>
+                </a:solidFill>
+                <a:latin typeface="Courier New" panose="02070309020205020404" pitchFamily="49" charset="0"/>
+                <a:cs typeface="Courier New" panose="02070309020205020404" pitchFamily="49" charset="0"/>
+              </a:rPr>
+              <a:t>in the working directory (do not change the name or timestamp)</a:t>
+            </a:r>
+          </a:p>
+          <a:p>
+            <a:pPr marL="502920" lvl="1" indent="-228600">
+              <a:buFont typeface="+mj-lt"/>
+              <a:buAutoNum type="arabicPeriod"/>
+            </a:pPr>
+            <a:r>
+              <a:rPr lang="en-GB" sz="1100" dirty="0">
+                <a:latin typeface="Courier New" panose="02070309020205020404" pitchFamily="49" charset="0"/>
+                <a:cs typeface="Courier New" panose="02070309020205020404" pitchFamily="49" charset="0"/>
+              </a:rPr>
+              <a:t>Pull the stats pipeline from </a:t>
+            </a:r>
+            <a:r>
+              <a:rPr lang="en-GB" sz="1100" dirty="0">
+                <a:latin typeface="Courier New" panose="02070309020205020404" pitchFamily="49" charset="0"/>
+                <a:cs typeface="Courier New" panose="02070309020205020404" pitchFamily="49" charset="0"/>
+                <a:hlinkClick r:id="rId2"/>
+              </a:rPr>
+              <a:t>https://github.com/mpi2/impc_stats_pipeline</a:t>
+            </a:r>
+            <a:r>
+              <a:rPr lang="en-GB" sz="1100" dirty="0">
+                <a:latin typeface="Courier New" panose="02070309020205020404" pitchFamily="49" charset="0"/>
+                <a:cs typeface="Courier New" panose="02070309020205020404" pitchFamily="49" charset="0"/>
+              </a:rPr>
+              <a:t> </a:t>
+            </a:r>
+          </a:p>
+          <a:p>
+            <a:pPr marL="777240" lvl="2" indent="-228600">
+              <a:buFont typeface="+mj-lt"/>
+              <a:buAutoNum type="arabicPeriod"/>
+            </a:pPr>
+            <a:r>
+              <a:rPr lang="en-GB" sz="1100" dirty="0">
+                <a:latin typeface="Courier New" panose="02070309020205020404" pitchFamily="49" charset="0"/>
+                <a:cs typeface="Courier New" panose="02070309020205020404" pitchFamily="49" charset="0"/>
+              </a:rPr>
+              <a:t>Copy and overwrite the file above in the following directories:</a:t>
+            </a:r>
+          </a:p>
+          <a:p>
+            <a:pPr marL="1051560" lvl="3" indent="-228600">
+              <a:buFont typeface="+mj-lt"/>
+              <a:buAutoNum type="arabicPeriod"/>
+            </a:pPr>
+            <a:r>
+              <a:rPr lang="en-GB" sz="1100" dirty="0">
+                <a:latin typeface="Courier New" panose="02070309020205020404" pitchFamily="49" charset="0"/>
+                <a:cs typeface="Courier New" panose="02070309020205020404" pitchFamily="49" charset="0"/>
+                <a:hlinkClick r:id="rId3"/>
+              </a:rPr>
+              <a:t>https://github.com/mpi2/impc_stats_pipeline/tree/master/Late%20adults%20stats%20pipeline/DRrequiredAgeing/DRrequiredAgeingPackage/inst/extdata/annotation</a:t>
             </a:r>
             <a:endParaRPr lang="en-GB" sz="1100" dirty="0">
               <a:latin typeface="Courier New" panose="02070309020205020404" pitchFamily="49" charset="0"/>
@@ -6459,7 +6304,59 @@
             </a:endParaRPr>
           </a:p>
           <a:p>
-            <a:pPr marL="891540" lvl="2" indent="-342900">
+            <a:pPr marL="1051560" lvl="3" indent="-228600">
+              <a:buFont typeface="+mj-lt"/>
+              <a:buAutoNum type="arabicPeriod"/>
+            </a:pPr>
+            <a:r>
+              <a:rPr lang="en-GB" sz="1100" dirty="0">
+                <a:latin typeface="Courier New" panose="02070309020205020404" pitchFamily="49" charset="0"/>
+                <a:cs typeface="Courier New" panose="02070309020205020404" pitchFamily="49" charset="0"/>
+                <a:hlinkClick r:id="rId4"/>
+              </a:rPr>
+              <a:t>https://github.com/mpi2/impc_stats_pipeline/tree/master/Late%20adults%20stats%20pipeline/DRrequiredAgeing/DRrequiredAgeingPackage/inst/extdata/StatsPipeline/jobs/Postgres</a:t>
+            </a:r>
+            <a:r>
+              <a:rPr lang="en-GB" sz="1100" dirty="0">
+                <a:latin typeface="Courier New" panose="02070309020205020404" pitchFamily="49" charset="0"/>
+                <a:cs typeface="Courier New" panose="02070309020205020404" pitchFamily="49" charset="0"/>
+              </a:rPr>
+              <a:t> </a:t>
+            </a:r>
+          </a:p>
+          <a:p>
+            <a:pPr marL="1051560" lvl="3" indent="-228600">
+              <a:buFont typeface="+mj-lt"/>
+              <a:buAutoNum type="arabicPeriod"/>
+            </a:pPr>
+            <a:r>
+              <a:rPr lang="en-GB" sz="1100" dirty="0">
+                <a:latin typeface="Courier New" panose="02070309020205020404" pitchFamily="49" charset="0"/>
+                <a:cs typeface="Courier New" panose="02070309020205020404" pitchFamily="49" charset="0"/>
+              </a:rPr>
+              <a:t>Push the repository to GitHub</a:t>
+            </a:r>
+          </a:p>
+          <a:p>
+            <a:pPr marL="1051560" lvl="3" indent="-228600">
+              <a:buFont typeface="+mj-lt"/>
+              <a:buAutoNum type="arabicPeriod"/>
+            </a:pPr>
+            <a:r>
+              <a:rPr lang="en-GB" sz="1100" b="1" dirty="0">
+                <a:solidFill>
+                  <a:schemeClr val="accent1">
+                    <a:lumMod val="50000"/>
+                  </a:schemeClr>
+                </a:solidFill>
+                <a:latin typeface="Courier New" panose="02070309020205020404" pitchFamily="49" charset="0"/>
+                <a:cs typeface="Courier New" panose="02070309020205020404" pitchFamily="49" charset="0"/>
+              </a:rPr>
+              <a:t>►  You need to rewrite the file in this step (an older version of the file should be already existing there)</a:t>
+            </a:r>
+          </a:p>
+          <a:p>
+            <a:pPr marL="1051560" lvl="3" indent="-228600">
               <a:buFont typeface="+mj-lt"/>
               <a:buAutoNum type="arabicPeriod"/>
             </a:pPr>
@@ -6469,26 +6366,24 @@
             </a:endParaRPr>
           </a:p>
           <a:p>
+            <a:pPr lvl="2"/>
             <a:endParaRPr lang="en-GB" sz="1100" dirty="0">
               <a:latin typeface="Courier New" panose="02070309020205020404" pitchFamily="49" charset="0"/>
               <a:cs typeface="Courier New" panose="02070309020205020404" pitchFamily="49" charset="0"/>
             </a:endParaRPr>
           </a:p>
           <a:p>
-            <a:r>
-              <a:rPr lang="en-GB" sz="1100" dirty="0">
-                <a:latin typeface="Courier New" panose="02070309020205020404" pitchFamily="49" charset="0"/>
-                <a:cs typeface="Courier New" panose="02070309020205020404" pitchFamily="49" charset="0"/>
-              </a:rPr>
-              <a:t>The above steps will execute the pipeline, prepare the data and perform the statistical analysis. This normally takes </a:t>
-            </a:r>
-            <a:r>
-              <a:rPr lang="en-GB" sz="1100" b="1" dirty="0">
-                <a:latin typeface="Courier New" panose="02070309020205020404" pitchFamily="49" charset="0"/>
-                <a:cs typeface="Courier New" panose="02070309020205020404" pitchFamily="49" charset="0"/>
-              </a:rPr>
-              <a:t>about 2 weeks </a:t>
-            </a:r>
+            <a:pPr lvl="1"/>
+            <a:endParaRPr lang="en-GB" sz="1100" dirty="0">
+              <a:latin typeface="Courier New" panose="02070309020205020404" pitchFamily="49" charset="0"/>
+              <a:cs typeface="Courier New" panose="02070309020205020404" pitchFamily="49" charset="0"/>
+            </a:endParaRPr>
+          </a:p>
+          <a:p>
+            <a:endParaRPr lang="en-GB" sz="1100" dirty="0">
+              <a:latin typeface="Courier New" panose="02070309020205020404" pitchFamily="49" charset="0"/>
+              <a:cs typeface="Courier New" panose="02070309020205020404" pitchFamily="49" charset="0"/>
+            </a:endParaRPr>
           </a:p>
           <a:p>
             <a:endParaRPr lang="en-GB" sz="1100" dirty="0">
@@ -6522,7 +6417,7 @@
             <a:pPr rtl="0"/>
             <a:fld id="{6AF379E8-AC6C-43B9-9222-BDF0AF9336F0}" type="datetime1">
               <a:rPr lang="en-US" smtClean="0"/>
-              <a:t>5/31/2023</a:t>
+              <a:t>6/13/2023</a:t>
             </a:fld>
             <a:endParaRPr lang="en-US"/>
           </a:p>
@@ -6531,7 +6426,7 @@
     </p:spTree>
     <p:extLst>
       <p:ext uri="{BB962C8B-B14F-4D97-AF65-F5344CB8AC3E}">
-        <p14:creationId xmlns:p14="http://schemas.microsoft.com/office/powerpoint/2010/main" val="3574769150"/>
+        <p14:creationId xmlns:p14="http://schemas.microsoft.com/office/powerpoint/2010/main" val="2497478817"/>
       </p:ext>
     </p:extLst>
   </p:cSld>
@@ -6563,7 +6458,7 @@
           <p:cNvPr id="2" name="Title 1">
             <a:extLst>
               <a:ext uri="{FF2B5EF4-FFF2-40B4-BE49-F238E27FC236}">
-                <a16:creationId xmlns:a16="http://schemas.microsoft.com/office/drawing/2014/main" id="{AF2BE95B-DDF1-5FBC-254E-875503A29DC2}"/>
+                <a16:creationId xmlns:a16="http://schemas.microsoft.com/office/drawing/2014/main" id="{C5DD46AC-50A4-C0A8-A152-C46F5AAC77CB}"/>
               </a:ext>
             </a:extLst>
           </p:cNvPr>
@@ -6574,14 +6469,24 @@
             <p:ph type="title"/>
           </p:nvPr>
         </p:nvSpPr>
-        <p:spPr/>
-        <p:txBody>
-          <a:bodyPr/>
+        <p:spPr>
+          <a:xfrm>
+            <a:off x="411192" y="392428"/>
+            <a:ext cx="10058400" cy="849776"/>
+          </a:xfrm>
+        </p:spPr>
+        <p:txBody>
+          <a:bodyPr>
+            <a:normAutofit fontScale="90000"/>
+          </a:bodyPr>
           <a:lstStyle/>
           <a:p>
             <a:r>
-              <a:rPr lang="en-GB" dirty="0"/>
-              <a:t>Run the annotation and transfer pipeline</a:t>
+              <a:rPr lang="en-GB" sz="3600" dirty="0">
+                <a:latin typeface="Courier New" panose="02070309020205020404" pitchFamily="49" charset="0"/>
+                <a:cs typeface="Courier New" panose="02070309020205020404" pitchFamily="49" charset="0"/>
+              </a:rPr>
+              <a:t>1 (continue). Copying the parquet files to the codon cluster</a:t>
             </a:r>
           </a:p>
         </p:txBody>
@@ -6591,7 +6496,7 @@
           <p:cNvPr id="3" name="Content Placeholder 2">
             <a:extLst>
               <a:ext uri="{FF2B5EF4-FFF2-40B4-BE49-F238E27FC236}">
-                <a16:creationId xmlns:a16="http://schemas.microsoft.com/office/drawing/2014/main" id="{382E34FA-2F10-59F2-D739-E3D164821BD2}"/>
+                <a16:creationId xmlns:a16="http://schemas.microsoft.com/office/drawing/2014/main" id="{AB83E854-E5EB-F4BB-F61C-B662BC2667CB}"/>
               </a:ext>
             </a:extLst>
           </p:cNvPr>
@@ -6602,22 +6507,27 @@
             <p:ph idx="1"/>
           </p:nvPr>
         </p:nvSpPr>
-        <p:spPr/>
+        <p:spPr>
+          <a:xfrm>
+            <a:off x="635479" y="1703294"/>
+            <a:ext cx="10058400" cy="4634752"/>
+          </a:xfrm>
+        </p:spPr>
         <p:txBody>
           <a:bodyPr>
             <a:normAutofit/>
           </a:bodyPr>
           <a:lstStyle/>
           <a:p>
-            <a:r>
-              <a:rPr lang="en-GB" sz="1100" dirty="0"/>
-              <a:t>This step assigns the annotations to each StatPacket and transfers the files to Hadoop cluster for the downstream processes.</a:t>
-            </a:r>
-          </a:p>
-          <a:p>
-            <a:r>
-              <a:rPr lang="en-GB" sz="1100" dirty="0"/>
-              <a:t>Step:</a:t>
+            <a:pPr marL="274320" lvl="1" indent="0">
+              <a:buNone/>
+            </a:pPr>
+            <a:r>
+              <a:rPr lang="en-GB" sz="1100" b="1" dirty="0">
+                <a:latin typeface="Courier New" panose="02070309020205020404" pitchFamily="49" charset="0"/>
+                <a:cs typeface="Courier New" panose="02070309020205020404" pitchFamily="49" charset="0"/>
+              </a:rPr>
+              <a:t>Steps:</a:t>
             </a:r>
           </a:p>
           <a:p>
@@ -6630,7 +6540,7 @@
                 <a:latin typeface="Courier New" panose="02070309020205020404" pitchFamily="49" charset="0"/>
                 <a:cs typeface="Courier New" panose="02070309020205020404" pitchFamily="49" charset="0"/>
               </a:rPr>
-              <a:t>Navigate to :/</a:t>
+              <a:t>Create a directory on codon:/</a:t>
             </a:r>
             <a:r>
               <a:rPr lang="en-GB" sz="1100" dirty="0" err="1">
@@ -6689,25 +6599,18 @@
               <a:t>/IMPC_DRs/</a:t>
             </a:r>
             <a:r>
+              <a:rPr lang="en-GB" sz="1100" b="1" dirty="0">
+                <a:latin typeface="Courier New" panose="02070309020205020404" pitchFamily="49" charset="0"/>
+                <a:cs typeface="Courier New" panose="02070309020205020404" pitchFamily="49" charset="0"/>
+              </a:rPr>
+              <a:t> </a:t>
+            </a:r>
+            <a:r>
               <a:rPr lang="en-GB" sz="1100" b="1" dirty="0" err="1">
                 <a:latin typeface="Courier New" panose="02070309020205020404" pitchFamily="49" charset="0"/>
                 <a:cs typeface="Courier New" panose="02070309020205020404" pitchFamily="49" charset="0"/>
               </a:rPr>
               <a:t>stats_pipeline_input_drXX.y</a:t>
-            </a:r>
-            <a:r>
-              <a:rPr lang="en-GB" sz="1100" dirty="0">
-                <a:latin typeface="Courier New" panose="02070309020205020404" pitchFamily="49" charset="0"/>
-                <a:cs typeface="Courier New" panose="02070309020205020404" pitchFamily="49" charset="0"/>
-              </a:rPr>
-              <a:t>/SP/jobs/</a:t>
-            </a:r>
-            <a:r>
-              <a:rPr lang="en-GB" sz="1100" dirty="0" err="1">
-                <a:latin typeface="Courier New" panose="02070309020205020404" pitchFamily="49" charset="0"/>
-                <a:cs typeface="Courier New" panose="02070309020205020404" pitchFamily="49" charset="0"/>
-              </a:rPr>
-              <a:t>Results_IMPC_SP_Windowed</a:t>
             </a:r>
             <a:endParaRPr lang="en-GB" sz="1100" dirty="0">
               <a:latin typeface="Courier New" panose="02070309020205020404" pitchFamily="49" charset="0"/>
@@ -6724,7 +6627,145 @@
                 <a:latin typeface="Courier New" panose="02070309020205020404" pitchFamily="49" charset="0"/>
                 <a:cs typeface="Courier New" panose="02070309020205020404" pitchFamily="49" charset="0"/>
               </a:rPr>
-              <a:t>Open an R session by typing R in your console (you need to make sure that this session is alive during the process or you can make a screen to keep it alive)</a:t>
+              <a:t>Open an R session by typing R in the console</a:t>
+            </a:r>
+          </a:p>
+          <a:p>
+            <a:pPr marL="891540" lvl="2" indent="-342900">
+              <a:buFont typeface="+mj-lt"/>
+              <a:buAutoNum type="arabicPeriod"/>
+            </a:pPr>
+            <a:r>
+              <a:rPr lang="en-GB" sz="1100" dirty="0">
+                <a:latin typeface="Courier New" panose="02070309020205020404" pitchFamily="49" charset="0"/>
+                <a:cs typeface="Courier New" panose="02070309020205020404" pitchFamily="49" charset="0"/>
+              </a:rPr>
+              <a:t>Run the following. This will update the pipeline to the latest version. </a:t>
+            </a:r>
+            <a:r>
+              <a:rPr lang="en-GB" sz="1100" b="1" dirty="0" err="1">
+                <a:latin typeface="Courier New" panose="02070309020205020404" pitchFamily="49" charset="0"/>
+                <a:cs typeface="Courier New" panose="02070309020205020404" pitchFamily="49" charset="0"/>
+              </a:rPr>
+              <a:t>command:source</a:t>
+            </a:r>
+            <a:r>
+              <a:rPr lang="en-GB" sz="1100" b="1" dirty="0">
+                <a:latin typeface="Courier New" panose="02070309020205020404" pitchFamily="49" charset="0"/>
+                <a:cs typeface="Courier New" panose="02070309020205020404" pitchFamily="49" charset="0"/>
+              </a:rPr>
+              <a:t>('https://raw.githubusercontent.com/mpi2/</a:t>
+            </a:r>
+            <a:r>
+              <a:rPr lang="en-GB" sz="1100" b="1" dirty="0" err="1">
+                <a:latin typeface="Courier New" panose="02070309020205020404" pitchFamily="49" charset="0"/>
+                <a:cs typeface="Courier New" panose="02070309020205020404" pitchFamily="49" charset="0"/>
+              </a:rPr>
+              <a:t>impc_stats_pipeline</a:t>
+            </a:r>
+            <a:r>
+              <a:rPr lang="en-GB" sz="1100" b="1" dirty="0">
+                <a:latin typeface="Courier New" panose="02070309020205020404" pitchFamily="49" charset="0"/>
+                <a:cs typeface="Courier New" panose="02070309020205020404" pitchFamily="49" charset="0"/>
+              </a:rPr>
+              <a:t>/master/Late%20adults%20stats%20pipeline/</a:t>
+            </a:r>
+            <a:r>
+              <a:rPr lang="en-GB" sz="1100" b="1" dirty="0" err="1">
+                <a:latin typeface="Courier New" panose="02070309020205020404" pitchFamily="49" charset="0"/>
+                <a:cs typeface="Courier New" panose="02070309020205020404" pitchFamily="49" charset="0"/>
+              </a:rPr>
+              <a:t>DRrequiredAgeing</a:t>
+            </a:r>
+            <a:r>
+              <a:rPr lang="en-GB" sz="1100" b="1" dirty="0">
+                <a:latin typeface="Courier New" panose="02070309020205020404" pitchFamily="49" charset="0"/>
+                <a:cs typeface="Courier New" panose="02070309020205020404" pitchFamily="49" charset="0"/>
+              </a:rPr>
+              <a:t>/</a:t>
+            </a:r>
+            <a:r>
+              <a:rPr lang="en-GB" sz="1100" b="1" dirty="0" err="1">
+                <a:latin typeface="Courier New" panose="02070309020205020404" pitchFamily="49" charset="0"/>
+                <a:cs typeface="Courier New" panose="02070309020205020404" pitchFamily="49" charset="0"/>
+              </a:rPr>
+              <a:t>DRrequiredAgeingPackage</a:t>
+            </a:r>
+            <a:r>
+              <a:rPr lang="en-GB" sz="1100" b="1" dirty="0">
+                <a:latin typeface="Courier New" panose="02070309020205020404" pitchFamily="49" charset="0"/>
+                <a:cs typeface="Courier New" panose="02070309020205020404" pitchFamily="49" charset="0"/>
+              </a:rPr>
+              <a:t>/</a:t>
+            </a:r>
+            <a:r>
+              <a:rPr lang="en-GB" sz="1100" b="1" dirty="0" err="1">
+                <a:latin typeface="Courier New" panose="02070309020205020404" pitchFamily="49" charset="0"/>
+                <a:cs typeface="Courier New" panose="02070309020205020404" pitchFamily="49" charset="0"/>
+              </a:rPr>
+              <a:t>inst</a:t>
+            </a:r>
+            <a:r>
+              <a:rPr lang="en-GB" sz="1100" b="1" dirty="0">
+                <a:latin typeface="Courier New" panose="02070309020205020404" pitchFamily="49" charset="0"/>
+                <a:cs typeface="Courier New" panose="02070309020205020404" pitchFamily="49" charset="0"/>
+              </a:rPr>
+              <a:t>/</a:t>
+            </a:r>
+            <a:r>
+              <a:rPr lang="en-GB" sz="1100" b="1" dirty="0" err="1">
+                <a:latin typeface="Courier New" panose="02070309020205020404" pitchFamily="49" charset="0"/>
+                <a:cs typeface="Courier New" panose="02070309020205020404" pitchFamily="49" charset="0"/>
+              </a:rPr>
+              <a:t>extdata</a:t>
+            </a:r>
+            <a:r>
+              <a:rPr lang="en-GB" sz="1100" b="1" dirty="0">
+                <a:latin typeface="Courier New" panose="02070309020205020404" pitchFamily="49" charset="0"/>
+                <a:cs typeface="Courier New" panose="02070309020205020404" pitchFamily="49" charset="0"/>
+              </a:rPr>
+              <a:t>/</a:t>
+            </a:r>
+            <a:r>
+              <a:rPr lang="en-GB" sz="1100" b="1" dirty="0" err="1">
+                <a:latin typeface="Courier New" panose="02070309020205020404" pitchFamily="49" charset="0"/>
+                <a:cs typeface="Courier New" panose="02070309020205020404" pitchFamily="49" charset="0"/>
+              </a:rPr>
+              <a:t>StatsPipeline</a:t>
+            </a:r>
+            <a:r>
+              <a:rPr lang="en-GB" sz="1100" b="1" dirty="0">
+                <a:latin typeface="Courier New" panose="02070309020205020404" pitchFamily="49" charset="0"/>
+                <a:cs typeface="Courier New" panose="02070309020205020404" pitchFamily="49" charset="0"/>
+              </a:rPr>
+              <a:t>/</a:t>
+            </a:r>
+            <a:r>
+              <a:rPr lang="en-GB" sz="1100" b="1" dirty="0" err="1">
+                <a:latin typeface="Courier New" panose="02070309020205020404" pitchFamily="49" charset="0"/>
+                <a:cs typeface="Courier New" panose="02070309020205020404" pitchFamily="49" charset="0"/>
+              </a:rPr>
+              <a:t>UpdatePackagesFromGithub.R</a:t>
+            </a:r>
+            <a:r>
+              <a:rPr lang="en-GB" sz="1100" b="1" dirty="0">
+                <a:latin typeface="Courier New" panose="02070309020205020404" pitchFamily="49" charset="0"/>
+                <a:cs typeface="Courier New" panose="02070309020205020404" pitchFamily="49" charset="0"/>
+              </a:rPr>
+              <a:t>’) </a:t>
+            </a:r>
+          </a:p>
+          <a:p>
+            <a:pPr marL="891540" lvl="2" indent="-342900">
+              <a:buFont typeface="+mj-lt"/>
+              <a:buAutoNum type="arabicPeriod"/>
+            </a:pPr>
+            <a:r>
+              <a:rPr lang="en-GB" sz="1100" b="1" dirty="0">
+                <a:latin typeface="Courier New" panose="02070309020205020404" pitchFamily="49" charset="0"/>
+                <a:cs typeface="Courier New" panose="02070309020205020404" pitchFamily="49" charset="0"/>
+              </a:rPr>
+              <a:t>Exit R by typing q()</a:t>
             </a:r>
           </a:p>
           <a:p>
@@ -6732,21 +6773,66 @@
               <a:buFont typeface="+mj-lt"/>
               <a:buAutoNum type="arabicPeriod"/>
             </a:pPr>
-            <a:r>
-              <a:rPr lang="en-GB" sz="1100" dirty="0">
-                <a:latin typeface="Courier New" panose="02070309020205020404" pitchFamily="49" charset="0"/>
-                <a:cs typeface="Courier New" panose="02070309020205020404" pitchFamily="49" charset="0"/>
-              </a:rPr>
-              <a:t>Run the following command in the R session:</a:t>
+            <a:endParaRPr lang="en-GB" sz="1100" b="1" dirty="0">
+              <a:latin typeface="Courier New" panose="02070309020205020404" pitchFamily="49" charset="0"/>
+              <a:cs typeface="Courier New" panose="02070309020205020404" pitchFamily="49" charset="0"/>
+            </a:endParaRPr>
+          </a:p>
+          <a:p>
+            <a:pPr marL="617220" lvl="1" indent="-342900">
+              <a:buFont typeface="+mj-lt"/>
+              <a:buAutoNum type="arabicPeriod"/>
+            </a:pPr>
+            <a:r>
+              <a:rPr lang="en-GB" sz="1100" dirty="0">
+                <a:latin typeface="Courier New" panose="02070309020205020404" pitchFamily="49" charset="0"/>
+                <a:cs typeface="Courier New" panose="02070309020205020404" pitchFamily="49" charset="0"/>
+              </a:rPr>
+              <a:t>In the same directory run:</a:t>
             </a:r>
           </a:p>
           <a:p>
             <a:pPr lvl="2"/>
             <a:r>
+              <a:rPr lang="en-GB" sz="1100" dirty="0">
+                <a:latin typeface="Courier New" panose="02070309020205020404" pitchFamily="49" charset="0"/>
+                <a:cs typeface="Courier New" panose="02070309020205020404" pitchFamily="49" charset="0"/>
+              </a:rPr>
+              <a:t>bsub –e </a:t>
+            </a:r>
+            <a:r>
               <a:rPr lang="en-GB" sz="1100" dirty="0" err="1">
                 <a:latin typeface="Courier New" panose="02070309020205020404" pitchFamily="49" charset="0"/>
                 <a:cs typeface="Courier New" panose="02070309020205020404" pitchFamily="49" charset="0"/>
               </a:rPr>
+              <a:t>StatsPipelineError</a:t>
+            </a:r>
+            <a:r>
+              <a:rPr lang="en-GB" sz="1100" dirty="0">
+                <a:latin typeface="Courier New" panose="02070309020205020404" pitchFamily="49" charset="0"/>
+                <a:cs typeface="Courier New" panose="02070309020205020404" pitchFamily="49" charset="0"/>
+              </a:rPr>
+              <a:t> –o </a:t>
+            </a:r>
+            <a:r>
+              <a:rPr lang="en-GB" sz="1100" dirty="0" err="1">
+                <a:latin typeface="Courier New" panose="02070309020205020404" pitchFamily="49" charset="0"/>
+                <a:cs typeface="Courier New" panose="02070309020205020404" pitchFamily="49" charset="0"/>
+              </a:rPr>
+              <a:t>StatsPipelineOutput</a:t>
+            </a:r>
+            <a:r>
+              <a:rPr lang="en-GB" sz="1100" dirty="0">
+                <a:latin typeface="Courier New" panose="02070309020205020404" pitchFamily="49" charset="0"/>
+                <a:cs typeface="Courier New" panose="02070309020205020404" pitchFamily="49" charset="0"/>
+              </a:rPr>
+              <a:t> “R –e ‘</a:t>
+            </a:r>
+            <a:r>
+              <a:rPr lang="en-GB" sz="1100" dirty="0" err="1">
+                <a:latin typeface="Courier New" panose="02070309020205020404" pitchFamily="49" charset="0"/>
+                <a:cs typeface="Courier New" panose="02070309020205020404" pitchFamily="49" charset="0"/>
+              </a:rPr>
               <a:t>DRrequiredAgeing</a:t>
             </a:r>
             <a:r>
@@ -6761,162 +6847,60 @@
                 <a:latin typeface="Courier New" panose="02070309020205020404" pitchFamily="49" charset="0"/>
                 <a:cs typeface="Courier New" panose="02070309020205020404" pitchFamily="49" charset="0"/>
               </a:rPr>
-              <a:t>HadoopReTransfer</a:t>
-            </a:r>
-            <a:r>
-              <a:rPr lang="en-GB" sz="1100" dirty="0">
-                <a:latin typeface="Courier New" panose="02070309020205020404" pitchFamily="49" charset="0"/>
-                <a:cs typeface="Courier New" panose="02070309020205020404" pitchFamily="49" charset="0"/>
-              </a:rPr>
-              <a:t>(prefix=‘</a:t>
+              <a:t>StatsPipeline</a:t>
+            </a:r>
+            <a:r>
+              <a:rPr lang="en-GB" sz="1100" dirty="0">
+                <a:latin typeface="Courier New" panose="02070309020205020404" pitchFamily="49" charset="0"/>
+                <a:cs typeface="Courier New" panose="02070309020205020404" pitchFamily="49" charset="0"/>
+              </a:rPr>
+              <a:t>(</a:t>
             </a:r>
             <a:r>
               <a:rPr lang="en-GB" sz="1100" dirty="0" err="1">
                 <a:latin typeface="Courier New" panose="02070309020205020404" pitchFamily="49" charset="0"/>
                 <a:cs typeface="Courier New" panose="02070309020205020404" pitchFamily="49" charset="0"/>
               </a:rPr>
-              <a:t>DRXX’,transfer</a:t>
-            </a:r>
-            <a:r>
-              <a:rPr lang="en-GB" sz="1100" dirty="0">
-                <a:latin typeface="Courier New" panose="02070309020205020404" pitchFamily="49" charset="0"/>
-                <a:cs typeface="Courier New" panose="02070309020205020404" pitchFamily="49" charset="0"/>
-              </a:rPr>
-              <a:t>=TRUE)</a:t>
-            </a:r>
-          </a:p>
-          <a:p>
-            <a:pPr lvl="2"/>
-            <a:r>
-              <a:rPr lang="en-GB" sz="1100" b="1" kern="1200" dirty="0">
-                <a:solidFill>
-                  <a:srgbClr val="2C481F"/>
-                </a:solidFill>
-                <a:effectLst/>
-                <a:latin typeface="Courier New" panose="02070309020205020404" pitchFamily="49" charset="0"/>
-                <a:cs typeface="Courier New" panose="02070309020205020404" pitchFamily="49" charset="0"/>
-              </a:rPr>
-              <a:t>► The command above uses the power of </a:t>
+              <a:t>DRversion</a:t>
+            </a:r>
+            <a:r>
+              <a:rPr lang="en-GB" sz="1100" dirty="0">
+                <a:latin typeface="Courier New" panose="02070309020205020404" pitchFamily="49" charset="0"/>
+                <a:cs typeface="Courier New" panose="02070309020205020404" pitchFamily="49" charset="0"/>
+              </a:rPr>
+              <a:t>=</a:t>
             </a:r>
             <a:r>
               <a:rPr lang="en-GB" sz="1100" b="1" dirty="0">
                 <a:solidFill>
-                  <a:srgbClr val="2C481F"/>
+                  <a:schemeClr val="accent2"/>
                 </a:solidFill>
                 <a:latin typeface="Courier New" panose="02070309020205020404" pitchFamily="49" charset="0"/>
                 <a:cs typeface="Courier New" panose="02070309020205020404" pitchFamily="49" charset="0"/>
               </a:rPr>
-              <a:t>LSF cluster to assign the annotations to the StatPackets and transfers the files to the Hadoop cluster. The files will be transferred to Hadoop:/</a:t>
-            </a:r>
-            <a:r>
-              <a:rPr lang="en-GB" sz="1100" b="1" dirty="0" err="1">
-                <a:solidFill>
-                  <a:srgbClr val="2C481F"/>
-                </a:solidFill>
-                <a:latin typeface="Courier New" panose="02070309020205020404" pitchFamily="49" charset="0"/>
-                <a:cs typeface="Courier New" panose="02070309020205020404" pitchFamily="49" charset="0"/>
-              </a:rPr>
-              <a:t>hadoop</a:t>
-            </a:r>
+              <a:t>XXX</a:t>
+            </a:r>
+            <a:r>
+              <a:rPr lang="en-GB" sz="1100" dirty="0">
+                <a:latin typeface="Courier New" panose="02070309020205020404" pitchFamily="49" charset="0"/>
+                <a:cs typeface="Courier New" panose="02070309020205020404" pitchFamily="49" charset="0"/>
+              </a:rPr>
+              <a:t>)’”</a:t>
+            </a:r>
+          </a:p>
+          <a:p>
+            <a:pPr lvl="3"/>
             <a:r>
               <a:rPr lang="en-GB" sz="1100" b="1" dirty="0">
                 <a:solidFill>
-                  <a:srgbClr val="2C481F"/>
+                  <a:schemeClr val="accent1">
+                    <a:lumMod val="50000"/>
+                  </a:schemeClr>
                 </a:solidFill>
                 <a:latin typeface="Courier New" panose="02070309020205020404" pitchFamily="49" charset="0"/>
                 <a:cs typeface="Courier New" panose="02070309020205020404" pitchFamily="49" charset="0"/>
               </a:rPr>
-              <a:t>/user/[USERNAME]/</a:t>
-            </a:r>
-            <a:r>
-              <a:rPr lang="en-GB" sz="1100" b="1" dirty="0" err="1">
-                <a:solidFill>
-                  <a:srgbClr val="2C481F"/>
-                </a:solidFill>
-                <a:latin typeface="Courier New" panose="02070309020205020404" pitchFamily="49" charset="0"/>
-                <a:cs typeface="Courier New" panose="02070309020205020404" pitchFamily="49" charset="0"/>
-              </a:rPr>
-              <a:t>impc</a:t>
-            </a:r>
-            <a:r>
-              <a:rPr lang="en-GB" sz="1100" b="1" dirty="0">
-                <a:solidFill>
-                  <a:srgbClr val="2C481F"/>
-                </a:solidFill>
-                <a:latin typeface="Courier New" panose="02070309020205020404" pitchFamily="49" charset="0"/>
-                <a:cs typeface="Courier New" panose="02070309020205020404" pitchFamily="49" charset="0"/>
-              </a:rPr>
-              <a:t>/</a:t>
-            </a:r>
-            <a:r>
-              <a:rPr lang="en-GB" sz="1100" b="1" dirty="0" err="1">
-                <a:solidFill>
-                  <a:srgbClr val="2C481F"/>
-                </a:solidFill>
-                <a:latin typeface="Courier New" panose="02070309020205020404" pitchFamily="49" charset="0"/>
-                <a:cs typeface="Courier New" panose="02070309020205020404" pitchFamily="49" charset="0"/>
-              </a:rPr>
-              <a:t>statpackets</a:t>
-            </a:r>
-            <a:r>
-              <a:rPr lang="en-GB" sz="1100" b="1" dirty="0">
-                <a:solidFill>
-                  <a:srgbClr val="2C481F"/>
-                </a:solidFill>
-                <a:latin typeface="Courier New" panose="02070309020205020404" pitchFamily="49" charset="0"/>
-                <a:cs typeface="Courier New" panose="02070309020205020404" pitchFamily="49" charset="0"/>
-              </a:rPr>
-              <a:t>/DRXX</a:t>
-            </a:r>
-          </a:p>
-          <a:p>
-            <a:pPr lvl="2"/>
-            <a:r>
-              <a:rPr lang="en-GB" sz="1100" b="1" kern="1200" dirty="0">
-                <a:solidFill>
-                  <a:srgbClr val="2C481F"/>
-                </a:solidFill>
-                <a:effectLst/>
-                <a:latin typeface="Courier New" panose="02070309020205020404" pitchFamily="49" charset="0"/>
-                <a:cs typeface="Courier New" panose="02070309020205020404" pitchFamily="49" charset="0"/>
-              </a:rPr>
-              <a:t>► The most complex part of this process is that some files will fail to transfer and you need to use </a:t>
-            </a:r>
-            <a:r>
-              <a:rPr lang="en-GB" sz="1100" b="1" kern="1200" dirty="0" err="1">
-                <a:solidFill>
-                  <a:srgbClr val="2C481F"/>
-                </a:solidFill>
-                <a:effectLst/>
-                <a:latin typeface="Courier New" panose="02070309020205020404" pitchFamily="49" charset="0"/>
-                <a:cs typeface="Courier New" panose="02070309020205020404" pitchFamily="49" charset="0"/>
-              </a:rPr>
-              <a:t>scp</a:t>
-            </a:r>
-            <a:r>
-              <a:rPr lang="en-GB" sz="1100" b="1" kern="1200" dirty="0">
-                <a:solidFill>
-                  <a:srgbClr val="2C481F"/>
-                </a:solidFill>
-                <a:effectLst/>
-                <a:latin typeface="Courier New" panose="02070309020205020404" pitchFamily="49" charset="0"/>
-                <a:cs typeface="Courier New" panose="02070309020205020404" pitchFamily="49" charset="0"/>
-              </a:rPr>
-              <a:t> command to transfer files to Hadoop manually</a:t>
-            </a:r>
-          </a:p>
-          <a:p>
-            <a:pPr lvl="2"/>
-            <a:r>
-              <a:rPr lang="en-GB" sz="1100" b="1" kern="1200" dirty="0">
-                <a:solidFill>
-                  <a:srgbClr val="2C481F"/>
-                </a:solidFill>
-                <a:effectLst/>
-                <a:latin typeface="Courier New" panose="02070309020205020404" pitchFamily="49" charset="0"/>
-                <a:cs typeface="Courier New" panose="02070309020205020404" pitchFamily="49" charset="0"/>
-              </a:rPr>
-              <a:t>► When you are sure that all files are there, you can share the path with Federico.</a:t>
+              <a:t>► replace the DR version in XXX</a:t>
             </a:r>
             <a:endParaRPr lang="en-GB" sz="1100" dirty="0">
               <a:latin typeface="Courier New" panose="02070309020205020404" pitchFamily="49" charset="0"/>
@@ -6924,7 +6908,7 @@
             </a:endParaRPr>
           </a:p>
           <a:p>
-            <a:pPr marL="617220" lvl="1" indent="-342900">
+            <a:pPr marL="891540" lvl="2" indent="-342900">
               <a:buFont typeface="+mj-lt"/>
               <a:buAutoNum type="arabicPeriod"/>
             </a:pPr>
@@ -6933,6 +6917,34 @@
               <a:cs typeface="Courier New" panose="02070309020205020404" pitchFamily="49" charset="0"/>
             </a:endParaRPr>
           </a:p>
+          <a:p>
+            <a:endParaRPr lang="en-GB" sz="1100" dirty="0">
+              <a:latin typeface="Courier New" panose="02070309020205020404" pitchFamily="49" charset="0"/>
+              <a:cs typeface="Courier New" panose="02070309020205020404" pitchFamily="49" charset="0"/>
+            </a:endParaRPr>
+          </a:p>
+          <a:p>
+            <a:r>
+              <a:rPr lang="en-GB" sz="1100" dirty="0">
+                <a:latin typeface="Courier New" panose="02070309020205020404" pitchFamily="49" charset="0"/>
+                <a:cs typeface="Courier New" panose="02070309020205020404" pitchFamily="49" charset="0"/>
+              </a:rPr>
+              <a:t>The above steps will execute the pipeline, prepare the data and perform the statistical analysis. This normally takes </a:t>
+            </a:r>
+            <a:r>
+              <a:rPr lang="en-GB" sz="1100" b="1" dirty="0">
+                <a:latin typeface="Courier New" panose="02070309020205020404" pitchFamily="49" charset="0"/>
+                <a:cs typeface="Courier New" panose="02070309020205020404" pitchFamily="49" charset="0"/>
+              </a:rPr>
+              <a:t>about 2 weeks </a:t>
+            </a:r>
+          </a:p>
+          <a:p>
+            <a:endParaRPr lang="en-GB" sz="1100" dirty="0">
+              <a:latin typeface="Courier New" panose="02070309020205020404" pitchFamily="49" charset="0"/>
+              <a:cs typeface="Courier New" panose="02070309020205020404" pitchFamily="49" charset="0"/>
+            </a:endParaRPr>
+          </a:p>
         </p:txBody>
       </p:sp>
       <p:sp>
@@ -6940,7 +6952,7 @@
           <p:cNvPr id="4" name="Date Placeholder 3">
             <a:extLst>
               <a:ext uri="{FF2B5EF4-FFF2-40B4-BE49-F238E27FC236}">
-                <a16:creationId xmlns:a16="http://schemas.microsoft.com/office/drawing/2014/main" id="{8E297709-FD23-B3A8-0B3B-3B60227D290E}"/>
+                <a16:creationId xmlns:a16="http://schemas.microsoft.com/office/drawing/2014/main" id="{781F7B05-D087-7E45-9514-901E591BE501}"/>
               </a:ext>
             </a:extLst>
           </p:cNvPr>
@@ -6959,7 +6971,7 @@
             <a:pPr rtl="0"/>
             <a:fld id="{6AF379E8-AC6C-43B9-9222-BDF0AF9336F0}" type="datetime1">
               <a:rPr lang="en-US" smtClean="0"/>
-              <a:t>5/31/2023</a:t>
+              <a:t>6/13/2023</a:t>
             </a:fld>
             <a:endParaRPr lang="en-US"/>
           </a:p>
@@ -6968,7 +6980,7 @@
     </p:spTree>
     <p:extLst>
       <p:ext uri="{BB962C8B-B14F-4D97-AF65-F5344CB8AC3E}">
-        <p14:creationId xmlns:p14="http://schemas.microsoft.com/office/powerpoint/2010/main" val="3914978936"/>
+        <p14:creationId xmlns:p14="http://schemas.microsoft.com/office/powerpoint/2010/main" val="3574769150"/>
       </p:ext>
     </p:extLst>
   </p:cSld>
@@ -6997,10 +7009,326 @@
       </p:grpSpPr>
       <p:sp>
         <p:nvSpPr>
+          <p:cNvPr id="3" name="Content Placeholder 2">
+            <a:extLst>
+              <a:ext uri="{FF2B5EF4-FFF2-40B4-BE49-F238E27FC236}">
+                <a16:creationId xmlns:a16="http://schemas.microsoft.com/office/drawing/2014/main" id="{D169058A-B7A9-7EAC-31A4-CCBCFD7182D7}"/>
+              </a:ext>
+            </a:extLst>
+          </p:cNvPr>
+          <p:cNvSpPr>
+            <a:spLocks noGrp="1"/>
+          </p:cNvSpPr>
+          <p:nvPr>
+            <p:ph idx="1"/>
+          </p:nvPr>
+        </p:nvSpPr>
+        <p:spPr/>
+        <p:txBody>
+          <a:bodyPr>
+            <a:normAutofit fontScale="92500"/>
+          </a:bodyPr>
+          <a:lstStyle/>
+          <a:p>
+            <a:r>
+              <a:rPr lang="en-GB" dirty="0"/>
+              <a:t>How to figure out the pipeline is running?</a:t>
+            </a:r>
+          </a:p>
+          <a:p>
+            <a:pPr lvl="1"/>
+            <a:r>
+              <a:rPr lang="en-GB" dirty="0"/>
+              <a:t>The easiest way to figure out that the pipeline is running is to execute </a:t>
+            </a:r>
+            <a:r>
+              <a:rPr lang="en-GB" b="1" dirty="0" err="1">
+                <a:latin typeface="Courier New" panose="02070309020205020404" pitchFamily="49" charset="0"/>
+                <a:cs typeface="Courier New" panose="02070309020205020404" pitchFamily="49" charset="0"/>
+              </a:rPr>
+              <a:t>bjobs</a:t>
+            </a:r>
+            <a:r>
+              <a:rPr lang="en-GB" dirty="0"/>
+              <a:t> and in the first 4 days of running the pipeline there should be less than 20 jobs running and otherwise there should be 5000+ jobs running on the codon cluster.</a:t>
+            </a:r>
+          </a:p>
+          <a:p>
+            <a:pPr lvl="1"/>
+            <a:endParaRPr lang="en-GB" dirty="0"/>
+          </a:p>
+          <a:p>
+            <a:r>
+              <a:rPr lang="en-GB" dirty="0"/>
+              <a:t>How to figure out if this step is finished?</a:t>
+            </a:r>
+          </a:p>
+          <a:p>
+            <a:pPr lvl="1"/>
+            <a:r>
+              <a:rPr lang="en-GB" dirty="0"/>
+              <a:t>When there is no jobs running of the cluster, this means the pipeline is finished</a:t>
+            </a:r>
+          </a:p>
+          <a:p>
+            <a:pPr lvl="1"/>
+            <a:endParaRPr lang="en-GB" dirty="0"/>
+          </a:p>
+          <a:p>
+            <a:r>
+              <a:rPr lang="en-GB" dirty="0"/>
+              <a:t>How to get errors from the pipeline?</a:t>
+            </a:r>
+          </a:p>
+          <a:p>
+            <a:pPr lvl="1"/>
+            <a:r>
+              <a:rPr lang="en-GB" b="1" dirty="0"/>
+              <a:t>The short answer:</a:t>
+            </a:r>
+            <a:r>
+              <a:rPr lang="en-GB" dirty="0"/>
+              <a:t> The easiest way to access the logs is to refer to </a:t>
+            </a:r>
+            <a:r>
+              <a:rPr lang="en-GB" sz="1400" b="1" dirty="0">
+                <a:latin typeface="Courier New" panose="02070309020205020404" pitchFamily="49" charset="0"/>
+                <a:cs typeface="Courier New" panose="02070309020205020404" pitchFamily="49" charset="0"/>
+              </a:rPr>
+              <a:t>&lt;stats pipeline directory&gt;</a:t>
+            </a:r>
+            <a:r>
+              <a:rPr lang="en-GB" sz="1400" dirty="0">
+                <a:latin typeface="Courier New" panose="02070309020205020404" pitchFamily="49" charset="0"/>
+                <a:cs typeface="Courier New" panose="02070309020205020404" pitchFamily="49" charset="0"/>
+              </a:rPr>
+              <a:t>/SP/logs after the completion of the pipeline </a:t>
+            </a:r>
+            <a:endParaRPr lang="en-GB" dirty="0"/>
+          </a:p>
+          <a:p>
+            <a:pPr lvl="1"/>
+            <a:r>
+              <a:rPr lang="en-GB" b="1" dirty="0"/>
+              <a:t>The long answer (only If the pipeline failed). </a:t>
+            </a:r>
+            <a:r>
+              <a:rPr lang="en-GB" dirty="0"/>
+              <a:t>The log files are distributed for jobs and there are not in a single place. You can use the following command (in UNIX bash) to copy the log files into your destination directory</a:t>
+            </a:r>
+          </a:p>
+          <a:p>
+            <a:pPr lvl="2"/>
+            <a:r>
+              <a:rPr lang="en-GB" sz="1100" dirty="0">
+                <a:latin typeface="Courier New" panose="02070309020205020404" pitchFamily="49" charset="0"/>
+                <a:cs typeface="Courier New" panose="02070309020205020404" pitchFamily="49" charset="0"/>
+              </a:rPr>
+              <a:t>cd </a:t>
+            </a:r>
+            <a:r>
+              <a:rPr lang="en-GB" sz="1100" b="1" dirty="0">
+                <a:latin typeface="Courier New" panose="02070309020205020404" pitchFamily="49" charset="0"/>
+                <a:cs typeface="Courier New" panose="02070309020205020404" pitchFamily="49" charset="0"/>
+              </a:rPr>
+              <a:t>&lt;stats pipeline directory&gt;</a:t>
+            </a:r>
+            <a:r>
+              <a:rPr lang="en-GB" sz="1100" dirty="0">
+                <a:latin typeface="Courier New" panose="02070309020205020404" pitchFamily="49" charset="0"/>
+                <a:cs typeface="Courier New" panose="02070309020205020404" pitchFamily="49" charset="0"/>
+              </a:rPr>
+              <a:t>/SP</a:t>
+            </a:r>
+          </a:p>
+          <a:p>
+            <a:pPr lvl="2"/>
+            <a:r>
+              <a:rPr lang="en-GB" sz="1100" dirty="0">
+                <a:latin typeface="Courier New" panose="02070309020205020404" pitchFamily="49" charset="0"/>
+                <a:cs typeface="Courier New" panose="02070309020205020404" pitchFamily="49" charset="0"/>
+              </a:rPr>
+              <a:t>find ./*/*_</a:t>
+            </a:r>
+            <a:r>
+              <a:rPr lang="en-GB" sz="1100" dirty="0" err="1">
+                <a:latin typeface="Courier New" panose="02070309020205020404" pitchFamily="49" charset="0"/>
+                <a:cs typeface="Courier New" panose="02070309020205020404" pitchFamily="49" charset="0"/>
+              </a:rPr>
+              <a:t>RawData</a:t>
+            </a:r>
+            <a:r>
+              <a:rPr lang="en-GB" sz="1100" dirty="0">
+                <a:latin typeface="Courier New" panose="02070309020205020404" pitchFamily="49" charset="0"/>
+                <a:cs typeface="Courier New" panose="02070309020205020404" pitchFamily="49" charset="0"/>
+              </a:rPr>
+              <a:t>/</a:t>
+            </a:r>
+            <a:r>
+              <a:rPr lang="en-GB" sz="1100" dirty="0" err="1">
+                <a:latin typeface="Courier New" panose="02070309020205020404" pitchFamily="49" charset="0"/>
+                <a:cs typeface="Courier New" panose="02070309020205020404" pitchFamily="49" charset="0"/>
+              </a:rPr>
+              <a:t>ClusterOut</a:t>
+            </a:r>
+            <a:r>
+              <a:rPr lang="en-GB" sz="1100" dirty="0">
+                <a:latin typeface="Courier New" panose="02070309020205020404" pitchFamily="49" charset="0"/>
+                <a:cs typeface="Courier New" panose="02070309020205020404" pitchFamily="49" charset="0"/>
+              </a:rPr>
+              <a:t>/ -name *</a:t>
+            </a:r>
+            <a:r>
+              <a:rPr lang="en-GB" sz="1100" dirty="0" err="1">
+                <a:latin typeface="Courier New" panose="02070309020205020404" pitchFamily="49" charset="0"/>
+                <a:cs typeface="Courier New" panose="02070309020205020404" pitchFamily="49" charset="0"/>
+              </a:rPr>
+              <a:t>ClusterOut</a:t>
+            </a:r>
+            <a:r>
+              <a:rPr lang="en-GB" sz="1100" dirty="0">
+                <a:latin typeface="Courier New" panose="02070309020205020404" pitchFamily="49" charset="0"/>
+                <a:cs typeface="Courier New" panose="02070309020205020404" pitchFamily="49" charset="0"/>
+              </a:rPr>
+              <a:t> -type f  |</a:t>
+            </a:r>
+            <a:r>
+              <a:rPr lang="en-GB" sz="1100" dirty="0" err="1">
+                <a:latin typeface="Courier New" panose="02070309020205020404" pitchFamily="49" charset="0"/>
+                <a:cs typeface="Courier New" panose="02070309020205020404" pitchFamily="49" charset="0"/>
+              </a:rPr>
+              <a:t>xargs</a:t>
+            </a:r>
+            <a:r>
+              <a:rPr lang="en-GB" sz="1100" dirty="0">
+                <a:latin typeface="Courier New" panose="02070309020205020404" pitchFamily="49" charset="0"/>
+                <a:cs typeface="Courier New" panose="02070309020205020404" pitchFamily="49" charset="0"/>
+              </a:rPr>
+              <a:t> cp --backup=numbered -t </a:t>
+            </a:r>
+            <a:r>
+              <a:rPr lang="en-GB" sz="1100" b="1" dirty="0">
+                <a:latin typeface="Courier New" panose="02070309020205020404" pitchFamily="49" charset="0"/>
+                <a:cs typeface="Courier New" panose="02070309020205020404" pitchFamily="49" charset="0"/>
+              </a:rPr>
+              <a:t>&lt;path to a log directory&gt;</a:t>
+            </a:r>
+          </a:p>
+          <a:p>
+            <a:pPr lvl="2"/>
+            <a:r>
+              <a:rPr lang="en-GB" sz="1100" dirty="0">
+                <a:latin typeface="Courier New" panose="02070309020205020404" pitchFamily="49" charset="0"/>
+                <a:cs typeface="Courier New" panose="02070309020205020404" pitchFamily="49" charset="0"/>
+              </a:rPr>
+              <a:t>find ./*/*_</a:t>
+            </a:r>
+            <a:r>
+              <a:rPr lang="en-GB" sz="1100" dirty="0" err="1">
+                <a:latin typeface="Courier New" panose="02070309020205020404" pitchFamily="49" charset="0"/>
+                <a:cs typeface="Courier New" panose="02070309020205020404" pitchFamily="49" charset="0"/>
+              </a:rPr>
+              <a:t>RawData</a:t>
+            </a:r>
+            <a:r>
+              <a:rPr lang="en-GB" sz="1100" dirty="0">
+                <a:latin typeface="Courier New" panose="02070309020205020404" pitchFamily="49" charset="0"/>
+                <a:cs typeface="Courier New" panose="02070309020205020404" pitchFamily="49" charset="0"/>
+              </a:rPr>
+              <a:t>/</a:t>
+            </a:r>
+            <a:r>
+              <a:rPr lang="en-GB" sz="1100" dirty="0" err="1">
+                <a:latin typeface="Courier New" panose="02070309020205020404" pitchFamily="49" charset="0"/>
+                <a:cs typeface="Courier New" panose="02070309020205020404" pitchFamily="49" charset="0"/>
+              </a:rPr>
+              <a:t>ClusterErr</a:t>
+            </a:r>
+            <a:r>
+              <a:rPr lang="en-GB" sz="1100" dirty="0">
+                <a:latin typeface="Courier New" panose="02070309020205020404" pitchFamily="49" charset="0"/>
+                <a:cs typeface="Courier New" panose="02070309020205020404" pitchFamily="49" charset="0"/>
+              </a:rPr>
+              <a:t>/ -name *</a:t>
+            </a:r>
+            <a:r>
+              <a:rPr lang="en-GB" sz="1100" dirty="0" err="1">
+                <a:latin typeface="Courier New" panose="02070309020205020404" pitchFamily="49" charset="0"/>
+                <a:cs typeface="Courier New" panose="02070309020205020404" pitchFamily="49" charset="0"/>
+              </a:rPr>
+              <a:t>ClusterErr</a:t>
+            </a:r>
+            <a:r>
+              <a:rPr lang="en-GB" sz="1100" dirty="0">
+                <a:latin typeface="Courier New" panose="02070309020205020404" pitchFamily="49" charset="0"/>
+                <a:cs typeface="Courier New" panose="02070309020205020404" pitchFamily="49" charset="0"/>
+              </a:rPr>
+              <a:t> -type f  |</a:t>
+            </a:r>
+            <a:r>
+              <a:rPr lang="en-GB" sz="1100" dirty="0" err="1">
+                <a:latin typeface="Courier New" panose="02070309020205020404" pitchFamily="49" charset="0"/>
+                <a:cs typeface="Courier New" panose="02070309020205020404" pitchFamily="49" charset="0"/>
+              </a:rPr>
+              <a:t>xargs</a:t>
+            </a:r>
+            <a:r>
+              <a:rPr lang="en-GB" sz="1100" dirty="0">
+                <a:latin typeface="Courier New" panose="02070309020205020404" pitchFamily="49" charset="0"/>
+                <a:cs typeface="Courier New" panose="02070309020205020404" pitchFamily="49" charset="0"/>
+              </a:rPr>
+              <a:t> cp --backup=numbered -t </a:t>
+            </a:r>
+            <a:r>
+              <a:rPr lang="en-GB" sz="1100" b="1" dirty="0">
+                <a:latin typeface="Courier New" panose="02070309020205020404" pitchFamily="49" charset="0"/>
+                <a:cs typeface="Courier New" panose="02070309020205020404" pitchFamily="49" charset="0"/>
+              </a:rPr>
+              <a:t>&lt;path to a log directory&gt;</a:t>
+            </a:r>
+          </a:p>
+          <a:p>
+            <a:pPr lvl="2"/>
+            <a:endParaRPr lang="en-GB" dirty="0"/>
+          </a:p>
+        </p:txBody>
+      </p:sp>
+      <p:sp>
+        <p:nvSpPr>
+          <p:cNvPr id="4" name="Date Placeholder 3">
+            <a:extLst>
+              <a:ext uri="{FF2B5EF4-FFF2-40B4-BE49-F238E27FC236}">
+                <a16:creationId xmlns:a16="http://schemas.microsoft.com/office/drawing/2014/main" id="{20710AF0-BA9C-B797-77A5-8EB79AA003CC}"/>
+              </a:ext>
+            </a:extLst>
+          </p:cNvPr>
+          <p:cNvSpPr>
+            <a:spLocks noGrp="1"/>
+          </p:cNvSpPr>
+          <p:nvPr>
+            <p:ph type="dt" sz="half" idx="10"/>
+          </p:nvPr>
+        </p:nvSpPr>
+        <p:spPr/>
+        <p:txBody>
+          <a:bodyPr/>
+          <a:lstStyle/>
+          <a:p>
+            <a:pPr rtl="0"/>
+            <a:fld id="{6AF379E8-AC6C-43B9-9222-BDF0AF9336F0}" type="datetime1">
+              <a:rPr lang="en-US" smtClean="0"/>
+              <a:t>6/13/2023</a:t>
+            </a:fld>
+            <a:endParaRPr lang="en-US"/>
+          </a:p>
+        </p:txBody>
+      </p:sp>
+      <p:sp>
+        <p:nvSpPr>
           <p:cNvPr id="2" name="Title 1">
             <a:extLst>
               <a:ext uri="{FF2B5EF4-FFF2-40B4-BE49-F238E27FC236}">
-                <a16:creationId xmlns:a16="http://schemas.microsoft.com/office/drawing/2014/main" id="{AF2BE95B-DDF1-5FBC-254E-875503A29DC2}"/>
+                <a16:creationId xmlns:a16="http://schemas.microsoft.com/office/drawing/2014/main" id="{64D59D84-54AC-2D38-A89B-FFD8B87AD7C0}"/>
               </a:ext>
             </a:extLst>
           </p:cNvPr>
@@ -7017,480 +7345,24 @@
           <a:lstStyle/>
           <a:p>
             <a:r>
-              <a:rPr lang="en-GB" dirty="0"/>
-              <a:t>Run the report generating pipeline</a:t>
-            </a:r>
-          </a:p>
-        </p:txBody>
-      </p:sp>
-      <p:sp>
-        <p:nvSpPr>
-          <p:cNvPr id="3" name="Content Placeholder 2">
-            <a:extLst>
-              <a:ext uri="{FF2B5EF4-FFF2-40B4-BE49-F238E27FC236}">
-                <a16:creationId xmlns:a16="http://schemas.microsoft.com/office/drawing/2014/main" id="{382E34FA-2F10-59F2-D739-E3D164821BD2}"/>
-              </a:ext>
-            </a:extLst>
-          </p:cNvPr>
-          <p:cNvSpPr>
-            <a:spLocks noGrp="1"/>
-          </p:cNvSpPr>
-          <p:nvPr>
-            <p:ph idx="1"/>
-          </p:nvPr>
-        </p:nvSpPr>
-        <p:spPr>
-          <a:xfrm>
-            <a:off x="1066800" y="1735567"/>
-            <a:ext cx="10058400" cy="3849624"/>
-          </a:xfrm>
-        </p:spPr>
-        <p:txBody>
-          <a:bodyPr>
-            <a:normAutofit/>
-          </a:bodyPr>
-          <a:lstStyle/>
-          <a:p>
-            <a:r>
-              <a:rPr lang="en-GB" sz="1100" dirty="0">
-                <a:latin typeface="Courier New" panose="02070309020205020404" pitchFamily="49" charset="0"/>
-                <a:cs typeface="Courier New" panose="02070309020205020404" pitchFamily="49" charset="0"/>
-              </a:rPr>
-              <a:t>This process is to create statistical reports that are normally used by the IMPC working groups</a:t>
-            </a:r>
-          </a:p>
-          <a:p>
-            <a:r>
-              <a:rPr lang="en-GB" sz="1100" dirty="0">
-                <a:latin typeface="Courier New" panose="02070309020205020404" pitchFamily="49" charset="0"/>
-                <a:cs typeface="Courier New" panose="02070309020205020404" pitchFamily="49" charset="0"/>
-              </a:rPr>
-              <a:t>Step:</a:t>
-            </a:r>
-          </a:p>
-          <a:p>
-            <a:pPr marL="617220" lvl="1" indent="-342900">
-              <a:buFont typeface="+mj-lt"/>
-              <a:buAutoNum type="arabicPeriod"/>
-            </a:pPr>
-            <a:r>
-              <a:rPr lang="en-GB" sz="1100" dirty="0">
-                <a:latin typeface="Courier New" panose="02070309020205020404" pitchFamily="49" charset="0"/>
-                <a:cs typeface="Courier New" panose="02070309020205020404" pitchFamily="49" charset="0"/>
-              </a:rPr>
-              <a:t>Navigate to :/</a:t>
-            </a:r>
-            <a:r>
-              <a:rPr lang="en-GB" sz="1100" dirty="0" err="1">
-                <a:latin typeface="Courier New" panose="02070309020205020404" pitchFamily="49" charset="0"/>
-                <a:cs typeface="Courier New" panose="02070309020205020404" pitchFamily="49" charset="0"/>
-              </a:rPr>
-              <a:t>nfs</a:t>
-            </a:r>
-            <a:r>
-              <a:rPr lang="en-GB" sz="1100" dirty="0">
-                <a:latin typeface="Courier New" panose="02070309020205020404" pitchFamily="49" charset="0"/>
-                <a:cs typeface="Courier New" panose="02070309020205020404" pitchFamily="49" charset="0"/>
-              </a:rPr>
-              <a:t>/production/</a:t>
-            </a:r>
-            <a:r>
-              <a:rPr lang="en-GB" sz="1100" dirty="0" err="1">
-                <a:latin typeface="Courier New" panose="02070309020205020404" pitchFamily="49" charset="0"/>
-                <a:cs typeface="Courier New" panose="02070309020205020404" pitchFamily="49" charset="0"/>
-              </a:rPr>
-              <a:t>tudor</a:t>
-            </a:r>
-            <a:r>
-              <a:rPr lang="en-GB" sz="1100" dirty="0">
-                <a:latin typeface="Courier New" panose="02070309020205020404" pitchFamily="49" charset="0"/>
-                <a:cs typeface="Courier New" panose="02070309020205020404" pitchFamily="49" charset="0"/>
-              </a:rPr>
-              <a:t>/</a:t>
-            </a:r>
-            <a:r>
-              <a:rPr lang="en-GB" sz="1100" dirty="0" err="1">
-                <a:latin typeface="Courier New" panose="02070309020205020404" pitchFamily="49" charset="0"/>
-                <a:cs typeface="Courier New" panose="02070309020205020404" pitchFamily="49" charset="0"/>
-              </a:rPr>
-              <a:t>komp</a:t>
-            </a:r>
-            <a:r>
-              <a:rPr lang="en-GB" sz="1100" dirty="0">
-                <a:latin typeface="Courier New" panose="02070309020205020404" pitchFamily="49" charset="0"/>
-                <a:cs typeface="Courier New" panose="02070309020205020404" pitchFamily="49" charset="0"/>
-              </a:rPr>
-              <a:t>/</a:t>
-            </a:r>
-            <a:r>
-              <a:rPr lang="en-GB" sz="1100" dirty="0" err="1">
-                <a:latin typeface="Courier New" panose="02070309020205020404" pitchFamily="49" charset="0"/>
-                <a:cs typeface="Courier New" panose="02070309020205020404" pitchFamily="49" charset="0"/>
-              </a:rPr>
-              <a:t>impc_statistical_pipeline</a:t>
-            </a:r>
-            <a:r>
-              <a:rPr lang="en-GB" sz="1100" dirty="0">
-                <a:latin typeface="Courier New" panose="02070309020205020404" pitchFamily="49" charset="0"/>
-                <a:cs typeface="Courier New" panose="02070309020205020404" pitchFamily="49" charset="0"/>
-              </a:rPr>
-              <a:t>/IMPC_DRs/</a:t>
-            </a:r>
-            <a:r>
-              <a:rPr lang="en-GB" sz="1100" b="1" dirty="0" err="1">
-                <a:latin typeface="Courier New" panose="02070309020205020404" pitchFamily="49" charset="0"/>
-                <a:cs typeface="Courier New" panose="02070309020205020404" pitchFamily="49" charset="0"/>
-              </a:rPr>
-              <a:t>stats_pipeline_input_drXX.y</a:t>
-            </a:r>
-            <a:r>
-              <a:rPr lang="en-GB" sz="1100" dirty="0">
-                <a:latin typeface="Courier New" panose="02070309020205020404" pitchFamily="49" charset="0"/>
-                <a:cs typeface="Courier New" panose="02070309020205020404" pitchFamily="49" charset="0"/>
-              </a:rPr>
-              <a:t>/SP/jobs/</a:t>
-            </a:r>
-            <a:r>
-              <a:rPr lang="en-GB" sz="1100" dirty="0" err="1">
-                <a:latin typeface="Courier New" panose="02070309020205020404" pitchFamily="49" charset="0"/>
-                <a:cs typeface="Courier New" panose="02070309020205020404" pitchFamily="49" charset="0"/>
-              </a:rPr>
-              <a:t>Results_IMPC_SP_Windowed</a:t>
-            </a:r>
-            <a:endParaRPr lang="en-GB" sz="1100" dirty="0">
-              <a:latin typeface="Courier New" panose="02070309020205020404" pitchFamily="49" charset="0"/>
-              <a:cs typeface="Courier New" panose="02070309020205020404" pitchFamily="49" charset="0"/>
-            </a:endParaRPr>
-          </a:p>
-          <a:p>
-            <a:pPr marL="617220" lvl="1" indent="-342900">
-              <a:buFont typeface="+mj-lt"/>
-              <a:buAutoNum type="arabicPeriod"/>
-            </a:pPr>
-            <a:r>
-              <a:rPr lang="en-GB" sz="1100" dirty="0">
-                <a:latin typeface="Courier New" panose="02070309020205020404" pitchFamily="49" charset="0"/>
-                <a:cs typeface="Courier New" panose="02070309020205020404" pitchFamily="49" charset="0"/>
-              </a:rPr>
-              <a:t>Allocate a high memory machine on cluster and initialise an interactive shell by following the following command: </a:t>
-            </a:r>
-            <a:r>
-              <a:rPr lang="en-GB" sz="1100" dirty="0" err="1">
-                <a:latin typeface="Courier New" panose="02070309020205020404" pitchFamily="49" charset="0"/>
-                <a:cs typeface="Courier New" panose="02070309020205020404" pitchFamily="49" charset="0"/>
-              </a:rPr>
-              <a:t>bsub</a:t>
-            </a:r>
-            <a:r>
-              <a:rPr lang="en-GB" sz="1100" dirty="0">
-                <a:latin typeface="Courier New" panose="02070309020205020404" pitchFamily="49" charset="0"/>
-                <a:cs typeface="Courier New" panose="02070309020205020404" pitchFamily="49" charset="0"/>
-              </a:rPr>
-              <a:t> –M 52000 –e </a:t>
-            </a:r>
-            <a:r>
-              <a:rPr lang="en-GB" sz="1100" dirty="0" err="1">
-                <a:latin typeface="Courier New" panose="02070309020205020404" pitchFamily="49" charset="0"/>
-                <a:cs typeface="Courier New" panose="02070309020205020404" pitchFamily="49" charset="0"/>
-              </a:rPr>
-              <a:t>errReportGeneratingPipeline</a:t>
-            </a:r>
-            <a:r>
-              <a:rPr lang="en-GB" sz="1100" dirty="0">
-                <a:latin typeface="Courier New" panose="02070309020205020404" pitchFamily="49" charset="0"/>
-                <a:cs typeface="Courier New" panose="02070309020205020404" pitchFamily="49" charset="0"/>
-              </a:rPr>
-              <a:t> –o </a:t>
-            </a:r>
-            <a:r>
-              <a:rPr lang="en-GB" sz="1100" dirty="0" err="1">
-                <a:latin typeface="Courier New" panose="02070309020205020404" pitchFamily="49" charset="0"/>
-                <a:cs typeface="Courier New" panose="02070309020205020404" pitchFamily="49" charset="0"/>
-              </a:rPr>
-              <a:t>outReportGeneratingPipeline</a:t>
-            </a:r>
-            <a:r>
-              <a:rPr lang="en-GB" sz="1100" dirty="0">
-                <a:latin typeface="Courier New" panose="02070309020205020404" pitchFamily="49" charset="0"/>
-                <a:cs typeface="Courier New" panose="02070309020205020404" pitchFamily="49" charset="0"/>
-              </a:rPr>
-              <a:t> –Is /bin/bash</a:t>
-            </a:r>
-          </a:p>
-          <a:p>
-            <a:pPr marL="617220" lvl="1" indent="-342900">
-              <a:buFont typeface="+mj-lt"/>
-              <a:buAutoNum type="arabicPeriod"/>
-            </a:pPr>
-            <a:r>
-              <a:rPr lang="en-GB" sz="1100" dirty="0">
-                <a:latin typeface="Courier New" panose="02070309020205020404" pitchFamily="49" charset="0"/>
-                <a:cs typeface="Courier New" panose="02070309020205020404" pitchFamily="49" charset="0"/>
-              </a:rPr>
-              <a:t>Open an R session by typing R in your console (you need to make sure that this session is alive during the process or you can make a screen to keep it alive)</a:t>
-            </a:r>
-          </a:p>
-          <a:p>
-            <a:pPr marL="617220" lvl="1" indent="-342900">
-              <a:buFont typeface="+mj-lt"/>
-              <a:buAutoNum type="arabicPeriod"/>
-            </a:pPr>
-            <a:r>
-              <a:rPr lang="en-GB" sz="1100" dirty="0">
-                <a:latin typeface="Courier New" panose="02070309020205020404" pitchFamily="49" charset="0"/>
-                <a:cs typeface="Courier New" panose="02070309020205020404" pitchFamily="49" charset="0"/>
-              </a:rPr>
-              <a:t>Run the following commands in the R session:</a:t>
-            </a:r>
-          </a:p>
-          <a:p>
-            <a:pPr lvl="2"/>
-            <a:r>
-              <a:rPr lang="en-GB" sz="1100" dirty="0" err="1">
-                <a:latin typeface="Courier New" panose="02070309020205020404" pitchFamily="49" charset="0"/>
-                <a:cs typeface="Courier New" panose="02070309020205020404" pitchFamily="49" charset="0"/>
-              </a:rPr>
-              <a:t>DRrequiredAgeing</a:t>
-            </a:r>
-            <a:r>
-              <a:rPr lang="en-GB" sz="1100" dirty="0">
-                <a:latin typeface="Courier New" panose="02070309020205020404" pitchFamily="49" charset="0"/>
-                <a:cs typeface="Courier New" panose="02070309020205020404" pitchFamily="49" charset="0"/>
-              </a:rPr>
-              <a:t>:::</a:t>
-            </a:r>
-            <a:r>
-              <a:rPr lang="en-GB" sz="1100" dirty="0" err="1">
-                <a:latin typeface="Courier New" panose="02070309020205020404" pitchFamily="49" charset="0"/>
-                <a:cs typeface="Courier New" panose="02070309020205020404" pitchFamily="49" charset="0"/>
-              </a:rPr>
-              <a:t>IMPC_statspipelinePostProcess</a:t>
-            </a:r>
-            <a:r>
-              <a:rPr lang="en-GB" sz="1100" dirty="0">
-                <a:latin typeface="Courier New" panose="02070309020205020404" pitchFamily="49" charset="0"/>
-                <a:cs typeface="Courier New" panose="02070309020205020404" pitchFamily="49" charset="0"/>
-              </a:rPr>
-              <a:t>()</a:t>
-            </a:r>
-          </a:p>
-          <a:p>
-            <a:pPr lvl="2"/>
-            <a:r>
-              <a:rPr lang="en-GB" sz="1100" dirty="0" err="1">
-                <a:latin typeface="Courier New" panose="02070309020205020404" pitchFamily="49" charset="0"/>
-                <a:cs typeface="Courier New" panose="02070309020205020404" pitchFamily="49" charset="0"/>
-              </a:rPr>
-              <a:t>ClearReportsAfterCreation</a:t>
-            </a:r>
-            <a:r>
-              <a:rPr lang="en-GB" sz="1100" dirty="0">
-                <a:latin typeface="Courier New" panose="02070309020205020404" pitchFamily="49" charset="0"/>
-                <a:cs typeface="Courier New" panose="02070309020205020404" pitchFamily="49" charset="0"/>
-              </a:rPr>
-              <a:t>()</a:t>
-            </a:r>
-          </a:p>
-          <a:p>
-            <a:pPr lvl="1"/>
-            <a:r>
-              <a:rPr lang="en-GB" sz="1100" b="1" dirty="0">
-                <a:solidFill>
-                  <a:srgbClr val="2C481F"/>
-                </a:solidFill>
-                <a:latin typeface="Courier New" panose="02070309020205020404" pitchFamily="49" charset="0"/>
-                <a:cs typeface="Courier New" panose="02070309020205020404" pitchFamily="49" charset="0"/>
-              </a:rPr>
-              <a:t>► The </a:t>
-            </a:r>
-            <a:r>
-              <a:rPr lang="en-GB" sz="1100" b="1" kern="1200" dirty="0">
-                <a:solidFill>
-                  <a:srgbClr val="2C481F"/>
-                </a:solidFill>
-                <a:effectLst/>
-                <a:latin typeface="Courier New" panose="02070309020205020404" pitchFamily="49" charset="0"/>
-                <a:cs typeface="Courier New" panose="02070309020205020404" pitchFamily="49" charset="0"/>
-              </a:rPr>
-              <a:t>commands above will generate two csv files in the </a:t>
-            </a:r>
-            <a:r>
-              <a:rPr lang="en-GB" sz="1100" dirty="0">
-                <a:latin typeface="Courier New" panose="02070309020205020404" pitchFamily="49" charset="0"/>
-                <a:cs typeface="Courier New" panose="02070309020205020404" pitchFamily="49" charset="0"/>
-              </a:rPr>
-              <a:t>:/</a:t>
-            </a:r>
-            <a:r>
-              <a:rPr lang="en-GB" sz="1100" dirty="0" err="1">
-                <a:latin typeface="Courier New" panose="02070309020205020404" pitchFamily="49" charset="0"/>
-                <a:cs typeface="Courier New" panose="02070309020205020404" pitchFamily="49" charset="0"/>
-              </a:rPr>
-              <a:t>nfs</a:t>
-            </a:r>
-            <a:r>
-              <a:rPr lang="en-GB" sz="1100" dirty="0">
-                <a:latin typeface="Courier New" panose="02070309020205020404" pitchFamily="49" charset="0"/>
-                <a:cs typeface="Courier New" panose="02070309020205020404" pitchFamily="49" charset="0"/>
-              </a:rPr>
-              <a:t>/production/</a:t>
-            </a:r>
-            <a:r>
-              <a:rPr lang="en-GB" sz="1100" dirty="0" err="1">
-                <a:latin typeface="Courier New" panose="02070309020205020404" pitchFamily="49" charset="0"/>
-                <a:cs typeface="Courier New" panose="02070309020205020404" pitchFamily="49" charset="0"/>
-              </a:rPr>
-              <a:t>tudor</a:t>
-            </a:r>
-            <a:r>
-              <a:rPr lang="en-GB" sz="1100" dirty="0">
-                <a:latin typeface="Courier New" panose="02070309020205020404" pitchFamily="49" charset="0"/>
-                <a:cs typeface="Courier New" panose="02070309020205020404" pitchFamily="49" charset="0"/>
-              </a:rPr>
-              <a:t>/</a:t>
-            </a:r>
-            <a:r>
-              <a:rPr lang="en-GB" sz="1100" dirty="0" err="1">
-                <a:latin typeface="Courier New" panose="02070309020205020404" pitchFamily="49" charset="0"/>
-                <a:cs typeface="Courier New" panose="02070309020205020404" pitchFamily="49" charset="0"/>
-              </a:rPr>
-              <a:t>komp</a:t>
-            </a:r>
-            <a:r>
-              <a:rPr lang="en-GB" sz="1100" dirty="0">
-                <a:latin typeface="Courier New" panose="02070309020205020404" pitchFamily="49" charset="0"/>
-                <a:cs typeface="Courier New" panose="02070309020205020404" pitchFamily="49" charset="0"/>
-              </a:rPr>
-              <a:t>/</a:t>
-            </a:r>
-            <a:r>
-              <a:rPr lang="en-GB" sz="1100" dirty="0" err="1">
-                <a:latin typeface="Courier New" panose="02070309020205020404" pitchFamily="49" charset="0"/>
-                <a:cs typeface="Courier New" panose="02070309020205020404" pitchFamily="49" charset="0"/>
-              </a:rPr>
-              <a:t>impc_statistical_pipeline</a:t>
-            </a:r>
-            <a:r>
-              <a:rPr lang="en-GB" sz="1100" dirty="0">
-                <a:latin typeface="Courier New" panose="02070309020205020404" pitchFamily="49" charset="0"/>
-                <a:cs typeface="Courier New" panose="02070309020205020404" pitchFamily="49" charset="0"/>
-              </a:rPr>
-              <a:t>/IMPC_DRs/</a:t>
-            </a:r>
-            <a:r>
-              <a:rPr lang="en-GB" sz="1100" b="1" dirty="0" err="1">
-                <a:latin typeface="Courier New" panose="02070309020205020404" pitchFamily="49" charset="0"/>
-                <a:cs typeface="Courier New" panose="02070309020205020404" pitchFamily="49" charset="0"/>
-              </a:rPr>
-              <a:t>stats_pipeline_input_drXX.y</a:t>
-            </a:r>
-            <a:r>
-              <a:rPr lang="en-GB" sz="1100" dirty="0">
-                <a:latin typeface="Courier New" panose="02070309020205020404" pitchFamily="49" charset="0"/>
-                <a:cs typeface="Courier New" panose="02070309020205020404" pitchFamily="49" charset="0"/>
-              </a:rPr>
-              <a:t>/SP/jobs/</a:t>
-            </a:r>
-            <a:r>
-              <a:rPr lang="en-GB" sz="1100" dirty="0" err="1">
-                <a:latin typeface="Courier New" panose="02070309020205020404" pitchFamily="49" charset="0"/>
-                <a:cs typeface="Courier New" panose="02070309020205020404" pitchFamily="49" charset="0"/>
-              </a:rPr>
-              <a:t>Results_IMPC_SP_Windowed</a:t>
-            </a:r>
-            <a:r>
-              <a:rPr lang="en-GB" sz="1100" dirty="0">
-                <a:latin typeface="Courier New" panose="02070309020205020404" pitchFamily="49" charset="0"/>
-                <a:cs typeface="Courier New" panose="02070309020205020404" pitchFamily="49" charset="0"/>
-              </a:rPr>
-              <a:t> directory for the </a:t>
-            </a:r>
-            <a:r>
-              <a:rPr lang="en-GB" sz="1100" b="1" dirty="0" err="1">
-                <a:latin typeface="Courier New" panose="02070309020205020404" pitchFamily="49" charset="0"/>
-                <a:cs typeface="Courier New" panose="02070309020205020404" pitchFamily="49" charset="0"/>
-              </a:rPr>
-              <a:t>unidimentional</a:t>
-            </a:r>
-            <a:r>
-              <a:rPr lang="en-GB" sz="1100" dirty="0">
-                <a:latin typeface="Courier New" panose="02070309020205020404" pitchFamily="49" charset="0"/>
-                <a:cs typeface="Courier New" panose="02070309020205020404" pitchFamily="49" charset="0"/>
-              </a:rPr>
-              <a:t> and </a:t>
-            </a:r>
-            <a:r>
-              <a:rPr lang="en-GB" sz="1100" b="1" dirty="0">
-                <a:latin typeface="Courier New" panose="02070309020205020404" pitchFamily="49" charset="0"/>
-                <a:cs typeface="Courier New" panose="02070309020205020404" pitchFamily="49" charset="0"/>
-              </a:rPr>
-              <a:t>categorical</a:t>
-            </a:r>
-            <a:r>
-              <a:rPr lang="en-GB" sz="1100" dirty="0">
-                <a:latin typeface="Courier New" panose="02070309020205020404" pitchFamily="49" charset="0"/>
-                <a:cs typeface="Courier New" panose="02070309020205020404" pitchFamily="49" charset="0"/>
-              </a:rPr>
-              <a:t> results. The files can be </a:t>
-            </a:r>
-            <a:r>
-              <a:rPr lang="en-GB" sz="1100" b="1" dirty="0" err="1">
-                <a:latin typeface="Courier New" panose="02070309020205020404" pitchFamily="49" charset="0"/>
-                <a:cs typeface="Courier New" panose="02070309020205020404" pitchFamily="49" charset="0"/>
-              </a:rPr>
-              <a:t>gzip</a:t>
-            </a:r>
-            <a:r>
-              <a:rPr lang="en-GB" sz="1100" dirty="0">
-                <a:latin typeface="Courier New" panose="02070309020205020404" pitchFamily="49" charset="0"/>
-                <a:cs typeface="Courier New" panose="02070309020205020404" pitchFamily="49" charset="0"/>
-              </a:rPr>
-              <a:t> and moved to the FTP directory. You can decorate and format the files by using one of the formatted files in the previous data releases.</a:t>
-            </a:r>
-          </a:p>
-          <a:p>
-            <a:pPr lvl="2"/>
-            <a:endParaRPr lang="en-GB" sz="1400" dirty="0">
-              <a:latin typeface="Courier New" panose="02070309020205020404" pitchFamily="49" charset="0"/>
-              <a:cs typeface="Courier New" panose="02070309020205020404" pitchFamily="49" charset="0"/>
-            </a:endParaRPr>
-          </a:p>
-        </p:txBody>
-      </p:sp>
-      <p:sp>
-        <p:nvSpPr>
-          <p:cNvPr id="4" name="Date Placeholder 3">
-            <a:extLst>
-              <a:ext uri="{FF2B5EF4-FFF2-40B4-BE49-F238E27FC236}">
-                <a16:creationId xmlns:a16="http://schemas.microsoft.com/office/drawing/2014/main" id="{8E297709-FD23-B3A8-0B3B-3B60227D290E}"/>
-              </a:ext>
-            </a:extLst>
-          </p:cNvPr>
-          <p:cNvSpPr>
-            <a:spLocks noGrp="1"/>
-          </p:cNvSpPr>
-          <p:nvPr>
-            <p:ph type="dt" sz="half" idx="10"/>
-          </p:nvPr>
-        </p:nvSpPr>
-        <p:spPr/>
-        <p:txBody>
-          <a:bodyPr/>
-          <a:lstStyle/>
-          <a:p>
-            <a:pPr rtl="0"/>
-            <a:fld id="{6AF379E8-AC6C-43B9-9222-BDF0AF9336F0}" type="datetime1">
-              <a:rPr lang="en-US" smtClean="0"/>
-              <a:t>5/31/2023</a:t>
-            </a:fld>
-            <a:endParaRPr lang="en-US"/>
+              <a:rPr lang="en-GB" b="1" dirty="0">
+                <a:effectLst>
+                  <a:outerShdw blurRad="38100" dist="38100" dir="2700000" algn="tl">
+                    <a:srgbClr val="000000">
+                      <a:alpha val="43137"/>
+                    </a:srgbClr>
+                  </a:outerShdw>
+                </a:effectLst>
+              </a:rPr>
+              <a:t>Step 1 FAQ</a:t>
+            </a:r>
           </a:p>
         </p:txBody>
       </p:sp>
     </p:spTree>
     <p:extLst>
       <p:ext uri="{BB962C8B-B14F-4D97-AF65-F5344CB8AC3E}">
-        <p14:creationId xmlns:p14="http://schemas.microsoft.com/office/powerpoint/2010/main" val="1791507408"/>
+        <p14:creationId xmlns:p14="http://schemas.microsoft.com/office/powerpoint/2010/main" val="1171153086"/>
       </p:ext>
     </p:extLst>
   </p:cSld>
@@ -7522,6 +7394,278 @@
           <p:cNvPr id="2" name="Title 1">
             <a:extLst>
               <a:ext uri="{FF2B5EF4-FFF2-40B4-BE49-F238E27FC236}">
+                <a16:creationId xmlns:a16="http://schemas.microsoft.com/office/drawing/2014/main" id="{73DFAD45-50FC-9190-F986-D23EE365202C}"/>
+              </a:ext>
+            </a:extLst>
+          </p:cNvPr>
+          <p:cNvSpPr>
+            <a:spLocks noGrp="1"/>
+          </p:cNvSpPr>
+          <p:nvPr>
+            <p:ph type="title"/>
+          </p:nvPr>
+        </p:nvSpPr>
+        <p:spPr/>
+        <p:txBody>
+          <a:bodyPr/>
+          <a:lstStyle/>
+          <a:p>
+            <a:r>
+              <a:rPr lang="en-GB" dirty="0"/>
+              <a:t>Only if you need to run the gap filling pipeline</a:t>
+            </a:r>
+          </a:p>
+        </p:txBody>
+      </p:sp>
+      <p:sp>
+        <p:nvSpPr>
+          <p:cNvPr id="3" name="Content Placeholder 2">
+            <a:extLst>
+              <a:ext uri="{FF2B5EF4-FFF2-40B4-BE49-F238E27FC236}">
+                <a16:creationId xmlns:a16="http://schemas.microsoft.com/office/drawing/2014/main" id="{5D4EE910-7CAD-FDBA-080C-DAFE4FBAA4AD}"/>
+              </a:ext>
+            </a:extLst>
+          </p:cNvPr>
+          <p:cNvSpPr>
+            <a:spLocks noGrp="1"/>
+          </p:cNvSpPr>
+          <p:nvPr>
+            <p:ph idx="1"/>
+          </p:nvPr>
+        </p:nvSpPr>
+        <p:spPr>
+          <a:xfrm>
+            <a:off x="1066800" y="2103120"/>
+            <a:ext cx="5602448" cy="3849624"/>
+          </a:xfrm>
+        </p:spPr>
+        <p:txBody>
+          <a:bodyPr>
+            <a:normAutofit fontScale="92500"/>
+          </a:bodyPr>
+          <a:lstStyle/>
+          <a:p>
+            <a:r>
+              <a:rPr lang="en-GB" dirty="0"/>
+              <a:t>There are very </a:t>
+            </a:r>
+            <a:r>
+              <a:rPr lang="en-GB" dirty="0" err="1"/>
+              <a:t>ratre</a:t>
+            </a:r>
+            <a:r>
+              <a:rPr lang="en-GB" dirty="0"/>
+              <a:t> cases that the </a:t>
+            </a:r>
+            <a:r>
+              <a:rPr lang="en-GB" dirty="0" err="1"/>
+              <a:t>statspipeline</a:t>
+            </a:r>
+            <a:r>
+              <a:rPr lang="en-GB" dirty="0"/>
+              <a:t> fails with unknown reasons. The easiest way to continue the pipeline from where it failed is to use the </a:t>
+            </a:r>
+            <a:r>
+              <a:rPr lang="en-GB" dirty="0" err="1"/>
+              <a:t>GapFilling</a:t>
+            </a:r>
+            <a:r>
+              <a:rPr lang="en-GB" dirty="0"/>
+              <a:t> Pipeline. This is the same as running the pipeline by going into </a:t>
+            </a:r>
+            <a:r>
+              <a:rPr lang="en-GB" sz="1600" b="1" dirty="0">
+                <a:latin typeface="Courier New" panose="02070309020205020404" pitchFamily="49" charset="0"/>
+                <a:cs typeface="Courier New" panose="02070309020205020404" pitchFamily="49" charset="0"/>
+              </a:rPr>
+              <a:t>&lt;stats pipeline directory&gt;</a:t>
+            </a:r>
+            <a:r>
+              <a:rPr lang="en-GB" sz="1600" dirty="0">
+                <a:latin typeface="Courier New" panose="02070309020205020404" pitchFamily="49" charset="0"/>
+                <a:cs typeface="Courier New" panose="02070309020205020404" pitchFamily="49" charset="0"/>
+              </a:rPr>
+              <a:t>/SP/jobs and executing </a:t>
+            </a:r>
+            <a:r>
+              <a:rPr lang="en-GB" sz="1600" dirty="0" err="1">
+                <a:latin typeface="Courier New" panose="02070309020205020404" pitchFamily="49" charset="0"/>
+                <a:cs typeface="Courier New" panose="02070309020205020404" pitchFamily="49" charset="0"/>
+              </a:rPr>
+              <a:t>AllJobs.bch</a:t>
+            </a:r>
+            <a:r>
+              <a:rPr lang="en-GB" sz="1600" dirty="0">
+                <a:latin typeface="Courier New" panose="02070309020205020404" pitchFamily="49" charset="0"/>
+                <a:cs typeface="Courier New" panose="02070309020205020404" pitchFamily="49" charset="0"/>
+              </a:rPr>
+              <a:t> </a:t>
+            </a:r>
+            <a:r>
+              <a:rPr lang="en-GB" sz="1600" b="1" dirty="0">
+                <a:latin typeface="Courier New" panose="02070309020205020404" pitchFamily="49" charset="0"/>
+                <a:cs typeface="Courier New" panose="02070309020205020404" pitchFamily="49" charset="0"/>
+              </a:rPr>
+              <a:t>but before that you need to edit </a:t>
+            </a:r>
+            <a:r>
+              <a:rPr lang="en-GB" sz="1600" b="1" dirty="0" err="1">
+                <a:latin typeface="Courier New" panose="02070309020205020404" pitchFamily="49" charset="0"/>
+                <a:cs typeface="Courier New" panose="02070309020205020404" pitchFamily="49" charset="0"/>
+              </a:rPr>
+              <a:t>function.R</a:t>
+            </a:r>
+            <a:r>
+              <a:rPr lang="en-GB" sz="1600" b="1" dirty="0">
+                <a:latin typeface="Courier New" panose="02070309020205020404" pitchFamily="49" charset="0"/>
+                <a:cs typeface="Courier New" panose="02070309020205020404" pitchFamily="49" charset="0"/>
+              </a:rPr>
+              <a:t> and make the parameter “</a:t>
+            </a:r>
+            <a:r>
+              <a:rPr lang="en-GB" sz="1600" b="1" dirty="0" err="1">
+                <a:latin typeface="Courier New" panose="02070309020205020404" pitchFamily="49" charset="0"/>
+                <a:cs typeface="Courier New" panose="02070309020205020404" pitchFamily="49" charset="0"/>
+              </a:rPr>
+              <a:t>onlyFillNonExistingResults</a:t>
+            </a:r>
+            <a:r>
+              <a:rPr lang="en-GB" sz="1600" b="1" dirty="0">
+                <a:latin typeface="Courier New" panose="02070309020205020404" pitchFamily="49" charset="0"/>
+                <a:cs typeface="Courier New" panose="02070309020205020404" pitchFamily="49" charset="0"/>
+              </a:rPr>
+              <a:t>” to TRUE like the image on the right hand side.</a:t>
+            </a:r>
+          </a:p>
+          <a:p>
+            <a:endParaRPr lang="en-GB" sz="1600" b="1" dirty="0">
+              <a:latin typeface="Courier New" panose="02070309020205020404" pitchFamily="49" charset="0"/>
+              <a:cs typeface="Courier New" panose="02070309020205020404" pitchFamily="49" charset="0"/>
+            </a:endParaRPr>
+          </a:p>
+          <a:p>
+            <a:r>
+              <a:rPr lang="en-GB" sz="1600" b="1" dirty="0">
+                <a:latin typeface="Courier New" panose="02070309020205020404" pitchFamily="49" charset="0"/>
+                <a:cs typeface="Courier New" panose="02070309020205020404" pitchFamily="49" charset="0"/>
+              </a:rPr>
+              <a:t>The run the pipeline by executing ./</a:t>
+            </a:r>
+            <a:r>
+              <a:rPr lang="en-GB" sz="1600" b="1" dirty="0" err="1">
+                <a:latin typeface="Courier New" panose="02070309020205020404" pitchFamily="49" charset="0"/>
+                <a:cs typeface="Courier New" panose="02070309020205020404" pitchFamily="49" charset="0"/>
+              </a:rPr>
+              <a:t>AllJobs.bch</a:t>
+            </a:r>
+            <a:r>
+              <a:rPr lang="en-GB" sz="1600" b="1" dirty="0">
+                <a:latin typeface="Courier New" panose="02070309020205020404" pitchFamily="49" charset="0"/>
+                <a:cs typeface="Courier New" panose="02070309020205020404" pitchFamily="49" charset="0"/>
+              </a:rPr>
+              <a:t> and wait for the pipeline to fill the missing analysis. This can take up to 2 days.</a:t>
+            </a:r>
+          </a:p>
+          <a:p>
+            <a:endParaRPr lang="en-GB" dirty="0"/>
+          </a:p>
+        </p:txBody>
+      </p:sp>
+      <p:sp>
+        <p:nvSpPr>
+          <p:cNvPr id="4" name="Date Placeholder 3">
+            <a:extLst>
+              <a:ext uri="{FF2B5EF4-FFF2-40B4-BE49-F238E27FC236}">
+                <a16:creationId xmlns:a16="http://schemas.microsoft.com/office/drawing/2014/main" id="{83E2BA5D-CF9D-35B1-F48B-3C7B41A0420E}"/>
+              </a:ext>
+            </a:extLst>
+          </p:cNvPr>
+          <p:cNvSpPr>
+            <a:spLocks noGrp="1"/>
+          </p:cNvSpPr>
+          <p:nvPr>
+            <p:ph type="dt" sz="half" idx="10"/>
+          </p:nvPr>
+        </p:nvSpPr>
+        <p:spPr/>
+        <p:txBody>
+          <a:bodyPr/>
+          <a:lstStyle/>
+          <a:p>
+            <a:pPr rtl="0"/>
+            <a:fld id="{6AF379E8-AC6C-43B9-9222-BDF0AF9336F0}" type="datetime1">
+              <a:rPr lang="en-US" smtClean="0"/>
+              <a:t>6/13/2023</a:t>
+            </a:fld>
+            <a:endParaRPr lang="en-US"/>
+          </a:p>
+        </p:txBody>
+      </p:sp>
+      <p:pic>
+        <p:nvPicPr>
+          <p:cNvPr id="6" name="Picture 5">
+            <a:extLst>
+              <a:ext uri="{FF2B5EF4-FFF2-40B4-BE49-F238E27FC236}">
+                <a16:creationId xmlns:a16="http://schemas.microsoft.com/office/drawing/2014/main" id="{8FC92EE8-045F-B38D-5AB4-BE286CBA8BE9}"/>
+              </a:ext>
+            </a:extLst>
+          </p:cNvPr>
+          <p:cNvPicPr>
+            <a:picLocks noChangeAspect="1"/>
+          </p:cNvPicPr>
+          <p:nvPr/>
+        </p:nvPicPr>
+        <p:blipFill>
+          <a:blip r:embed="rId2"/>
+          <a:stretch>
+            <a:fillRect/>
+          </a:stretch>
+        </p:blipFill>
+        <p:spPr>
+          <a:xfrm>
+            <a:off x="6865840" y="1392608"/>
+            <a:ext cx="4897583" cy="5062756"/>
+          </a:xfrm>
+          <a:prstGeom prst="rect">
+            <a:avLst/>
+          </a:prstGeom>
+        </p:spPr>
+      </p:pic>
+    </p:spTree>
+    <p:extLst>
+      <p:ext uri="{BB962C8B-B14F-4D97-AF65-F5344CB8AC3E}">
+        <p14:creationId xmlns:p14="http://schemas.microsoft.com/office/powerpoint/2010/main" val="454624634"/>
+      </p:ext>
+    </p:extLst>
+  </p:cSld>
+  <p:clrMapOvr>
+    <a:masterClrMapping/>
+  </p:clrMapOvr>
+</p:sld>
+</file>
+
+<file path=ppt/slides/slide8.xml><?xml version="1.0" encoding="utf-8"?>
+<p:sld xmlns:a="http://schemas.openxmlformats.org/drawingml/2006/main" xmlns:r="http://schemas.openxmlformats.org/officeDocument/2006/relationships" xmlns:p="http://schemas.openxmlformats.org/presentationml/2006/main">
+  <p:cSld>
+    <p:spTree>
+      <p:nvGrpSpPr>
+        <p:cNvPr id="1" name=""/>
+        <p:cNvGrpSpPr/>
+        <p:nvPr/>
+      </p:nvGrpSpPr>
+      <p:grpSpPr>
+        <a:xfrm>
+          <a:off x="0" y="0"/>
+          <a:ext cx="0" cy="0"/>
+          <a:chOff x="0" y="0"/>
+          <a:chExt cx="0" cy="0"/>
+        </a:xfrm>
+      </p:grpSpPr>
+      <p:sp>
+        <p:nvSpPr>
+          <p:cNvPr id="2" name="Title 1">
+            <a:extLst>
+              <a:ext uri="{FF2B5EF4-FFF2-40B4-BE49-F238E27FC236}">
                 <a16:creationId xmlns:a16="http://schemas.microsoft.com/office/drawing/2014/main" id="{AF2BE95B-DDF1-5FBC-254E-875503A29DC2}"/>
               </a:ext>
             </a:extLst>
@@ -7540,7 +7684,7 @@
           <a:p>
             <a:r>
               <a:rPr lang="en-GB" dirty="0"/>
-              <a:t>Run the extraction of risky genes pipeline</a:t>
+              <a:t>Run the annotation and transfer pipeline</a:t>
             </a:r>
           </a:p>
         </p:txBody>
@@ -7561,12 +7705,7 @@
             <p:ph idx="1"/>
           </p:nvPr>
         </p:nvSpPr>
-        <p:spPr>
-          <a:xfrm>
-            <a:off x="1066800" y="2014194"/>
-            <a:ext cx="10058400" cy="3849624"/>
-          </a:xfrm>
-        </p:spPr>
+        <p:spPr/>
         <p:txBody>
           <a:bodyPr>
             <a:normAutofit/>
@@ -7574,19 +7713,13 @@
           <a:lstStyle/>
           <a:p>
             <a:r>
-              <a:rPr lang="en-GB" sz="1100" dirty="0">
-                <a:latin typeface="Courier New" panose="02070309020205020404" pitchFamily="49" charset="0"/>
-                <a:cs typeface="Courier New" panose="02070309020205020404" pitchFamily="49" charset="0"/>
-              </a:rPr>
-              <a:t>This process generates a list of risky genes to check manually</a:t>
-            </a:r>
-          </a:p>
-          <a:p>
-            <a:r>
-              <a:rPr lang="en-GB" sz="1100" dirty="0">
-                <a:latin typeface="Courier New" panose="02070309020205020404" pitchFamily="49" charset="0"/>
-                <a:cs typeface="Courier New" panose="02070309020205020404" pitchFamily="49" charset="0"/>
-              </a:rPr>
+              <a:rPr lang="en-GB" sz="1100" dirty="0"/>
+              <a:t>This step assigns the annotations to each StatPacket and transfers the files to Hadoop cluster for the downstream processes.</a:t>
+            </a:r>
+          </a:p>
+          <a:p>
+            <a:r>
+              <a:rPr lang="en-GB" sz="1100" dirty="0"/>
               <a:t>Step:</a:t>
             </a:r>
           </a:p>
@@ -7600,22 +7733,89 @@
                 <a:latin typeface="Courier New" panose="02070309020205020404" pitchFamily="49" charset="0"/>
                 <a:cs typeface="Courier New" panose="02070309020205020404" pitchFamily="49" charset="0"/>
               </a:rPr>
-              <a:t>Allocate a machine on codon cluster, </a:t>
+              <a:t>Navigate to :/</a:t>
             </a:r>
             <a:r>
               <a:rPr lang="en-GB" sz="1100" dirty="0" err="1">
                 <a:latin typeface="Courier New" panose="02070309020205020404" pitchFamily="49" charset="0"/>
                 <a:cs typeface="Courier New" panose="02070309020205020404" pitchFamily="49" charset="0"/>
               </a:rPr>
-              <a:t>bsub</a:t>
-            </a:r>
-            <a:r>
-              <a:rPr lang="en-GB" sz="1100" dirty="0">
-                <a:latin typeface="Courier New" panose="02070309020205020404" pitchFamily="49" charset="0"/>
-                <a:cs typeface="Courier New" panose="02070309020205020404" pitchFamily="49" charset="0"/>
-              </a:rPr>
-              <a:t> –M 8000 –Is /bin/bash</a:t>
-            </a:r>
+              <a:t>nfs</a:t>
+            </a:r>
+            <a:r>
+              <a:rPr lang="en-GB" sz="1100" dirty="0">
+                <a:latin typeface="Courier New" panose="02070309020205020404" pitchFamily="49" charset="0"/>
+                <a:cs typeface="Courier New" panose="02070309020205020404" pitchFamily="49" charset="0"/>
+              </a:rPr>
+              <a:t>/production/</a:t>
+            </a:r>
+            <a:r>
+              <a:rPr lang="en-GB" sz="1100" dirty="0" err="1">
+                <a:latin typeface="Courier New" panose="02070309020205020404" pitchFamily="49" charset="0"/>
+                <a:cs typeface="Courier New" panose="02070309020205020404" pitchFamily="49" charset="0"/>
+              </a:rPr>
+              <a:t>tudor</a:t>
+            </a:r>
+            <a:r>
+              <a:rPr lang="en-GB" sz="1100" dirty="0">
+                <a:latin typeface="Courier New" panose="02070309020205020404" pitchFamily="49" charset="0"/>
+                <a:cs typeface="Courier New" panose="02070309020205020404" pitchFamily="49" charset="0"/>
+              </a:rPr>
+              <a:t>/</a:t>
+            </a:r>
+            <a:r>
+              <a:rPr lang="en-GB" sz="1100" dirty="0" err="1">
+                <a:latin typeface="Courier New" panose="02070309020205020404" pitchFamily="49" charset="0"/>
+                <a:cs typeface="Courier New" panose="02070309020205020404" pitchFamily="49" charset="0"/>
+              </a:rPr>
+              <a:t>komp</a:t>
+            </a:r>
+            <a:r>
+              <a:rPr lang="en-GB" sz="1100" dirty="0">
+                <a:latin typeface="Courier New" panose="02070309020205020404" pitchFamily="49" charset="0"/>
+                <a:cs typeface="Courier New" panose="02070309020205020404" pitchFamily="49" charset="0"/>
+              </a:rPr>
+              <a:t>/</a:t>
+            </a:r>
+            <a:r>
+              <a:rPr lang="en-GB" sz="1100" dirty="0" err="1">
+                <a:latin typeface="Courier New" panose="02070309020205020404" pitchFamily="49" charset="0"/>
+                <a:cs typeface="Courier New" panose="02070309020205020404" pitchFamily="49" charset="0"/>
+              </a:rPr>
+              <a:t>impc_statistical_pipeline</a:t>
+            </a:r>
+            <a:r>
+              <a:rPr lang="en-GB" sz="1100" dirty="0">
+                <a:latin typeface="Courier New" panose="02070309020205020404" pitchFamily="49" charset="0"/>
+                <a:cs typeface="Courier New" panose="02070309020205020404" pitchFamily="49" charset="0"/>
+              </a:rPr>
+              <a:t>/IMPC_DRs/</a:t>
+            </a:r>
+            <a:r>
+              <a:rPr lang="en-GB" sz="1100" b="1" dirty="0" err="1">
+                <a:latin typeface="Courier New" panose="02070309020205020404" pitchFamily="49" charset="0"/>
+                <a:cs typeface="Courier New" panose="02070309020205020404" pitchFamily="49" charset="0"/>
+              </a:rPr>
+              <a:t>stats_pipeline_input_drXX.y</a:t>
+            </a:r>
+            <a:r>
+              <a:rPr lang="en-GB" sz="1100" dirty="0">
+                <a:latin typeface="Courier New" panose="02070309020205020404" pitchFamily="49" charset="0"/>
+                <a:cs typeface="Courier New" panose="02070309020205020404" pitchFamily="49" charset="0"/>
+              </a:rPr>
+              <a:t>/SP/jobs/</a:t>
+            </a:r>
+            <a:r>
+              <a:rPr lang="en-GB" sz="1100" dirty="0" err="1">
+                <a:latin typeface="Courier New" panose="02070309020205020404" pitchFamily="49" charset="0"/>
+                <a:cs typeface="Courier New" panose="02070309020205020404" pitchFamily="49" charset="0"/>
+              </a:rPr>
+              <a:t>Results_IMPC_SP_Windowed</a:t>
+            </a:r>
+            <a:endParaRPr lang="en-GB" sz="1100" dirty="0">
+              <a:latin typeface="Courier New" panose="02070309020205020404" pitchFamily="49" charset="0"/>
+              <a:cs typeface="Courier New" panose="02070309020205020404" pitchFamily="49" charset="0"/>
+            </a:endParaRPr>
           </a:p>
           <a:p>
             <a:pPr marL="617220" lvl="1" indent="-342900">
@@ -7627,7 +7827,7 @@
                 <a:latin typeface="Courier New" panose="02070309020205020404" pitchFamily="49" charset="0"/>
                 <a:cs typeface="Courier New" panose="02070309020205020404" pitchFamily="49" charset="0"/>
               </a:rPr>
-              <a:t>Open an R session by typing R in the console</a:t>
+              <a:t>Open an R session by typing R in your console (you need to make sure that this session is alive during the process or you can make a screen to keep it alive)</a:t>
             </a:r>
           </a:p>
           <a:p>
@@ -7640,14 +7840,11 @@
                 <a:latin typeface="Courier New" panose="02070309020205020404" pitchFamily="49" charset="0"/>
                 <a:cs typeface="Courier New" panose="02070309020205020404" pitchFamily="49" charset="0"/>
               </a:rPr>
-              <a:t>Run the following command on the console:</a:t>
-            </a:r>
-          </a:p>
-          <a:p>
-            <a:pPr marL="617220" lvl="1" indent="-342900">
-              <a:buFont typeface="+mj-lt"/>
-              <a:buAutoNum type="arabicPeriod"/>
-            </a:pPr>
+              <a:t>Run the following command in the R session:</a:t>
+            </a:r>
+          </a:p>
+          <a:p>
+            <a:pPr lvl="2"/>
             <a:r>
               <a:rPr lang="en-GB" sz="1100" dirty="0" err="1">
                 <a:latin typeface="Courier New" panose="02070309020205020404" pitchFamily="49" charset="0"/>
@@ -7667,47 +7864,32 @@
                 <a:latin typeface="Courier New" panose="02070309020205020404" pitchFamily="49" charset="0"/>
                 <a:cs typeface="Courier New" panose="02070309020205020404" pitchFamily="49" charset="0"/>
               </a:rPr>
-              <a:t>extractRiskyGenesFromDRs</a:t>
-            </a:r>
-            <a:r>
-              <a:rPr lang="en-GB" sz="1100" dirty="0">
-                <a:latin typeface="Courier New" panose="02070309020205020404" pitchFamily="49" charset="0"/>
-                <a:cs typeface="Courier New" panose="02070309020205020404" pitchFamily="49" charset="0"/>
-              </a:rPr>
-              <a:t>(path to the </a:t>
+              <a:t>HadoopReTransfer</a:t>
+            </a:r>
+            <a:r>
+              <a:rPr lang="en-GB" sz="1100" dirty="0">
+                <a:latin typeface="Courier New" panose="02070309020205020404" pitchFamily="49" charset="0"/>
+                <a:cs typeface="Courier New" panose="02070309020205020404" pitchFamily="49" charset="0"/>
+              </a:rPr>
+              <a:t>(prefix=‘</a:t>
             </a:r>
             <a:r>
               <a:rPr lang="en-GB" sz="1100" dirty="0" err="1">
                 <a:latin typeface="Courier New" panose="02070309020205020404" pitchFamily="49" charset="0"/>
                 <a:cs typeface="Courier New" panose="02070309020205020404" pitchFamily="49" charset="0"/>
               </a:rPr>
-              <a:t>gzip</a:t>
-            </a:r>
-            <a:r>
-              <a:rPr lang="en-GB" sz="1100" dirty="0">
-                <a:latin typeface="Courier New" panose="02070309020205020404" pitchFamily="49" charset="0"/>
-                <a:cs typeface="Courier New" panose="02070309020205020404" pitchFamily="49" charset="0"/>
-              </a:rPr>
-              <a:t> report from the previous release, path to the new report on the current release)</a:t>
-            </a:r>
-          </a:p>
-          <a:p>
-            <a:pPr marL="891540" lvl="2" indent="-342900">
-              <a:buFont typeface="+mj-lt"/>
-              <a:buAutoNum type="arabicPeriod"/>
-            </a:pPr>
-            <a:r>
-              <a:rPr lang="en-GB" sz="1000" dirty="0">
-                <a:latin typeface="Courier New" panose="02070309020205020404" pitchFamily="49" charset="0"/>
-                <a:cs typeface="Courier New" panose="02070309020205020404" pitchFamily="49" charset="0"/>
-              </a:rPr>
-              <a:t>The inputs above can be URLs from the FTP site or absolute paths</a:t>
-            </a:r>
-          </a:p>
-          <a:p>
-            <a:pPr marL="274320" lvl="1" indent="0">
-              <a:buNone/>
-            </a:pPr>
+              <a:t>DRXX’,transfer</a:t>
+            </a:r>
+            <a:r>
+              <a:rPr lang="en-GB" sz="1100" dirty="0">
+                <a:latin typeface="Courier New" panose="02070309020205020404" pitchFamily="49" charset="0"/>
+                <a:cs typeface="Courier New" panose="02070309020205020404" pitchFamily="49" charset="0"/>
+              </a:rPr>
+              <a:t>=TRUE)</a:t>
+            </a:r>
+          </a:p>
+          <a:p>
+            <a:pPr lvl="2"/>
             <a:r>
               <a:rPr lang="en-GB" sz="1100" b="1" kern="1200" dirty="0">
                 <a:solidFill>
@@ -7717,10 +7899,83 @@
                 <a:latin typeface="Courier New" panose="02070309020205020404" pitchFamily="49" charset="0"/>
                 <a:cs typeface="Courier New" panose="02070309020205020404" pitchFamily="49" charset="0"/>
               </a:rPr>
-              <a:t>► The output of this process is a file (in the current directory) RiskyGenesToCheck_[DATE].txt with each line a gene that should be </a:t>
-            </a:r>
-            <a:r>
-              <a:rPr lang="en-GB" sz="1100" b="1" kern="1200">
+              <a:t>► The command above uses the power of </a:t>
+            </a:r>
+            <a:r>
+              <a:rPr lang="en-GB" sz="1100" b="1" dirty="0">
+                <a:solidFill>
+                  <a:srgbClr val="2C481F"/>
+                </a:solidFill>
+                <a:latin typeface="Courier New" panose="02070309020205020404" pitchFamily="49" charset="0"/>
+                <a:cs typeface="Courier New" panose="02070309020205020404" pitchFamily="49" charset="0"/>
+              </a:rPr>
+              <a:t>LSF cluster to assign the annotations to the StatPackets and transfers the files to the Hadoop cluster. The files will be transferred to Hadoop:/</a:t>
+            </a:r>
+            <a:r>
+              <a:rPr lang="en-GB" sz="1100" b="1" dirty="0" err="1">
+                <a:solidFill>
+                  <a:srgbClr val="2C481F"/>
+                </a:solidFill>
+                <a:latin typeface="Courier New" panose="02070309020205020404" pitchFamily="49" charset="0"/>
+                <a:cs typeface="Courier New" panose="02070309020205020404" pitchFamily="49" charset="0"/>
+              </a:rPr>
+              <a:t>hadoop</a:t>
+            </a:r>
+            <a:r>
+              <a:rPr lang="en-GB" sz="1100" b="1" dirty="0">
+                <a:solidFill>
+                  <a:srgbClr val="2C481F"/>
+                </a:solidFill>
+                <a:latin typeface="Courier New" panose="02070309020205020404" pitchFamily="49" charset="0"/>
+                <a:cs typeface="Courier New" panose="02070309020205020404" pitchFamily="49" charset="0"/>
+              </a:rPr>
+              <a:t>/user/[USERNAME]/</a:t>
+            </a:r>
+            <a:r>
+              <a:rPr lang="en-GB" sz="1100" b="1" dirty="0" err="1">
+                <a:solidFill>
+                  <a:srgbClr val="2C481F"/>
+                </a:solidFill>
+                <a:latin typeface="Courier New" panose="02070309020205020404" pitchFamily="49" charset="0"/>
+                <a:cs typeface="Courier New" panose="02070309020205020404" pitchFamily="49" charset="0"/>
+              </a:rPr>
+              <a:t>impc</a:t>
+            </a:r>
+            <a:r>
+              <a:rPr lang="en-GB" sz="1100" b="1" dirty="0">
+                <a:solidFill>
+                  <a:srgbClr val="2C481F"/>
+                </a:solidFill>
+                <a:latin typeface="Courier New" panose="02070309020205020404" pitchFamily="49" charset="0"/>
+                <a:cs typeface="Courier New" panose="02070309020205020404" pitchFamily="49" charset="0"/>
+              </a:rPr>
+              <a:t>/</a:t>
+            </a:r>
+            <a:r>
+              <a:rPr lang="en-GB" sz="1100" b="1" dirty="0" err="1">
+                <a:solidFill>
+                  <a:srgbClr val="2C481F"/>
+                </a:solidFill>
+                <a:latin typeface="Courier New" panose="02070309020205020404" pitchFamily="49" charset="0"/>
+                <a:cs typeface="Courier New" panose="02070309020205020404" pitchFamily="49" charset="0"/>
+              </a:rPr>
+              <a:t>statpackets</a:t>
+            </a:r>
+            <a:r>
+              <a:rPr lang="en-GB" sz="1100" b="1" dirty="0">
+                <a:solidFill>
+                  <a:srgbClr val="2C481F"/>
+                </a:solidFill>
+                <a:latin typeface="Courier New" panose="02070309020205020404" pitchFamily="49" charset="0"/>
+                <a:cs typeface="Courier New" panose="02070309020205020404" pitchFamily="49" charset="0"/>
+              </a:rPr>
+              <a:t>/DRXX</a:t>
+            </a:r>
+          </a:p>
+          <a:p>
+            <a:pPr lvl="2"/>
+            <a:r>
+              <a:rPr lang="en-GB" sz="1100" b="1" kern="1200" dirty="0">
                 <a:solidFill>
                   <a:srgbClr val="2C481F"/>
                 </a:solidFill>
@@ -7728,7 +7983,43 @@
                 <a:latin typeface="Courier New" panose="02070309020205020404" pitchFamily="49" charset="0"/>
                 <a:cs typeface="Courier New" panose="02070309020205020404" pitchFamily="49" charset="0"/>
               </a:rPr>
-              <a:t>manually checked</a:t>
+              <a:t>► The most complex part of this process is that some files will fail to transfer and you need to use </a:t>
+            </a:r>
+            <a:r>
+              <a:rPr lang="en-GB" sz="1100" b="1" kern="1200" dirty="0" err="1">
+                <a:solidFill>
+                  <a:srgbClr val="2C481F"/>
+                </a:solidFill>
+                <a:effectLst/>
+                <a:latin typeface="Courier New" panose="02070309020205020404" pitchFamily="49" charset="0"/>
+                <a:cs typeface="Courier New" panose="02070309020205020404" pitchFamily="49" charset="0"/>
+              </a:rPr>
+              <a:t>scp</a:t>
+            </a:r>
+            <a:r>
+              <a:rPr lang="en-GB" sz="1100" b="1" kern="1200" dirty="0">
+                <a:solidFill>
+                  <a:srgbClr val="2C481F"/>
+                </a:solidFill>
+                <a:effectLst/>
+                <a:latin typeface="Courier New" panose="02070309020205020404" pitchFamily="49" charset="0"/>
+                <a:cs typeface="Courier New" panose="02070309020205020404" pitchFamily="49" charset="0"/>
+              </a:rPr>
+              <a:t> command to transfer files to Hadoop manually</a:t>
+            </a:r>
+          </a:p>
+          <a:p>
+            <a:pPr lvl="2"/>
+            <a:r>
+              <a:rPr lang="en-GB" sz="1100" b="1" kern="1200" dirty="0">
+                <a:solidFill>
+                  <a:srgbClr val="2C481F"/>
+                </a:solidFill>
+                <a:effectLst/>
+                <a:latin typeface="Courier New" panose="02070309020205020404" pitchFamily="49" charset="0"/>
+                <a:cs typeface="Courier New" panose="02070309020205020404" pitchFamily="49" charset="0"/>
+              </a:rPr>
+              <a:t>► When you are sure that all files are there, you can share the path with Federico.</a:t>
             </a:r>
             <a:endParaRPr lang="en-GB" sz="1100" dirty="0">
               <a:latin typeface="Courier New" panose="02070309020205020404" pitchFamily="49" charset="0"/>
@@ -7745,13 +8036,6 @@
               <a:cs typeface="Courier New" panose="02070309020205020404" pitchFamily="49" charset="0"/>
             </a:endParaRPr>
           </a:p>
-          <a:p>
-            <a:pPr lvl="2"/>
-            <a:endParaRPr lang="en-GB" sz="1400" dirty="0">
-              <a:latin typeface="Courier New" panose="02070309020205020404" pitchFamily="49" charset="0"/>
-              <a:cs typeface="Courier New" panose="02070309020205020404" pitchFamily="49" charset="0"/>
-            </a:endParaRPr>
-          </a:p>
         </p:txBody>
       </p:sp>
       <p:sp>
@@ -7778,7 +8062,7 @@
             <a:pPr rtl="0"/>
             <a:fld id="{6AF379E8-AC6C-43B9-9222-BDF0AF9336F0}" type="datetime1">
               <a:rPr lang="en-US" smtClean="0"/>
-              <a:t>5/31/2023</a:t>
+              <a:t>6/13/2023</a:t>
             </a:fld>
             <a:endParaRPr lang="en-US"/>
           </a:p>
@@ -7787,7 +8071,529 @@
     </p:spTree>
     <p:extLst>
       <p:ext uri="{BB962C8B-B14F-4D97-AF65-F5344CB8AC3E}">
-        <p14:creationId xmlns:p14="http://schemas.microsoft.com/office/powerpoint/2010/main" val="1913377309"/>
+        <p14:creationId xmlns:p14="http://schemas.microsoft.com/office/powerpoint/2010/main" val="3914978936"/>
+      </p:ext>
+    </p:extLst>
+  </p:cSld>
+  <p:clrMapOvr>
+    <a:masterClrMapping/>
+  </p:clrMapOvr>
+</p:sld>
+</file>
+
+<file path=ppt/slides/slide9.xml><?xml version="1.0" encoding="utf-8"?>
+<p:sld xmlns:a="http://schemas.openxmlformats.org/drawingml/2006/main" xmlns:r="http://schemas.openxmlformats.org/officeDocument/2006/relationships" xmlns:p="http://schemas.openxmlformats.org/presentationml/2006/main">
+  <p:cSld>
+    <p:spTree>
+      <p:nvGrpSpPr>
+        <p:cNvPr id="1" name=""/>
+        <p:cNvGrpSpPr/>
+        <p:nvPr/>
+      </p:nvGrpSpPr>
+      <p:grpSpPr>
+        <a:xfrm>
+          <a:off x="0" y="0"/>
+          <a:ext cx="0" cy="0"/>
+          <a:chOff x="0" y="0"/>
+          <a:chExt cx="0" cy="0"/>
+        </a:xfrm>
+      </p:grpSpPr>
+      <p:sp>
+        <p:nvSpPr>
+          <p:cNvPr id="2" name="Title 1">
+            <a:extLst>
+              <a:ext uri="{FF2B5EF4-FFF2-40B4-BE49-F238E27FC236}">
+                <a16:creationId xmlns:a16="http://schemas.microsoft.com/office/drawing/2014/main" id="{AF2BE95B-DDF1-5FBC-254E-875503A29DC2}"/>
+              </a:ext>
+            </a:extLst>
+          </p:cNvPr>
+          <p:cNvSpPr>
+            <a:spLocks noGrp="1"/>
+          </p:cNvSpPr>
+          <p:nvPr>
+            <p:ph type="title"/>
+          </p:nvPr>
+        </p:nvSpPr>
+        <p:spPr/>
+        <p:txBody>
+          <a:bodyPr/>
+          <a:lstStyle/>
+          <a:p>
+            <a:r>
+              <a:rPr lang="en-GB" dirty="0"/>
+              <a:t>Run the report generating pipeline</a:t>
+            </a:r>
+          </a:p>
+        </p:txBody>
+      </p:sp>
+      <p:sp>
+        <p:nvSpPr>
+          <p:cNvPr id="3" name="Content Placeholder 2">
+            <a:extLst>
+              <a:ext uri="{FF2B5EF4-FFF2-40B4-BE49-F238E27FC236}">
+                <a16:creationId xmlns:a16="http://schemas.microsoft.com/office/drawing/2014/main" id="{382E34FA-2F10-59F2-D739-E3D164821BD2}"/>
+              </a:ext>
+            </a:extLst>
+          </p:cNvPr>
+          <p:cNvSpPr>
+            <a:spLocks noGrp="1"/>
+          </p:cNvSpPr>
+          <p:nvPr>
+            <p:ph idx="1"/>
+          </p:nvPr>
+        </p:nvSpPr>
+        <p:spPr>
+          <a:xfrm>
+            <a:off x="1066800" y="1735567"/>
+            <a:ext cx="10058400" cy="3849624"/>
+          </a:xfrm>
+        </p:spPr>
+        <p:txBody>
+          <a:bodyPr>
+            <a:normAutofit/>
+          </a:bodyPr>
+          <a:lstStyle/>
+          <a:p>
+            <a:r>
+              <a:rPr lang="en-GB" sz="1100" dirty="0">
+                <a:latin typeface="Courier New" panose="02070309020205020404" pitchFamily="49" charset="0"/>
+                <a:cs typeface="Courier New" panose="02070309020205020404" pitchFamily="49" charset="0"/>
+              </a:rPr>
+              <a:t>This process is to create statistical reports that are normally used by the IMPC working groups</a:t>
+            </a:r>
+          </a:p>
+          <a:p>
+            <a:r>
+              <a:rPr lang="en-GB" sz="1100" dirty="0">
+                <a:latin typeface="Courier New" panose="02070309020205020404" pitchFamily="49" charset="0"/>
+                <a:cs typeface="Courier New" panose="02070309020205020404" pitchFamily="49" charset="0"/>
+              </a:rPr>
+              <a:t>Step:</a:t>
+            </a:r>
+          </a:p>
+          <a:p>
+            <a:pPr marL="617220" lvl="1" indent="-342900">
+              <a:buFont typeface="+mj-lt"/>
+              <a:buAutoNum type="arabicPeriod"/>
+            </a:pPr>
+            <a:r>
+              <a:rPr lang="en-GB" sz="1100" dirty="0">
+                <a:latin typeface="Courier New" panose="02070309020205020404" pitchFamily="49" charset="0"/>
+                <a:cs typeface="Courier New" panose="02070309020205020404" pitchFamily="49" charset="0"/>
+              </a:rPr>
+              <a:t>Navigate to :/</a:t>
+            </a:r>
+            <a:r>
+              <a:rPr lang="en-GB" sz="1100" dirty="0" err="1">
+                <a:latin typeface="Courier New" panose="02070309020205020404" pitchFamily="49" charset="0"/>
+                <a:cs typeface="Courier New" panose="02070309020205020404" pitchFamily="49" charset="0"/>
+              </a:rPr>
+              <a:t>nfs</a:t>
+            </a:r>
+            <a:r>
+              <a:rPr lang="en-GB" sz="1100" dirty="0">
+                <a:latin typeface="Courier New" panose="02070309020205020404" pitchFamily="49" charset="0"/>
+                <a:cs typeface="Courier New" panose="02070309020205020404" pitchFamily="49" charset="0"/>
+              </a:rPr>
+              <a:t>/production/</a:t>
+            </a:r>
+            <a:r>
+              <a:rPr lang="en-GB" sz="1100" dirty="0" err="1">
+                <a:latin typeface="Courier New" panose="02070309020205020404" pitchFamily="49" charset="0"/>
+                <a:cs typeface="Courier New" panose="02070309020205020404" pitchFamily="49" charset="0"/>
+              </a:rPr>
+              <a:t>tudor</a:t>
+            </a:r>
+            <a:r>
+              <a:rPr lang="en-GB" sz="1100" dirty="0">
+                <a:latin typeface="Courier New" panose="02070309020205020404" pitchFamily="49" charset="0"/>
+                <a:cs typeface="Courier New" panose="02070309020205020404" pitchFamily="49" charset="0"/>
+              </a:rPr>
+              <a:t>/</a:t>
+            </a:r>
+            <a:r>
+              <a:rPr lang="en-GB" sz="1100" dirty="0" err="1">
+                <a:latin typeface="Courier New" panose="02070309020205020404" pitchFamily="49" charset="0"/>
+                <a:cs typeface="Courier New" panose="02070309020205020404" pitchFamily="49" charset="0"/>
+              </a:rPr>
+              <a:t>komp</a:t>
+            </a:r>
+            <a:r>
+              <a:rPr lang="en-GB" sz="1100" dirty="0">
+                <a:latin typeface="Courier New" panose="02070309020205020404" pitchFamily="49" charset="0"/>
+                <a:cs typeface="Courier New" panose="02070309020205020404" pitchFamily="49" charset="0"/>
+              </a:rPr>
+              <a:t>/</a:t>
+            </a:r>
+            <a:r>
+              <a:rPr lang="en-GB" sz="1100" dirty="0" err="1">
+                <a:latin typeface="Courier New" panose="02070309020205020404" pitchFamily="49" charset="0"/>
+                <a:cs typeface="Courier New" panose="02070309020205020404" pitchFamily="49" charset="0"/>
+              </a:rPr>
+              <a:t>impc_statistical_pipeline</a:t>
+            </a:r>
+            <a:r>
+              <a:rPr lang="en-GB" sz="1100" dirty="0">
+                <a:latin typeface="Courier New" panose="02070309020205020404" pitchFamily="49" charset="0"/>
+                <a:cs typeface="Courier New" panose="02070309020205020404" pitchFamily="49" charset="0"/>
+              </a:rPr>
+              <a:t>/IMPC_DRs/</a:t>
+            </a:r>
+            <a:r>
+              <a:rPr lang="en-GB" sz="1100" b="1" dirty="0" err="1">
+                <a:latin typeface="Courier New" panose="02070309020205020404" pitchFamily="49" charset="0"/>
+                <a:cs typeface="Courier New" panose="02070309020205020404" pitchFamily="49" charset="0"/>
+              </a:rPr>
+              <a:t>stats_pipeline_input_drXX.y</a:t>
+            </a:r>
+            <a:r>
+              <a:rPr lang="en-GB" sz="1100" dirty="0">
+                <a:latin typeface="Courier New" panose="02070309020205020404" pitchFamily="49" charset="0"/>
+                <a:cs typeface="Courier New" panose="02070309020205020404" pitchFamily="49" charset="0"/>
+              </a:rPr>
+              <a:t>/SP/jobs/</a:t>
+            </a:r>
+            <a:r>
+              <a:rPr lang="en-GB" sz="1100" dirty="0" err="1">
+                <a:latin typeface="Courier New" panose="02070309020205020404" pitchFamily="49" charset="0"/>
+                <a:cs typeface="Courier New" panose="02070309020205020404" pitchFamily="49" charset="0"/>
+              </a:rPr>
+              <a:t>Results_IMPC_SP_Windowed</a:t>
+            </a:r>
+            <a:endParaRPr lang="en-GB" sz="1100" dirty="0">
+              <a:latin typeface="Courier New" panose="02070309020205020404" pitchFamily="49" charset="0"/>
+              <a:cs typeface="Courier New" panose="02070309020205020404" pitchFamily="49" charset="0"/>
+            </a:endParaRPr>
+          </a:p>
+          <a:p>
+            <a:pPr marL="617220" lvl="1" indent="-342900">
+              <a:buFont typeface="+mj-lt"/>
+              <a:buAutoNum type="arabicPeriod"/>
+            </a:pPr>
+            <a:r>
+              <a:rPr lang="en-GB" sz="1100" dirty="0">
+                <a:latin typeface="Courier New" panose="02070309020205020404" pitchFamily="49" charset="0"/>
+                <a:cs typeface="Courier New" panose="02070309020205020404" pitchFamily="49" charset="0"/>
+              </a:rPr>
+              <a:t>Allocate a high memory machine on cluster and initialise an interactive shell by following the following command: </a:t>
+            </a:r>
+            <a:r>
+              <a:rPr lang="en-GB" sz="1100" dirty="0" err="1">
+                <a:latin typeface="Courier New" panose="02070309020205020404" pitchFamily="49" charset="0"/>
+                <a:cs typeface="Courier New" panose="02070309020205020404" pitchFamily="49" charset="0"/>
+              </a:rPr>
+              <a:t>bsub</a:t>
+            </a:r>
+            <a:r>
+              <a:rPr lang="en-GB" sz="1100" dirty="0">
+                <a:latin typeface="Courier New" panose="02070309020205020404" pitchFamily="49" charset="0"/>
+                <a:cs typeface="Courier New" panose="02070309020205020404" pitchFamily="49" charset="0"/>
+              </a:rPr>
+              <a:t> –M 52000 –e </a:t>
+            </a:r>
+            <a:r>
+              <a:rPr lang="en-GB" sz="1100" dirty="0" err="1">
+                <a:latin typeface="Courier New" panose="02070309020205020404" pitchFamily="49" charset="0"/>
+                <a:cs typeface="Courier New" panose="02070309020205020404" pitchFamily="49" charset="0"/>
+              </a:rPr>
+              <a:t>errReportGeneratingPipeline</a:t>
+            </a:r>
+            <a:r>
+              <a:rPr lang="en-GB" sz="1100" dirty="0">
+                <a:latin typeface="Courier New" panose="02070309020205020404" pitchFamily="49" charset="0"/>
+                <a:cs typeface="Courier New" panose="02070309020205020404" pitchFamily="49" charset="0"/>
+              </a:rPr>
+              <a:t> –o </a:t>
+            </a:r>
+            <a:r>
+              <a:rPr lang="en-GB" sz="1100" dirty="0" err="1">
+                <a:latin typeface="Courier New" panose="02070309020205020404" pitchFamily="49" charset="0"/>
+                <a:cs typeface="Courier New" panose="02070309020205020404" pitchFamily="49" charset="0"/>
+              </a:rPr>
+              <a:t>outReportGeneratingPipeline</a:t>
+            </a:r>
+            <a:r>
+              <a:rPr lang="en-GB" sz="1100" dirty="0">
+                <a:latin typeface="Courier New" panose="02070309020205020404" pitchFamily="49" charset="0"/>
+                <a:cs typeface="Courier New" panose="02070309020205020404" pitchFamily="49" charset="0"/>
+              </a:rPr>
+              <a:t> –Is /bin/bash</a:t>
+            </a:r>
+          </a:p>
+          <a:p>
+            <a:pPr marL="617220" lvl="1" indent="-342900">
+              <a:buFont typeface="+mj-lt"/>
+              <a:buAutoNum type="arabicPeriod"/>
+            </a:pPr>
+            <a:r>
+              <a:rPr lang="en-GB" sz="1100" dirty="0">
+                <a:latin typeface="Courier New" panose="02070309020205020404" pitchFamily="49" charset="0"/>
+                <a:cs typeface="Courier New" panose="02070309020205020404" pitchFamily="49" charset="0"/>
+              </a:rPr>
+              <a:t>Open an R session by typing R in your console (you need to make sure that this session is alive during the process or you can make a screen to keep it alive)</a:t>
+            </a:r>
+          </a:p>
+          <a:p>
+            <a:pPr marL="617220" lvl="1" indent="-342900">
+              <a:buFont typeface="+mj-lt"/>
+              <a:buAutoNum type="arabicPeriod"/>
+            </a:pPr>
+            <a:r>
+              <a:rPr lang="en-GB" sz="1100" dirty="0">
+                <a:latin typeface="Courier New" panose="02070309020205020404" pitchFamily="49" charset="0"/>
+                <a:cs typeface="Courier New" panose="02070309020205020404" pitchFamily="49" charset="0"/>
+              </a:rPr>
+              <a:t>Run the following commands in the R session:</a:t>
+            </a:r>
+          </a:p>
+          <a:p>
+            <a:pPr lvl="2"/>
+            <a:r>
+              <a:rPr lang="en-GB" sz="1100" dirty="0" err="1">
+                <a:latin typeface="Courier New" panose="02070309020205020404" pitchFamily="49" charset="0"/>
+                <a:cs typeface="Courier New" panose="02070309020205020404" pitchFamily="49" charset="0"/>
+              </a:rPr>
+              <a:t>DRrequiredAgeing</a:t>
+            </a:r>
+            <a:r>
+              <a:rPr lang="en-GB" sz="1100" dirty="0">
+                <a:latin typeface="Courier New" panose="02070309020205020404" pitchFamily="49" charset="0"/>
+                <a:cs typeface="Courier New" panose="02070309020205020404" pitchFamily="49" charset="0"/>
+              </a:rPr>
+              <a:t>:::</a:t>
+            </a:r>
+            <a:r>
+              <a:rPr lang="en-GB" sz="1100" dirty="0" err="1">
+                <a:latin typeface="Courier New" panose="02070309020205020404" pitchFamily="49" charset="0"/>
+                <a:cs typeface="Courier New" panose="02070309020205020404" pitchFamily="49" charset="0"/>
+              </a:rPr>
+              <a:t>IMPC_statspipelinePostProcess</a:t>
+            </a:r>
+            <a:r>
+              <a:rPr lang="en-GB" sz="1100" dirty="0">
+                <a:latin typeface="Courier New" panose="02070309020205020404" pitchFamily="49" charset="0"/>
+                <a:cs typeface="Courier New" panose="02070309020205020404" pitchFamily="49" charset="0"/>
+              </a:rPr>
+              <a:t>()</a:t>
+            </a:r>
+          </a:p>
+          <a:p>
+            <a:pPr lvl="2"/>
+            <a:r>
+              <a:rPr lang="en-GB" sz="1100" dirty="0" err="1">
+                <a:latin typeface="Courier New" panose="02070309020205020404" pitchFamily="49" charset="0"/>
+                <a:cs typeface="Courier New" panose="02070309020205020404" pitchFamily="49" charset="0"/>
+              </a:rPr>
+              <a:t>ClearReportsAfterCreation</a:t>
+            </a:r>
+            <a:r>
+              <a:rPr lang="en-GB" sz="1100" dirty="0">
+                <a:latin typeface="Courier New" panose="02070309020205020404" pitchFamily="49" charset="0"/>
+                <a:cs typeface="Courier New" panose="02070309020205020404" pitchFamily="49" charset="0"/>
+              </a:rPr>
+              <a:t>()</a:t>
+            </a:r>
+          </a:p>
+          <a:p>
+            <a:pPr lvl="1"/>
+            <a:r>
+              <a:rPr lang="en-GB" sz="1100" b="1" dirty="0">
+                <a:solidFill>
+                  <a:srgbClr val="2C481F"/>
+                </a:solidFill>
+                <a:latin typeface="Courier New" panose="02070309020205020404" pitchFamily="49" charset="0"/>
+                <a:cs typeface="Courier New" panose="02070309020205020404" pitchFamily="49" charset="0"/>
+              </a:rPr>
+              <a:t>► The </a:t>
+            </a:r>
+            <a:r>
+              <a:rPr lang="en-GB" sz="1100" b="1" kern="1200" dirty="0">
+                <a:solidFill>
+                  <a:srgbClr val="2C481F"/>
+                </a:solidFill>
+                <a:effectLst/>
+                <a:latin typeface="Courier New" panose="02070309020205020404" pitchFamily="49" charset="0"/>
+                <a:cs typeface="Courier New" panose="02070309020205020404" pitchFamily="49" charset="0"/>
+              </a:rPr>
+              <a:t>commands above will generate two csv files in the </a:t>
+            </a:r>
+            <a:r>
+              <a:rPr lang="en-GB" sz="1100" dirty="0">
+                <a:latin typeface="Courier New" panose="02070309020205020404" pitchFamily="49" charset="0"/>
+                <a:cs typeface="Courier New" panose="02070309020205020404" pitchFamily="49" charset="0"/>
+              </a:rPr>
+              <a:t>:/</a:t>
+            </a:r>
+            <a:r>
+              <a:rPr lang="en-GB" sz="1100" dirty="0" err="1">
+                <a:latin typeface="Courier New" panose="02070309020205020404" pitchFamily="49" charset="0"/>
+                <a:cs typeface="Courier New" panose="02070309020205020404" pitchFamily="49" charset="0"/>
+              </a:rPr>
+              <a:t>nfs</a:t>
+            </a:r>
+            <a:r>
+              <a:rPr lang="en-GB" sz="1100" dirty="0">
+                <a:latin typeface="Courier New" panose="02070309020205020404" pitchFamily="49" charset="0"/>
+                <a:cs typeface="Courier New" panose="02070309020205020404" pitchFamily="49" charset="0"/>
+              </a:rPr>
+              <a:t>/production/</a:t>
+            </a:r>
+            <a:r>
+              <a:rPr lang="en-GB" sz="1100" dirty="0" err="1">
+                <a:latin typeface="Courier New" panose="02070309020205020404" pitchFamily="49" charset="0"/>
+                <a:cs typeface="Courier New" panose="02070309020205020404" pitchFamily="49" charset="0"/>
+              </a:rPr>
+              <a:t>tudor</a:t>
+            </a:r>
+            <a:r>
+              <a:rPr lang="en-GB" sz="1100" dirty="0">
+                <a:latin typeface="Courier New" panose="02070309020205020404" pitchFamily="49" charset="0"/>
+                <a:cs typeface="Courier New" panose="02070309020205020404" pitchFamily="49" charset="0"/>
+              </a:rPr>
+              <a:t>/</a:t>
+            </a:r>
+            <a:r>
+              <a:rPr lang="en-GB" sz="1100" dirty="0" err="1">
+                <a:latin typeface="Courier New" panose="02070309020205020404" pitchFamily="49" charset="0"/>
+                <a:cs typeface="Courier New" panose="02070309020205020404" pitchFamily="49" charset="0"/>
+              </a:rPr>
+              <a:t>komp</a:t>
+            </a:r>
+            <a:r>
+              <a:rPr lang="en-GB" sz="1100" dirty="0">
+                <a:latin typeface="Courier New" panose="02070309020205020404" pitchFamily="49" charset="0"/>
+                <a:cs typeface="Courier New" panose="02070309020205020404" pitchFamily="49" charset="0"/>
+              </a:rPr>
+              <a:t>/</a:t>
+            </a:r>
+            <a:r>
+              <a:rPr lang="en-GB" sz="1100" dirty="0" err="1">
+                <a:latin typeface="Courier New" panose="02070309020205020404" pitchFamily="49" charset="0"/>
+                <a:cs typeface="Courier New" panose="02070309020205020404" pitchFamily="49" charset="0"/>
+              </a:rPr>
+              <a:t>impc_statistical_pipeline</a:t>
+            </a:r>
+            <a:r>
+              <a:rPr lang="en-GB" sz="1100" dirty="0">
+                <a:latin typeface="Courier New" panose="02070309020205020404" pitchFamily="49" charset="0"/>
+                <a:cs typeface="Courier New" panose="02070309020205020404" pitchFamily="49" charset="0"/>
+              </a:rPr>
+              <a:t>/IMPC_DRs/</a:t>
+            </a:r>
+            <a:r>
+              <a:rPr lang="en-GB" sz="1100" b="1" dirty="0" err="1">
+                <a:latin typeface="Courier New" panose="02070309020205020404" pitchFamily="49" charset="0"/>
+                <a:cs typeface="Courier New" panose="02070309020205020404" pitchFamily="49" charset="0"/>
+              </a:rPr>
+              <a:t>stats_pipeline_input_drXX.y</a:t>
+            </a:r>
+            <a:r>
+              <a:rPr lang="en-GB" sz="1100" dirty="0">
+                <a:latin typeface="Courier New" panose="02070309020205020404" pitchFamily="49" charset="0"/>
+                <a:cs typeface="Courier New" panose="02070309020205020404" pitchFamily="49" charset="0"/>
+              </a:rPr>
+              <a:t>/SP/jobs/</a:t>
+            </a:r>
+            <a:r>
+              <a:rPr lang="en-GB" sz="1100" dirty="0" err="1">
+                <a:latin typeface="Courier New" panose="02070309020205020404" pitchFamily="49" charset="0"/>
+                <a:cs typeface="Courier New" panose="02070309020205020404" pitchFamily="49" charset="0"/>
+              </a:rPr>
+              <a:t>Results_IMPC_SP_Windowed</a:t>
+            </a:r>
+            <a:r>
+              <a:rPr lang="en-GB" sz="1100" dirty="0">
+                <a:latin typeface="Courier New" panose="02070309020205020404" pitchFamily="49" charset="0"/>
+                <a:cs typeface="Courier New" panose="02070309020205020404" pitchFamily="49" charset="0"/>
+              </a:rPr>
+              <a:t> directory for the </a:t>
+            </a:r>
+            <a:r>
+              <a:rPr lang="en-GB" sz="1100" b="1" dirty="0" err="1">
+                <a:latin typeface="Courier New" panose="02070309020205020404" pitchFamily="49" charset="0"/>
+                <a:cs typeface="Courier New" panose="02070309020205020404" pitchFamily="49" charset="0"/>
+              </a:rPr>
+              <a:t>unidimentional</a:t>
+            </a:r>
+            <a:r>
+              <a:rPr lang="en-GB" sz="1100" dirty="0">
+                <a:latin typeface="Courier New" panose="02070309020205020404" pitchFamily="49" charset="0"/>
+                <a:cs typeface="Courier New" panose="02070309020205020404" pitchFamily="49" charset="0"/>
+              </a:rPr>
+              <a:t> and </a:t>
+            </a:r>
+            <a:r>
+              <a:rPr lang="en-GB" sz="1100" b="1" dirty="0">
+                <a:latin typeface="Courier New" panose="02070309020205020404" pitchFamily="49" charset="0"/>
+                <a:cs typeface="Courier New" panose="02070309020205020404" pitchFamily="49" charset="0"/>
+              </a:rPr>
+              <a:t>categorical</a:t>
+            </a:r>
+            <a:r>
+              <a:rPr lang="en-GB" sz="1100" dirty="0">
+                <a:latin typeface="Courier New" panose="02070309020205020404" pitchFamily="49" charset="0"/>
+                <a:cs typeface="Courier New" panose="02070309020205020404" pitchFamily="49" charset="0"/>
+              </a:rPr>
+              <a:t> results. The files can be </a:t>
+            </a:r>
+            <a:r>
+              <a:rPr lang="en-GB" sz="1100" b="1" dirty="0" err="1">
+                <a:latin typeface="Courier New" panose="02070309020205020404" pitchFamily="49" charset="0"/>
+                <a:cs typeface="Courier New" panose="02070309020205020404" pitchFamily="49" charset="0"/>
+              </a:rPr>
+              <a:t>gzip</a:t>
+            </a:r>
+            <a:r>
+              <a:rPr lang="en-GB" sz="1100" dirty="0">
+                <a:latin typeface="Courier New" panose="02070309020205020404" pitchFamily="49" charset="0"/>
+                <a:cs typeface="Courier New" panose="02070309020205020404" pitchFamily="49" charset="0"/>
+              </a:rPr>
+              <a:t> and moved to the FTP directory. You can decorate and format the files by using one of the formatted files in the previous data releases.</a:t>
+            </a:r>
+          </a:p>
+          <a:p>
+            <a:pPr lvl="2"/>
+            <a:endParaRPr lang="en-GB" sz="1400" dirty="0">
+              <a:latin typeface="Courier New" panose="02070309020205020404" pitchFamily="49" charset="0"/>
+              <a:cs typeface="Courier New" panose="02070309020205020404" pitchFamily="49" charset="0"/>
+            </a:endParaRPr>
+          </a:p>
+        </p:txBody>
+      </p:sp>
+      <p:sp>
+        <p:nvSpPr>
+          <p:cNvPr id="4" name="Date Placeholder 3">
+            <a:extLst>
+              <a:ext uri="{FF2B5EF4-FFF2-40B4-BE49-F238E27FC236}">
+                <a16:creationId xmlns:a16="http://schemas.microsoft.com/office/drawing/2014/main" id="{8E297709-FD23-B3A8-0B3B-3B60227D290E}"/>
+              </a:ext>
+            </a:extLst>
+          </p:cNvPr>
+          <p:cNvSpPr>
+            <a:spLocks noGrp="1"/>
+          </p:cNvSpPr>
+          <p:nvPr>
+            <p:ph type="dt" sz="half" idx="10"/>
+          </p:nvPr>
+        </p:nvSpPr>
+        <p:spPr/>
+        <p:txBody>
+          <a:bodyPr/>
+          <a:lstStyle/>
+          <a:p>
+            <a:pPr rtl="0"/>
+            <a:fld id="{6AF379E8-AC6C-43B9-9222-BDF0AF9336F0}" type="datetime1">
+              <a:rPr lang="en-US" smtClean="0"/>
+              <a:t>6/13/2023</a:t>
+            </a:fld>
+            <a:endParaRPr lang="en-US"/>
+          </a:p>
+        </p:txBody>
+      </p:sp>
+    </p:spTree>
+    <p:extLst>
+      <p:ext uri="{BB962C8B-B14F-4D97-AF65-F5344CB8AC3E}">
+        <p14:creationId xmlns:p14="http://schemas.microsoft.com/office/powerpoint/2010/main" val="1791507408"/>
       </p:ext>
     </p:extLst>
   </p:cSld>

--- a/Slides/How to execute the IMPC statistical pipeline.pptx
+++ b/Slides/How to execute the IMPC statistical pipeline.pptx
@@ -5,10 +5,10 @@
     <p:sldMasterId id="2147483673" r:id="rId1"/>
   </p:sldMasterIdLst>
   <p:notesMasterIdLst>
-    <p:notesMasterId r:id="rId12"/>
+    <p:notesMasterId r:id="rId14"/>
   </p:notesMasterIdLst>
   <p:handoutMasterIdLst>
-    <p:handoutMasterId r:id="rId13"/>
+    <p:handoutMasterId r:id="rId15"/>
   </p:handoutMasterIdLst>
   <p:sldIdLst>
     <p:sldId id="257" r:id="rId2"/>
@@ -19,8 +19,10 @@
     <p:sldId id="264" r:id="rId7"/>
     <p:sldId id="266" r:id="rId8"/>
     <p:sldId id="261" r:id="rId9"/>
-    <p:sldId id="262" r:id="rId10"/>
-    <p:sldId id="263" r:id="rId11"/>
+    <p:sldId id="267" r:id="rId10"/>
+    <p:sldId id="262" r:id="rId11"/>
+    <p:sldId id="263" r:id="rId12"/>
+    <p:sldId id="268" r:id="rId13"/>
   </p:sldIdLst>
   <p:sldSz cx="12192000" cy="6858000"/>
   <p:notesSz cx="6858000" cy="9144000"/>
@@ -5227,7 +5229,7 @@
           <a:p>
             <a:r>
               <a:rPr lang="en-GB" dirty="0"/>
-              <a:t>Run the extraction of risky genes pipeline</a:t>
+              <a:t>Run the report generating pipeline</a:t>
             </a:r>
           </a:p>
         </p:txBody>
@@ -5250,7 +5252,7 @@
         </p:nvSpPr>
         <p:spPr>
           <a:xfrm>
-            <a:off x="1066800" y="2014194"/>
+            <a:off x="1066800" y="1735567"/>
             <a:ext cx="10058400" cy="3849624"/>
           </a:xfrm>
         </p:spPr>
@@ -5265,16 +5267,16 @@
                 <a:latin typeface="Courier New" panose="02070309020205020404" pitchFamily="49" charset="0"/>
                 <a:cs typeface="Courier New" panose="02070309020205020404" pitchFamily="49" charset="0"/>
               </a:rPr>
-              <a:t>This process generates a list of risky genes to check manually</a:t>
-            </a:r>
-          </a:p>
-          <a:p>
-            <a:r>
-              <a:rPr lang="en-GB" sz="1100" dirty="0">
-                <a:latin typeface="Courier New" panose="02070309020205020404" pitchFamily="49" charset="0"/>
-                <a:cs typeface="Courier New" panose="02070309020205020404" pitchFamily="49" charset="0"/>
-              </a:rPr>
-              <a:t>Step:</a:t>
+              <a:t>This process is to create statistical reports that are normally used by the IMPC working groups</a:t>
+            </a:r>
+          </a:p>
+          <a:p>
+            <a:r>
+              <a:rPr lang="en-GB" sz="1100" b="1" dirty="0">
+                <a:latin typeface="Courier New" panose="02070309020205020404" pitchFamily="49" charset="0"/>
+                <a:cs typeface="Courier New" panose="02070309020205020404" pitchFamily="49" charset="0"/>
+              </a:rPr>
+              <a:t>Steps:</a:t>
             </a:r>
           </a:p>
           <a:p>
@@ -5287,22 +5289,89 @@
                 <a:latin typeface="Courier New" panose="02070309020205020404" pitchFamily="49" charset="0"/>
                 <a:cs typeface="Courier New" panose="02070309020205020404" pitchFamily="49" charset="0"/>
               </a:rPr>
-              <a:t>Allocate a machine on codon cluster, </a:t>
+              <a:t>Navigate to :/</a:t>
             </a:r>
             <a:r>
               <a:rPr lang="en-GB" sz="1100" dirty="0" err="1">
                 <a:latin typeface="Courier New" panose="02070309020205020404" pitchFamily="49" charset="0"/>
                 <a:cs typeface="Courier New" panose="02070309020205020404" pitchFamily="49" charset="0"/>
               </a:rPr>
-              <a:t>bsub</a:t>
-            </a:r>
-            <a:r>
-              <a:rPr lang="en-GB" sz="1100" dirty="0">
-                <a:latin typeface="Courier New" panose="02070309020205020404" pitchFamily="49" charset="0"/>
-                <a:cs typeface="Courier New" panose="02070309020205020404" pitchFamily="49" charset="0"/>
-              </a:rPr>
-              <a:t> –M 8000 –Is /bin/bash</a:t>
-            </a:r>
+              <a:t>nfs</a:t>
+            </a:r>
+            <a:r>
+              <a:rPr lang="en-GB" sz="1100" dirty="0">
+                <a:latin typeface="Courier New" panose="02070309020205020404" pitchFamily="49" charset="0"/>
+                <a:cs typeface="Courier New" panose="02070309020205020404" pitchFamily="49" charset="0"/>
+              </a:rPr>
+              <a:t>/production/</a:t>
+            </a:r>
+            <a:r>
+              <a:rPr lang="en-GB" sz="1100" dirty="0" err="1">
+                <a:latin typeface="Courier New" panose="02070309020205020404" pitchFamily="49" charset="0"/>
+                <a:cs typeface="Courier New" panose="02070309020205020404" pitchFamily="49" charset="0"/>
+              </a:rPr>
+              <a:t>tudor</a:t>
+            </a:r>
+            <a:r>
+              <a:rPr lang="en-GB" sz="1100" dirty="0">
+                <a:latin typeface="Courier New" panose="02070309020205020404" pitchFamily="49" charset="0"/>
+                <a:cs typeface="Courier New" panose="02070309020205020404" pitchFamily="49" charset="0"/>
+              </a:rPr>
+              <a:t>/</a:t>
+            </a:r>
+            <a:r>
+              <a:rPr lang="en-GB" sz="1100" dirty="0" err="1">
+                <a:latin typeface="Courier New" panose="02070309020205020404" pitchFamily="49" charset="0"/>
+                <a:cs typeface="Courier New" panose="02070309020205020404" pitchFamily="49" charset="0"/>
+              </a:rPr>
+              <a:t>komp</a:t>
+            </a:r>
+            <a:r>
+              <a:rPr lang="en-GB" sz="1100" dirty="0">
+                <a:latin typeface="Courier New" panose="02070309020205020404" pitchFamily="49" charset="0"/>
+                <a:cs typeface="Courier New" panose="02070309020205020404" pitchFamily="49" charset="0"/>
+              </a:rPr>
+              <a:t>/</a:t>
+            </a:r>
+            <a:r>
+              <a:rPr lang="en-GB" sz="1100" dirty="0" err="1">
+                <a:latin typeface="Courier New" panose="02070309020205020404" pitchFamily="49" charset="0"/>
+                <a:cs typeface="Courier New" panose="02070309020205020404" pitchFamily="49" charset="0"/>
+              </a:rPr>
+              <a:t>impc_statistical_pipeline</a:t>
+            </a:r>
+            <a:r>
+              <a:rPr lang="en-GB" sz="1100" dirty="0">
+                <a:latin typeface="Courier New" panose="02070309020205020404" pitchFamily="49" charset="0"/>
+                <a:cs typeface="Courier New" panose="02070309020205020404" pitchFamily="49" charset="0"/>
+              </a:rPr>
+              <a:t>/IMPC_DRs/</a:t>
+            </a:r>
+            <a:r>
+              <a:rPr lang="en-GB" sz="1100" b="1" dirty="0" err="1">
+                <a:latin typeface="Courier New" panose="02070309020205020404" pitchFamily="49" charset="0"/>
+                <a:cs typeface="Courier New" panose="02070309020205020404" pitchFamily="49" charset="0"/>
+              </a:rPr>
+              <a:t>stats_pipeline_input_drXX.y</a:t>
+            </a:r>
+            <a:r>
+              <a:rPr lang="en-GB" sz="1100" dirty="0">
+                <a:latin typeface="Courier New" panose="02070309020205020404" pitchFamily="49" charset="0"/>
+                <a:cs typeface="Courier New" panose="02070309020205020404" pitchFamily="49" charset="0"/>
+              </a:rPr>
+              <a:t>/SP/jobs/</a:t>
+            </a:r>
+            <a:r>
+              <a:rPr lang="en-GB" sz="1100" dirty="0" err="1">
+                <a:latin typeface="Courier New" panose="02070309020205020404" pitchFamily="49" charset="0"/>
+                <a:cs typeface="Courier New" panose="02070309020205020404" pitchFamily="49" charset="0"/>
+              </a:rPr>
+              <a:t>Results_IMPC_SP_Windowed</a:t>
+            </a:r>
+            <a:endParaRPr lang="en-GB" sz="1100" dirty="0">
+              <a:latin typeface="Courier New" panose="02070309020205020404" pitchFamily="49" charset="0"/>
+              <a:cs typeface="Courier New" panose="02070309020205020404" pitchFamily="49" charset="0"/>
+            </a:endParaRPr>
           </a:p>
           <a:p>
             <a:pPr marL="617220" lvl="1" indent="-342900">
@@ -5314,7 +5383,35 @@
                 <a:latin typeface="Courier New" panose="02070309020205020404" pitchFamily="49" charset="0"/>
                 <a:cs typeface="Courier New" panose="02070309020205020404" pitchFamily="49" charset="0"/>
               </a:rPr>
-              <a:t>Open an R session by typing R in the console</a:t>
+              <a:t>Allocate a high memory machine on cluster and initialise an interactive shell by following the following command: bsub –M 300000 –e </a:t>
+            </a:r>
+            <a:r>
+              <a:rPr lang="en-GB" sz="1100" dirty="0" err="1">
+                <a:latin typeface="Courier New" panose="02070309020205020404" pitchFamily="49" charset="0"/>
+                <a:cs typeface="Courier New" panose="02070309020205020404" pitchFamily="49" charset="0"/>
+              </a:rPr>
+              <a:t>errReportGeneratingPipeline</a:t>
+            </a:r>
+            <a:r>
+              <a:rPr lang="en-GB" sz="1100" dirty="0">
+                <a:latin typeface="Courier New" panose="02070309020205020404" pitchFamily="49" charset="0"/>
+                <a:cs typeface="Courier New" panose="02070309020205020404" pitchFamily="49" charset="0"/>
+              </a:rPr>
+              <a:t> –o </a:t>
+            </a:r>
+            <a:r>
+              <a:rPr lang="en-GB" sz="1100" dirty="0" err="1">
+                <a:latin typeface="Courier New" panose="02070309020205020404" pitchFamily="49" charset="0"/>
+                <a:cs typeface="Courier New" panose="02070309020205020404" pitchFamily="49" charset="0"/>
+              </a:rPr>
+              <a:t>outReportGeneratingPipeline</a:t>
+            </a:r>
+            <a:r>
+              <a:rPr lang="en-GB" sz="1100" dirty="0">
+                <a:latin typeface="Courier New" panose="02070309020205020404" pitchFamily="49" charset="0"/>
+                <a:cs typeface="Courier New" panose="02070309020205020404" pitchFamily="49" charset="0"/>
+              </a:rPr>
+              <a:t> –Is /bin/bash</a:t>
             </a:r>
           </a:p>
           <a:p>
@@ -5327,7 +5424,7 @@
                 <a:latin typeface="Courier New" panose="02070309020205020404" pitchFamily="49" charset="0"/>
                 <a:cs typeface="Courier New" panose="02070309020205020404" pitchFamily="49" charset="0"/>
               </a:rPr>
-              <a:t>Run the following command on the console:</a:t>
+              <a:t>Open an R session by typing R in your console (you need to make sure that this session is alive during the process or you can make a screen to keep it alive)</a:t>
             </a:r>
           </a:p>
           <a:p>
@@ -5336,6 +5433,16 @@
               <a:buAutoNum type="arabicPeriod"/>
             </a:pPr>
             <a:r>
+              <a:rPr lang="en-GB" sz="1100" dirty="0">
+                <a:latin typeface="Courier New" panose="02070309020205020404" pitchFamily="49" charset="0"/>
+                <a:cs typeface="Courier New" panose="02070309020205020404" pitchFamily="49" charset="0"/>
+              </a:rPr>
+              <a:t>Run the following commands in the R session:</a:t>
+            </a:r>
+          </a:p>
+          <a:p>
+            <a:pPr lvl="2"/>
+            <a:r>
               <a:rPr lang="en-GB" sz="1100" dirty="0" err="1">
                 <a:latin typeface="Courier New" panose="02070309020205020404" pitchFamily="49" charset="0"/>
                 <a:cs typeface="Courier New" panose="02070309020205020404" pitchFamily="49" charset="0"/>
@@ -5354,47 +5461,59 @@
                 <a:latin typeface="Courier New" panose="02070309020205020404" pitchFamily="49" charset="0"/>
                 <a:cs typeface="Courier New" panose="02070309020205020404" pitchFamily="49" charset="0"/>
               </a:rPr>
-              <a:t>extractRiskyGenesFromDRs</a:t>
-            </a:r>
-            <a:r>
-              <a:rPr lang="en-GB" sz="1100" dirty="0">
-                <a:latin typeface="Courier New" panose="02070309020205020404" pitchFamily="49" charset="0"/>
-                <a:cs typeface="Courier New" panose="02070309020205020404" pitchFamily="49" charset="0"/>
-              </a:rPr>
-              <a:t>(path to the </a:t>
-            </a:r>
+              <a:t>IMPC_statspipelinePostProcess</a:t>
+            </a:r>
+            <a:r>
+              <a:rPr lang="en-GB" sz="1100" dirty="0">
+                <a:latin typeface="Courier New" panose="02070309020205020404" pitchFamily="49" charset="0"/>
+                <a:cs typeface="Courier New" panose="02070309020205020404" pitchFamily="49" charset="0"/>
+              </a:rPr>
+              <a:t>()</a:t>
+            </a:r>
+          </a:p>
+          <a:p>
+            <a:pPr lvl="2"/>
             <a:r>
               <a:rPr lang="en-GB" sz="1100" dirty="0" err="1">
                 <a:latin typeface="Courier New" panose="02070309020205020404" pitchFamily="49" charset="0"/>
                 <a:cs typeface="Courier New" panose="02070309020205020404" pitchFamily="49" charset="0"/>
               </a:rPr>
-              <a:t>gzip</a:t>
-            </a:r>
-            <a:r>
-              <a:rPr lang="en-GB" sz="1100" dirty="0">
-                <a:latin typeface="Courier New" panose="02070309020205020404" pitchFamily="49" charset="0"/>
-                <a:cs typeface="Courier New" panose="02070309020205020404" pitchFamily="49" charset="0"/>
-              </a:rPr>
-              <a:t> report from the previous release, path to the new report on the current release)</a:t>
-            </a:r>
-          </a:p>
-          <a:p>
-            <a:pPr marL="891540" lvl="2" indent="-342900">
-              <a:buFont typeface="+mj-lt"/>
-              <a:buAutoNum type="arabicPeriod"/>
-            </a:pPr>
-            <a:r>
-              <a:rPr lang="en-GB" sz="1000" dirty="0">
-                <a:latin typeface="Courier New" panose="02070309020205020404" pitchFamily="49" charset="0"/>
-                <a:cs typeface="Courier New" panose="02070309020205020404" pitchFamily="49" charset="0"/>
-              </a:rPr>
-              <a:t>The inputs above can be URLs from the FTP site or absolute paths</a:t>
-            </a:r>
-          </a:p>
-          <a:p>
-            <a:pPr marL="274320" lvl="1" indent="0">
-              <a:buNone/>
-            </a:pPr>
+              <a:t>DRrequiredAgeing</a:t>
+            </a:r>
+            <a:r>
+              <a:rPr lang="en-GB" sz="1100" dirty="0">
+                <a:latin typeface="Courier New" panose="02070309020205020404" pitchFamily="49" charset="0"/>
+                <a:cs typeface="Courier New" panose="02070309020205020404" pitchFamily="49" charset="0"/>
+              </a:rPr>
+              <a:t>::: </a:t>
+            </a:r>
+            <a:r>
+              <a:rPr lang="en-GB" sz="1100" dirty="0" err="1">
+                <a:latin typeface="Courier New" panose="02070309020205020404" pitchFamily="49" charset="0"/>
+                <a:cs typeface="Courier New" panose="02070309020205020404" pitchFamily="49" charset="0"/>
+              </a:rPr>
+              <a:t>ClearReportsAfterCreation</a:t>
+            </a:r>
+            <a:r>
+              <a:rPr lang="en-GB" sz="1100" dirty="0">
+                <a:latin typeface="Courier New" panose="02070309020205020404" pitchFamily="49" charset="0"/>
+                <a:cs typeface="Courier New" panose="02070309020205020404" pitchFamily="49" charset="0"/>
+              </a:rPr>
+              <a:t>()</a:t>
+            </a:r>
+          </a:p>
+          <a:p>
+            <a:pPr lvl="1"/>
+            <a:r>
+              <a:rPr lang="en-GB" sz="1100" b="1" dirty="0">
+                <a:solidFill>
+                  <a:srgbClr val="2C481F"/>
+                </a:solidFill>
+                <a:latin typeface="Courier New" panose="02070309020205020404" pitchFamily="49" charset="0"/>
+                <a:cs typeface="Courier New" panose="02070309020205020404" pitchFamily="49" charset="0"/>
+              </a:rPr>
+              <a:t>► The </a:t>
+            </a:r>
             <a:r>
               <a:rPr lang="en-GB" sz="1100" b="1" kern="1200" dirty="0">
                 <a:solidFill>
@@ -5404,10 +5523,404 @@
                 <a:latin typeface="Courier New" panose="02070309020205020404" pitchFamily="49" charset="0"/>
                 <a:cs typeface="Courier New" panose="02070309020205020404" pitchFamily="49" charset="0"/>
               </a:rPr>
-              <a:t>► The output of this process is a file (in the current directory) RiskyGenesToCheck_[DATE].txt with each line a gene that should be </a:t>
-            </a:r>
-            <a:r>
-              <a:rPr lang="en-GB" sz="1100" b="1" kern="1200">
+              <a:t>commands above will generate two csv files in the </a:t>
+            </a:r>
+            <a:r>
+              <a:rPr lang="en-GB" sz="1100" dirty="0">
+                <a:latin typeface="Courier New" panose="02070309020205020404" pitchFamily="49" charset="0"/>
+                <a:cs typeface="Courier New" panose="02070309020205020404" pitchFamily="49" charset="0"/>
+              </a:rPr>
+              <a:t>:/</a:t>
+            </a:r>
+            <a:r>
+              <a:rPr lang="en-GB" sz="1100" dirty="0" err="1">
+                <a:latin typeface="Courier New" panose="02070309020205020404" pitchFamily="49" charset="0"/>
+                <a:cs typeface="Courier New" panose="02070309020205020404" pitchFamily="49" charset="0"/>
+              </a:rPr>
+              <a:t>nfs</a:t>
+            </a:r>
+            <a:r>
+              <a:rPr lang="en-GB" sz="1100" dirty="0">
+                <a:latin typeface="Courier New" panose="02070309020205020404" pitchFamily="49" charset="0"/>
+                <a:cs typeface="Courier New" panose="02070309020205020404" pitchFamily="49" charset="0"/>
+              </a:rPr>
+              <a:t>/production/</a:t>
+            </a:r>
+            <a:r>
+              <a:rPr lang="en-GB" sz="1100" dirty="0" err="1">
+                <a:latin typeface="Courier New" panose="02070309020205020404" pitchFamily="49" charset="0"/>
+                <a:cs typeface="Courier New" panose="02070309020205020404" pitchFamily="49" charset="0"/>
+              </a:rPr>
+              <a:t>tudor</a:t>
+            </a:r>
+            <a:r>
+              <a:rPr lang="en-GB" sz="1100" dirty="0">
+                <a:latin typeface="Courier New" panose="02070309020205020404" pitchFamily="49" charset="0"/>
+                <a:cs typeface="Courier New" panose="02070309020205020404" pitchFamily="49" charset="0"/>
+              </a:rPr>
+              <a:t>/</a:t>
+            </a:r>
+            <a:r>
+              <a:rPr lang="en-GB" sz="1100" dirty="0" err="1">
+                <a:latin typeface="Courier New" panose="02070309020205020404" pitchFamily="49" charset="0"/>
+                <a:cs typeface="Courier New" panose="02070309020205020404" pitchFamily="49" charset="0"/>
+              </a:rPr>
+              <a:t>komp</a:t>
+            </a:r>
+            <a:r>
+              <a:rPr lang="en-GB" sz="1100" dirty="0">
+                <a:latin typeface="Courier New" panose="02070309020205020404" pitchFamily="49" charset="0"/>
+                <a:cs typeface="Courier New" panose="02070309020205020404" pitchFamily="49" charset="0"/>
+              </a:rPr>
+              <a:t>/</a:t>
+            </a:r>
+            <a:r>
+              <a:rPr lang="en-GB" sz="1100" dirty="0" err="1">
+                <a:latin typeface="Courier New" panose="02070309020205020404" pitchFamily="49" charset="0"/>
+                <a:cs typeface="Courier New" panose="02070309020205020404" pitchFamily="49" charset="0"/>
+              </a:rPr>
+              <a:t>impc_statistical_pipeline</a:t>
+            </a:r>
+            <a:r>
+              <a:rPr lang="en-GB" sz="1100" dirty="0">
+                <a:latin typeface="Courier New" panose="02070309020205020404" pitchFamily="49" charset="0"/>
+                <a:cs typeface="Courier New" panose="02070309020205020404" pitchFamily="49" charset="0"/>
+              </a:rPr>
+              <a:t>/IMPC_DRs/</a:t>
+            </a:r>
+            <a:r>
+              <a:rPr lang="en-GB" sz="1100" b="1" dirty="0" err="1">
+                <a:latin typeface="Courier New" panose="02070309020205020404" pitchFamily="49" charset="0"/>
+                <a:cs typeface="Courier New" panose="02070309020205020404" pitchFamily="49" charset="0"/>
+              </a:rPr>
+              <a:t>stats_pipeline_input_drXX.y</a:t>
+            </a:r>
+            <a:r>
+              <a:rPr lang="en-GB" sz="1100" dirty="0">
+                <a:latin typeface="Courier New" panose="02070309020205020404" pitchFamily="49" charset="0"/>
+                <a:cs typeface="Courier New" panose="02070309020205020404" pitchFamily="49" charset="0"/>
+              </a:rPr>
+              <a:t>/SP/jobs/</a:t>
+            </a:r>
+            <a:r>
+              <a:rPr lang="en-GB" sz="1100" dirty="0" err="1">
+                <a:latin typeface="Courier New" panose="02070309020205020404" pitchFamily="49" charset="0"/>
+                <a:cs typeface="Courier New" panose="02070309020205020404" pitchFamily="49" charset="0"/>
+              </a:rPr>
+              <a:t>Results_IMPC_SP_Windowed</a:t>
+            </a:r>
+            <a:r>
+              <a:rPr lang="en-GB" sz="1100" dirty="0">
+                <a:latin typeface="Courier New" panose="02070309020205020404" pitchFamily="49" charset="0"/>
+                <a:cs typeface="Courier New" panose="02070309020205020404" pitchFamily="49" charset="0"/>
+              </a:rPr>
+              <a:t> directory for the </a:t>
+            </a:r>
+            <a:r>
+              <a:rPr lang="en-GB" sz="1100" b="1" dirty="0" err="1">
+                <a:latin typeface="Courier New" panose="02070309020205020404" pitchFamily="49" charset="0"/>
+                <a:cs typeface="Courier New" panose="02070309020205020404" pitchFamily="49" charset="0"/>
+              </a:rPr>
+              <a:t>unidimentional</a:t>
+            </a:r>
+            <a:r>
+              <a:rPr lang="en-GB" sz="1100" dirty="0">
+                <a:latin typeface="Courier New" panose="02070309020205020404" pitchFamily="49" charset="0"/>
+                <a:cs typeface="Courier New" panose="02070309020205020404" pitchFamily="49" charset="0"/>
+              </a:rPr>
+              <a:t> and </a:t>
+            </a:r>
+            <a:r>
+              <a:rPr lang="en-GB" sz="1100" b="1" dirty="0">
+                <a:latin typeface="Courier New" panose="02070309020205020404" pitchFamily="49" charset="0"/>
+                <a:cs typeface="Courier New" panose="02070309020205020404" pitchFamily="49" charset="0"/>
+              </a:rPr>
+              <a:t>categorical</a:t>
+            </a:r>
+            <a:r>
+              <a:rPr lang="en-GB" sz="1100" dirty="0">
+                <a:latin typeface="Courier New" panose="02070309020205020404" pitchFamily="49" charset="0"/>
+                <a:cs typeface="Courier New" panose="02070309020205020404" pitchFamily="49" charset="0"/>
+              </a:rPr>
+              <a:t> results. The files can be </a:t>
+            </a:r>
+            <a:r>
+              <a:rPr lang="en-GB" sz="1100" b="1" dirty="0" err="1">
+                <a:latin typeface="Courier New" panose="02070309020205020404" pitchFamily="49" charset="0"/>
+                <a:cs typeface="Courier New" panose="02070309020205020404" pitchFamily="49" charset="0"/>
+              </a:rPr>
+              <a:t>gzip</a:t>
+            </a:r>
+            <a:r>
+              <a:rPr lang="en-GB" sz="1100" dirty="0">
+                <a:latin typeface="Courier New" panose="02070309020205020404" pitchFamily="49" charset="0"/>
+                <a:cs typeface="Courier New" panose="02070309020205020404" pitchFamily="49" charset="0"/>
+              </a:rPr>
+              <a:t> and moved to the FTP directory. You can decorate and format the files by using one of the formatted files in the previous data releases.</a:t>
+            </a:r>
+          </a:p>
+          <a:p>
+            <a:pPr lvl="2"/>
+            <a:endParaRPr lang="en-GB" sz="1400" dirty="0">
+              <a:latin typeface="Courier New" panose="02070309020205020404" pitchFamily="49" charset="0"/>
+              <a:cs typeface="Courier New" panose="02070309020205020404" pitchFamily="49" charset="0"/>
+            </a:endParaRPr>
+          </a:p>
+        </p:txBody>
+      </p:sp>
+      <p:sp>
+        <p:nvSpPr>
+          <p:cNvPr id="4" name="Date Placeholder 3">
+            <a:extLst>
+              <a:ext uri="{FF2B5EF4-FFF2-40B4-BE49-F238E27FC236}">
+                <a16:creationId xmlns:a16="http://schemas.microsoft.com/office/drawing/2014/main" id="{8E297709-FD23-B3A8-0B3B-3B60227D290E}"/>
+              </a:ext>
+            </a:extLst>
+          </p:cNvPr>
+          <p:cNvSpPr>
+            <a:spLocks noGrp="1"/>
+          </p:cNvSpPr>
+          <p:nvPr>
+            <p:ph type="dt" sz="half" idx="10"/>
+          </p:nvPr>
+        </p:nvSpPr>
+        <p:spPr/>
+        <p:txBody>
+          <a:bodyPr/>
+          <a:lstStyle/>
+          <a:p>
+            <a:pPr rtl="0"/>
+            <a:fld id="{6AF379E8-AC6C-43B9-9222-BDF0AF9336F0}" type="datetime1">
+              <a:rPr lang="en-US" smtClean="0"/>
+              <a:t>6/13/2023</a:t>
+            </a:fld>
+            <a:endParaRPr lang="en-US"/>
+          </a:p>
+        </p:txBody>
+      </p:sp>
+    </p:spTree>
+    <p:extLst>
+      <p:ext uri="{BB962C8B-B14F-4D97-AF65-F5344CB8AC3E}">
+        <p14:creationId xmlns:p14="http://schemas.microsoft.com/office/powerpoint/2010/main" val="1791507408"/>
+      </p:ext>
+    </p:extLst>
+  </p:cSld>
+  <p:clrMapOvr>
+    <a:masterClrMapping/>
+  </p:clrMapOvr>
+</p:sld>
+</file>
+
+<file path=ppt/slides/slide11.xml><?xml version="1.0" encoding="utf-8"?>
+<p:sld xmlns:a="http://schemas.openxmlformats.org/drawingml/2006/main" xmlns:r="http://schemas.openxmlformats.org/officeDocument/2006/relationships" xmlns:p="http://schemas.openxmlformats.org/presentationml/2006/main">
+  <p:cSld>
+    <p:spTree>
+      <p:nvGrpSpPr>
+        <p:cNvPr id="1" name=""/>
+        <p:cNvGrpSpPr/>
+        <p:nvPr/>
+      </p:nvGrpSpPr>
+      <p:grpSpPr>
+        <a:xfrm>
+          <a:off x="0" y="0"/>
+          <a:ext cx="0" cy="0"/>
+          <a:chOff x="0" y="0"/>
+          <a:chExt cx="0" cy="0"/>
+        </a:xfrm>
+      </p:grpSpPr>
+      <p:sp>
+        <p:nvSpPr>
+          <p:cNvPr id="2" name="Title 1">
+            <a:extLst>
+              <a:ext uri="{FF2B5EF4-FFF2-40B4-BE49-F238E27FC236}">
+                <a16:creationId xmlns:a16="http://schemas.microsoft.com/office/drawing/2014/main" id="{AF2BE95B-DDF1-5FBC-254E-875503A29DC2}"/>
+              </a:ext>
+            </a:extLst>
+          </p:cNvPr>
+          <p:cNvSpPr>
+            <a:spLocks noGrp="1"/>
+          </p:cNvSpPr>
+          <p:nvPr>
+            <p:ph type="title"/>
+          </p:nvPr>
+        </p:nvSpPr>
+        <p:spPr/>
+        <p:txBody>
+          <a:bodyPr/>
+          <a:lstStyle/>
+          <a:p>
+            <a:r>
+              <a:rPr lang="en-GB" dirty="0"/>
+              <a:t>Run the extraction of risky genes pipeline</a:t>
+            </a:r>
+          </a:p>
+        </p:txBody>
+      </p:sp>
+      <p:sp>
+        <p:nvSpPr>
+          <p:cNvPr id="3" name="Content Placeholder 2">
+            <a:extLst>
+              <a:ext uri="{FF2B5EF4-FFF2-40B4-BE49-F238E27FC236}">
+                <a16:creationId xmlns:a16="http://schemas.microsoft.com/office/drawing/2014/main" id="{382E34FA-2F10-59F2-D739-E3D164821BD2}"/>
+              </a:ext>
+            </a:extLst>
+          </p:cNvPr>
+          <p:cNvSpPr>
+            <a:spLocks noGrp="1"/>
+          </p:cNvSpPr>
+          <p:nvPr>
+            <p:ph idx="1"/>
+          </p:nvPr>
+        </p:nvSpPr>
+        <p:spPr>
+          <a:xfrm>
+            <a:off x="1066800" y="2014194"/>
+            <a:ext cx="10058400" cy="3849624"/>
+          </a:xfrm>
+        </p:spPr>
+        <p:txBody>
+          <a:bodyPr>
+            <a:normAutofit/>
+          </a:bodyPr>
+          <a:lstStyle/>
+          <a:p>
+            <a:r>
+              <a:rPr lang="en-GB" sz="1100" dirty="0">
+                <a:latin typeface="Courier New" panose="02070309020205020404" pitchFamily="49" charset="0"/>
+                <a:cs typeface="Courier New" panose="02070309020205020404" pitchFamily="49" charset="0"/>
+              </a:rPr>
+              <a:t>This process generates a list of risky genes to check manually</a:t>
+            </a:r>
+          </a:p>
+          <a:p>
+            <a:r>
+              <a:rPr lang="en-GB" sz="1100" dirty="0">
+                <a:latin typeface="Courier New" panose="02070309020205020404" pitchFamily="49" charset="0"/>
+                <a:cs typeface="Courier New" panose="02070309020205020404" pitchFamily="49" charset="0"/>
+              </a:rPr>
+              <a:t>Steps:</a:t>
+            </a:r>
+          </a:p>
+          <a:p>
+            <a:pPr marL="617220" lvl="1" indent="-342900">
+              <a:buFont typeface="+mj-lt"/>
+              <a:buAutoNum type="arabicPeriod"/>
+            </a:pPr>
+            <a:r>
+              <a:rPr lang="en-GB" sz="1100" dirty="0">
+                <a:latin typeface="Courier New" panose="02070309020205020404" pitchFamily="49" charset="0"/>
+                <a:cs typeface="Courier New" panose="02070309020205020404" pitchFamily="49" charset="0"/>
+              </a:rPr>
+              <a:t>Allocate a machine on codon cluster, </a:t>
+            </a:r>
+            <a:r>
+              <a:rPr lang="en-GB" sz="1100" dirty="0" err="1">
+                <a:latin typeface="Courier New" panose="02070309020205020404" pitchFamily="49" charset="0"/>
+                <a:cs typeface="Courier New" panose="02070309020205020404" pitchFamily="49" charset="0"/>
+              </a:rPr>
+              <a:t>bsub</a:t>
+            </a:r>
+            <a:r>
+              <a:rPr lang="en-GB" sz="1100" dirty="0">
+                <a:latin typeface="Courier New" panose="02070309020205020404" pitchFamily="49" charset="0"/>
+                <a:cs typeface="Courier New" panose="02070309020205020404" pitchFamily="49" charset="0"/>
+              </a:rPr>
+              <a:t> –M 8000 –Is /bin/bash</a:t>
+            </a:r>
+          </a:p>
+          <a:p>
+            <a:pPr marL="617220" lvl="1" indent="-342900">
+              <a:buFont typeface="+mj-lt"/>
+              <a:buAutoNum type="arabicPeriod"/>
+            </a:pPr>
+            <a:r>
+              <a:rPr lang="en-GB" sz="1100" dirty="0">
+                <a:latin typeface="Courier New" panose="02070309020205020404" pitchFamily="49" charset="0"/>
+                <a:cs typeface="Courier New" panose="02070309020205020404" pitchFamily="49" charset="0"/>
+              </a:rPr>
+              <a:t>Open an R session by typing R in the console</a:t>
+            </a:r>
+          </a:p>
+          <a:p>
+            <a:pPr marL="617220" lvl="1" indent="-342900">
+              <a:buFont typeface="+mj-lt"/>
+              <a:buAutoNum type="arabicPeriod"/>
+            </a:pPr>
+            <a:r>
+              <a:rPr lang="en-GB" sz="1100" dirty="0">
+                <a:latin typeface="Courier New" panose="02070309020205020404" pitchFamily="49" charset="0"/>
+                <a:cs typeface="Courier New" panose="02070309020205020404" pitchFamily="49" charset="0"/>
+              </a:rPr>
+              <a:t>Run the following command in the console:</a:t>
+            </a:r>
+          </a:p>
+          <a:p>
+            <a:pPr marL="617220" lvl="1" indent="-342900">
+              <a:buFont typeface="+mj-lt"/>
+              <a:buAutoNum type="arabicPeriod"/>
+            </a:pPr>
+            <a:r>
+              <a:rPr lang="en-GB" sz="1100" dirty="0" err="1">
+                <a:latin typeface="Courier New" panose="02070309020205020404" pitchFamily="49" charset="0"/>
+                <a:cs typeface="Courier New" panose="02070309020205020404" pitchFamily="49" charset="0"/>
+              </a:rPr>
+              <a:t>DRrequiredAgeing</a:t>
+            </a:r>
+            <a:r>
+              <a:rPr lang="en-GB" sz="1100" dirty="0">
+                <a:latin typeface="Courier New" panose="02070309020205020404" pitchFamily="49" charset="0"/>
+                <a:cs typeface="Courier New" panose="02070309020205020404" pitchFamily="49" charset="0"/>
+              </a:rPr>
+              <a:t>:::</a:t>
+            </a:r>
+            <a:r>
+              <a:rPr lang="en-GB" sz="1100" dirty="0" err="1">
+                <a:latin typeface="Courier New" panose="02070309020205020404" pitchFamily="49" charset="0"/>
+                <a:cs typeface="Courier New" panose="02070309020205020404" pitchFamily="49" charset="0"/>
+              </a:rPr>
+              <a:t>extractRiskyGenesFromDRs</a:t>
+            </a:r>
+            <a:r>
+              <a:rPr lang="en-GB" sz="1100" dirty="0">
+                <a:latin typeface="Courier New" panose="02070309020205020404" pitchFamily="49" charset="0"/>
+                <a:cs typeface="Courier New" panose="02070309020205020404" pitchFamily="49" charset="0"/>
+              </a:rPr>
+              <a:t>(‘path to the </a:t>
+            </a:r>
+            <a:r>
+              <a:rPr lang="en-GB" sz="1100" dirty="0" err="1">
+                <a:latin typeface="Courier New" panose="02070309020205020404" pitchFamily="49" charset="0"/>
+                <a:cs typeface="Courier New" panose="02070309020205020404" pitchFamily="49" charset="0"/>
+              </a:rPr>
+              <a:t>gzip</a:t>
+            </a:r>
+            <a:r>
+              <a:rPr lang="en-GB" sz="1100" dirty="0">
+                <a:latin typeface="Courier New" panose="02070309020205020404" pitchFamily="49" charset="0"/>
+                <a:cs typeface="Courier New" panose="02070309020205020404" pitchFamily="49" charset="0"/>
+              </a:rPr>
+              <a:t> report from the NEW release’, ‘path to the new report on the OLD release’)</a:t>
+            </a:r>
+          </a:p>
+          <a:p>
+            <a:pPr marL="891540" lvl="2" indent="-342900">
+              <a:buFont typeface="+mj-lt"/>
+              <a:buAutoNum type="arabicPeriod"/>
+            </a:pPr>
+            <a:r>
+              <a:rPr lang="en-GB" sz="1000" dirty="0">
+                <a:latin typeface="Courier New" panose="02070309020205020404" pitchFamily="49" charset="0"/>
+                <a:cs typeface="Courier New" panose="02070309020205020404" pitchFamily="49" charset="0"/>
+              </a:rPr>
+              <a:t>You may need to transfer the old reports to a path to make it accessible for the pipeline</a:t>
+            </a:r>
+          </a:p>
+          <a:p>
+            <a:pPr marL="274320" lvl="1" indent="0">
+              <a:buNone/>
+            </a:pPr>
+            <a:r>
+              <a:rPr lang="en-GB" sz="1100" b="1" kern="1200" dirty="0">
                 <a:solidFill>
                   <a:srgbClr val="2C481F"/>
                 </a:solidFill>
@@ -5415,7 +5928,7 @@
                 <a:latin typeface="Courier New" panose="02070309020205020404" pitchFamily="49" charset="0"/>
                 <a:cs typeface="Courier New" panose="02070309020205020404" pitchFamily="49" charset="0"/>
               </a:rPr>
-              <a:t>manually checked</a:t>
+              <a:t>► The output of this process is a file (in the current directory) RiskyGenesToCheck_[DATE].txt with each line a gene that should be manually checked</a:t>
             </a:r>
             <a:endParaRPr lang="en-GB" sz="1100" dirty="0">
               <a:latin typeface="Courier New" panose="02070309020205020404" pitchFamily="49" charset="0"/>
@@ -5475,6 +5988,119 @@
     <p:extLst>
       <p:ext uri="{BB962C8B-B14F-4D97-AF65-F5344CB8AC3E}">
         <p14:creationId xmlns:p14="http://schemas.microsoft.com/office/powerpoint/2010/main" val="1913377309"/>
+      </p:ext>
+    </p:extLst>
+  </p:cSld>
+  <p:clrMapOvr>
+    <a:masterClrMapping/>
+  </p:clrMapOvr>
+</p:sld>
+</file>
+
+<file path=ppt/slides/slide12.xml><?xml version="1.0" encoding="utf-8"?>
+<p:sld xmlns:a="http://schemas.openxmlformats.org/drawingml/2006/main" xmlns:r="http://schemas.openxmlformats.org/officeDocument/2006/relationships" xmlns:p="http://schemas.openxmlformats.org/presentationml/2006/main">
+  <p:cSld>
+    <p:spTree>
+      <p:nvGrpSpPr>
+        <p:cNvPr id="1" name=""/>
+        <p:cNvGrpSpPr/>
+        <p:nvPr/>
+      </p:nvGrpSpPr>
+      <p:grpSpPr>
+        <a:xfrm>
+          <a:off x="0" y="0"/>
+          <a:ext cx="0" cy="0"/>
+          <a:chOff x="0" y="0"/>
+          <a:chExt cx="0" cy="0"/>
+        </a:xfrm>
+      </p:grpSpPr>
+      <p:sp>
+        <p:nvSpPr>
+          <p:cNvPr id="2" name="Title 1">
+            <a:extLst>
+              <a:ext uri="{FF2B5EF4-FFF2-40B4-BE49-F238E27FC236}">
+                <a16:creationId xmlns:a16="http://schemas.microsoft.com/office/drawing/2014/main" id="{85D91A1E-5186-D7A8-1323-D1E319EED8CA}"/>
+              </a:ext>
+            </a:extLst>
+          </p:cNvPr>
+          <p:cNvSpPr>
+            <a:spLocks noGrp="1"/>
+          </p:cNvSpPr>
+          <p:nvPr>
+            <p:ph type="title"/>
+          </p:nvPr>
+        </p:nvSpPr>
+        <p:spPr/>
+        <p:txBody>
+          <a:bodyPr/>
+          <a:lstStyle/>
+          <a:p>
+            <a:r>
+              <a:rPr lang="en-GB" dirty="0"/>
+              <a:t>END</a:t>
+            </a:r>
+          </a:p>
+        </p:txBody>
+      </p:sp>
+      <p:sp>
+        <p:nvSpPr>
+          <p:cNvPr id="3" name="Content Placeholder 2">
+            <a:extLst>
+              <a:ext uri="{FF2B5EF4-FFF2-40B4-BE49-F238E27FC236}">
+                <a16:creationId xmlns:a16="http://schemas.microsoft.com/office/drawing/2014/main" id="{2739F4F0-8574-7926-D336-267796AA2C88}"/>
+              </a:ext>
+            </a:extLst>
+          </p:cNvPr>
+          <p:cNvSpPr>
+            <a:spLocks noGrp="1"/>
+          </p:cNvSpPr>
+          <p:nvPr>
+            <p:ph idx="1"/>
+          </p:nvPr>
+        </p:nvSpPr>
+        <p:spPr/>
+        <p:txBody>
+          <a:bodyPr/>
+          <a:lstStyle/>
+          <a:p>
+            <a:endParaRPr lang="en-GB" dirty="0"/>
+          </a:p>
+        </p:txBody>
+      </p:sp>
+      <p:sp>
+        <p:nvSpPr>
+          <p:cNvPr id="4" name="Date Placeholder 3">
+            <a:extLst>
+              <a:ext uri="{FF2B5EF4-FFF2-40B4-BE49-F238E27FC236}">
+                <a16:creationId xmlns:a16="http://schemas.microsoft.com/office/drawing/2014/main" id="{0CF16832-EDFE-6916-7E3C-8E8B8FD658E7}"/>
+              </a:ext>
+            </a:extLst>
+          </p:cNvPr>
+          <p:cNvSpPr>
+            <a:spLocks noGrp="1"/>
+          </p:cNvSpPr>
+          <p:nvPr>
+            <p:ph type="dt" sz="half" idx="10"/>
+          </p:nvPr>
+        </p:nvSpPr>
+        <p:spPr/>
+        <p:txBody>
+          <a:bodyPr/>
+          <a:lstStyle/>
+          <a:p>
+            <a:pPr rtl="0"/>
+            <a:fld id="{6AF379E8-AC6C-43B9-9222-BDF0AF9336F0}" type="datetime1">
+              <a:rPr lang="en-US" smtClean="0"/>
+              <a:t>6/13/2023</a:t>
+            </a:fld>
+            <a:endParaRPr lang="en-US"/>
+          </a:p>
+        </p:txBody>
+      </p:sp>
+    </p:spTree>
+    <p:extLst>
+      <p:ext uri="{BB962C8B-B14F-4D97-AF65-F5344CB8AC3E}">
+        <p14:creationId xmlns:p14="http://schemas.microsoft.com/office/powerpoint/2010/main" val="2988878772"/>
       </p:ext>
     </p:extLst>
   </p:cSld>
@@ -5524,7 +6150,7 @@
           <a:p>
             <a:r>
               <a:rPr lang="en-GB" dirty="0"/>
-              <a:t>Stage ad Steps</a:t>
+              <a:t>Stages and Steps</a:t>
             </a:r>
           </a:p>
         </p:txBody>
@@ -5925,7 +6551,7 @@
                 <a:latin typeface="Courier New" panose="02070309020205020404" pitchFamily="49" charset="0"/>
                 <a:cs typeface="Courier New" panose="02070309020205020404" pitchFamily="49" charset="0"/>
               </a:rPr>
-              <a:t>Assume the path to the </a:t>
+              <a:t>Let the path to the </a:t>
             </a:r>
             <a:r>
               <a:rPr lang="en-GB" sz="1100" dirty="0" err="1">
@@ -5939,7 +6565,7 @@
                 <a:latin typeface="Courier New" panose="02070309020205020404" pitchFamily="49" charset="0"/>
                 <a:cs typeface="Courier New" panose="02070309020205020404" pitchFamily="49" charset="0"/>
               </a:rPr>
-              <a:t> is </a:t>
+              <a:t> be </a:t>
             </a:r>
             <a:r>
               <a:rPr lang="en-GB" sz="1100" dirty="0" err="1">
@@ -6079,7 +6705,7 @@
                 <a:latin typeface="Courier New" panose="02070309020205020404" pitchFamily="49" charset="0"/>
                 <a:cs typeface="Courier New" panose="02070309020205020404" pitchFamily="49" charset="0"/>
               </a:rPr>
-              <a:t>Open and R session by typing R in the console</a:t>
+              <a:t>Open an R session by typing R in the console</a:t>
             </a:r>
           </a:p>
           <a:p>
@@ -6640,7 +7266,7 @@
                 <a:latin typeface="Courier New" panose="02070309020205020404" pitchFamily="49" charset="0"/>
                 <a:cs typeface="Courier New" panose="02070309020205020404" pitchFamily="49" charset="0"/>
               </a:rPr>
-              <a:t>Run the following. This will update the pipeline to the latest version. </a:t>
+              <a:t>Run the following command. This will update the pipeline to the latest version. </a:t>
             </a:r>
             <a:r>
               <a:rPr lang="en-GB" sz="1100" b="1" dirty="0" err="1">
@@ -7031,7 +7657,7 @@
           <a:lstStyle/>
           <a:p>
             <a:r>
-              <a:rPr lang="en-GB" dirty="0"/>
+              <a:rPr lang="en-GB" b="1" dirty="0"/>
               <a:t>How to figure out the pipeline is running?</a:t>
             </a:r>
           </a:p>
@@ -7059,7 +7685,7 @@
           </a:p>
           <a:p>
             <a:r>
-              <a:rPr lang="en-GB" dirty="0"/>
+              <a:rPr lang="en-GB" b="1" dirty="0"/>
               <a:t>How to figure out if this step is finished?</a:t>
             </a:r>
           </a:p>
@@ -7076,8 +7702,8 @@
           </a:p>
           <a:p>
             <a:r>
-              <a:rPr lang="en-GB" dirty="0"/>
-              <a:t>How to get errors from the pipeline?</a:t>
+              <a:rPr lang="en-GB" b="1" dirty="0"/>
+              <a:t>How to get logs from the pipeline?</a:t>
             </a:r>
           </a:p>
           <a:p>
@@ -7110,7 +7736,7 @@
             <a:pPr lvl="1"/>
             <a:r>
               <a:rPr lang="en-GB" b="1" dirty="0"/>
-              <a:t>The long answer (only If the pipeline failed). </a:t>
+              <a:t>The long answer (only If the pipeline failed in the middle of the process). </a:t>
             </a:r>
             <a:r>
               <a:rPr lang="en-GB" dirty="0"/>
@@ -7447,23 +8073,7 @@
           <a:p>
             <a:r>
               <a:rPr lang="en-GB" dirty="0"/>
-              <a:t>There are very </a:t>
-            </a:r>
-            <a:r>
-              <a:rPr lang="en-GB" dirty="0" err="1"/>
-              <a:t>ratre</a:t>
-            </a:r>
-            <a:r>
-              <a:rPr lang="en-GB" dirty="0"/>
-              <a:t> cases that the </a:t>
-            </a:r>
-            <a:r>
-              <a:rPr lang="en-GB" dirty="0" err="1"/>
-              <a:t>statspipeline</a:t>
-            </a:r>
-            <a:r>
-              <a:rPr lang="en-GB" dirty="0"/>
-              <a:t> fails with unknown reasons. The easiest way to continue the pipeline from where it failed is to use the </a:t>
+              <a:t>There are very rare cases that the stats pipeline fails with unknown reason. The easiest way to continue the pipeline from where it failed is to use the </a:t>
             </a:r>
             <a:r>
               <a:rPr lang="en-GB" dirty="0" err="1"/>
@@ -7520,7 +8130,7 @@
                 <a:latin typeface="Courier New" panose="02070309020205020404" pitchFamily="49" charset="0"/>
                 <a:cs typeface="Courier New" panose="02070309020205020404" pitchFamily="49" charset="0"/>
               </a:rPr>
-              <a:t> and make the parameter “</a:t>
+              <a:t> and change the parameter “</a:t>
             </a:r>
             <a:r>
               <a:rPr lang="en-GB" sz="1600" b="1" dirty="0" err="1">
@@ -7549,7 +8159,7 @@
                 <a:latin typeface="Courier New" panose="02070309020205020404" pitchFamily="49" charset="0"/>
                 <a:cs typeface="Courier New" panose="02070309020205020404" pitchFamily="49" charset="0"/>
               </a:rPr>
-              <a:t>The run the pipeline by executing ./</a:t>
+              <a:t>Then run the pipeline by executing ./</a:t>
             </a:r>
             <a:r>
               <a:rPr lang="en-GB" sz="1600" b="1" dirty="0" err="1">
@@ -7720,7 +8330,7 @@
           <a:p>
             <a:r>
               <a:rPr lang="en-GB" sz="1100" dirty="0"/>
-              <a:t>Step:</a:t>
+              <a:t>Steps:</a:t>
             </a:r>
           </a:p>
           <a:p>
@@ -7864,7 +8474,7 @@
                 <a:latin typeface="Courier New" panose="02070309020205020404" pitchFamily="49" charset="0"/>
                 <a:cs typeface="Courier New" panose="02070309020205020404" pitchFamily="49" charset="0"/>
               </a:rPr>
-              <a:t>HadoopReTransfer</a:t>
+              <a:t>IMPC_HadoopLoad</a:t>
             </a:r>
             <a:r>
               <a:rPr lang="en-GB" sz="1100" dirty="0">
@@ -7929,7 +8539,27 @@
                 <a:latin typeface="Courier New" panose="02070309020205020404" pitchFamily="49" charset="0"/>
                 <a:cs typeface="Courier New" panose="02070309020205020404" pitchFamily="49" charset="0"/>
               </a:rPr>
-              <a:t>/user/[USERNAME]/</a:t>
+              <a:t>/user/</a:t>
+            </a:r>
+            <a:r>
+              <a:rPr lang="en-GB" sz="1100" b="1" dirty="0" err="1">
+                <a:solidFill>
+                  <a:srgbClr val="2C481F"/>
+                </a:solidFill>
+                <a:latin typeface="Courier New" panose="02070309020205020404" pitchFamily="49" charset="0"/>
+                <a:cs typeface="Courier New" panose="02070309020205020404" pitchFamily="49" charset="0"/>
+              </a:rPr>
+              <a:t>mi_stats</a:t>
+            </a:r>
+            <a:r>
+              <a:rPr lang="en-GB" sz="1100" b="1" dirty="0">
+                <a:solidFill>
+                  <a:srgbClr val="2C481F"/>
+                </a:solidFill>
+                <a:latin typeface="Courier New" panose="02070309020205020404" pitchFamily="49" charset="0"/>
+                <a:cs typeface="Courier New" panose="02070309020205020404" pitchFamily="49" charset="0"/>
+              </a:rPr>
+              <a:t>/</a:t>
             </a:r>
             <a:r>
               <a:rPr lang="en-GB" sz="1100" b="1" dirty="0" err="1">
@@ -8005,7 +8635,7 @@
                 <a:latin typeface="Courier New" panose="02070309020205020404" pitchFamily="49" charset="0"/>
                 <a:cs typeface="Courier New" panose="02070309020205020404" pitchFamily="49" charset="0"/>
               </a:rPr>
-              <a:t> command to transfer files to Hadoop manually</a:t>
+              <a:t> command to transfer files to the Hadoop cluster manually</a:t>
             </a:r>
           </a:p>
           <a:p>
@@ -8103,7 +8733,7 @@
           <p:cNvPr id="2" name="Title 1">
             <a:extLst>
               <a:ext uri="{FF2B5EF4-FFF2-40B4-BE49-F238E27FC236}">
-                <a16:creationId xmlns:a16="http://schemas.microsoft.com/office/drawing/2014/main" id="{AF2BE95B-DDF1-5FBC-254E-875503A29DC2}"/>
+                <a16:creationId xmlns:a16="http://schemas.microsoft.com/office/drawing/2014/main" id="{D4D9A633-B242-3995-5FEC-691672AE0203}"/>
               </a:ext>
             </a:extLst>
           </p:cNvPr>
@@ -8114,14 +8744,19 @@
             <p:ph type="title"/>
           </p:nvPr>
         </p:nvSpPr>
-        <p:spPr/>
+        <p:spPr>
+          <a:xfrm>
+            <a:off x="406842" y="219456"/>
+            <a:ext cx="10058400" cy="1371600"/>
+          </a:xfrm>
+        </p:spPr>
         <p:txBody>
           <a:bodyPr/>
           <a:lstStyle/>
           <a:p>
             <a:r>
               <a:rPr lang="en-GB" dirty="0"/>
-              <a:t>Run the report generating pipeline</a:t>
+              <a:t>Annotation pipeline FAQ</a:t>
             </a:r>
           </a:p>
         </p:txBody>
@@ -8131,7 +8766,7 @@
           <p:cNvPr id="3" name="Content Placeholder 2">
             <a:extLst>
               <a:ext uri="{FF2B5EF4-FFF2-40B4-BE49-F238E27FC236}">
-                <a16:creationId xmlns:a16="http://schemas.microsoft.com/office/drawing/2014/main" id="{382E34FA-2F10-59F2-D739-E3D164821BD2}"/>
+                <a16:creationId xmlns:a16="http://schemas.microsoft.com/office/drawing/2014/main" id="{8BAE9DD2-566A-5F69-8556-D3679CFD96FB}"/>
               </a:ext>
             </a:extLst>
           </p:cNvPr>
@@ -8144,8 +8779,8 @@
         </p:nvSpPr>
         <p:spPr>
           <a:xfrm>
-            <a:off x="1066800" y="1735567"/>
-            <a:ext cx="10058400" cy="3849624"/>
+            <a:off x="552617" y="1160890"/>
+            <a:ext cx="10572584" cy="4791854"/>
           </a:xfrm>
         </p:spPr>
         <p:txBody>
@@ -8155,408 +8790,299 @@
           <a:lstStyle/>
           <a:p>
             <a:r>
-              <a:rPr lang="en-GB" sz="1100" dirty="0">
-                <a:latin typeface="Courier New" panose="02070309020205020404" pitchFamily="49" charset="0"/>
-                <a:cs typeface="Courier New" panose="02070309020205020404" pitchFamily="49" charset="0"/>
-              </a:rPr>
-              <a:t>This process is to create statistical reports that are normally used by the IMPC working groups</a:t>
-            </a:r>
-          </a:p>
-          <a:p>
-            <a:r>
-              <a:rPr lang="en-GB" sz="1100" dirty="0">
-                <a:latin typeface="Courier New" panose="02070309020205020404" pitchFamily="49" charset="0"/>
-                <a:cs typeface="Courier New" panose="02070309020205020404" pitchFamily="49" charset="0"/>
-              </a:rPr>
-              <a:t>Step:</a:t>
-            </a:r>
-          </a:p>
-          <a:p>
-            <a:pPr marL="617220" lvl="1" indent="-342900">
-              <a:buFont typeface="+mj-lt"/>
-              <a:buAutoNum type="arabicPeriod"/>
-            </a:pPr>
-            <a:r>
-              <a:rPr lang="en-GB" sz="1100" dirty="0">
-                <a:latin typeface="Courier New" panose="02070309020205020404" pitchFamily="49" charset="0"/>
-                <a:cs typeface="Courier New" panose="02070309020205020404" pitchFamily="49" charset="0"/>
-              </a:rPr>
-              <a:t>Navigate to :/</a:t>
-            </a:r>
-            <a:r>
-              <a:rPr lang="en-GB" sz="1100" dirty="0" err="1">
-                <a:latin typeface="Courier New" panose="02070309020205020404" pitchFamily="49" charset="0"/>
-                <a:cs typeface="Courier New" panose="02070309020205020404" pitchFamily="49" charset="0"/>
-              </a:rPr>
-              <a:t>nfs</a:t>
-            </a:r>
-            <a:r>
-              <a:rPr lang="en-GB" sz="1100" dirty="0">
-                <a:latin typeface="Courier New" panose="02070309020205020404" pitchFamily="49" charset="0"/>
-                <a:cs typeface="Courier New" panose="02070309020205020404" pitchFamily="49" charset="0"/>
-              </a:rPr>
+              <a:rPr lang="en-GB" b="1" dirty="0"/>
+              <a:t>How to figure out that the pipeline is finished?</a:t>
+            </a:r>
+          </a:p>
+          <a:p>
+            <a:pPr lvl="1"/>
+            <a:r>
+              <a:rPr lang="en-GB" dirty="0"/>
+              <a:t>When there is no job running on the cluster</a:t>
+            </a:r>
+          </a:p>
+          <a:p>
+            <a:r>
+              <a:rPr lang="en-GB" b="1" dirty="0"/>
+              <a:t>Where on the Hadoop cluster are files?(this path should be passed to Federico)</a:t>
+            </a:r>
+          </a:p>
+          <a:p>
+            <a:pPr lvl="1"/>
+            <a:r>
+              <a:rPr lang="en-GB" dirty="0"/>
+              <a:t>They are in (*</a:t>
+            </a:r>
+            <a:r>
+              <a:rPr lang="en-GB" b="1" dirty="0"/>
+              <a:t>YYY</a:t>
+            </a:r>
+            <a:r>
+              <a:rPr lang="en-GB" dirty="0"/>
+              <a:t>)Hadoop:/</a:t>
+            </a:r>
+            <a:r>
+              <a:rPr lang="en-GB" dirty="0" err="1"/>
+              <a:t>hadoop</a:t>
+            </a:r>
+            <a:r>
+              <a:rPr lang="en-GB" dirty="0"/>
+              <a:t>/user/</a:t>
+            </a:r>
+            <a:r>
+              <a:rPr lang="en-GB" dirty="0" err="1"/>
+              <a:t>mi_stats</a:t>
+            </a:r>
+            <a:r>
+              <a:rPr lang="en-GB" dirty="0"/>
+              <a:t>/</a:t>
+            </a:r>
+            <a:r>
+              <a:rPr lang="en-GB" dirty="0" err="1"/>
+              <a:t>impc</a:t>
+            </a:r>
+            <a:r>
+              <a:rPr lang="en-GB" dirty="0"/>
+              <a:t>/</a:t>
+            </a:r>
+            <a:r>
+              <a:rPr lang="en-GB" dirty="0" err="1"/>
+              <a:t>statpackets</a:t>
+            </a:r>
+            <a:r>
+              <a:rPr lang="en-GB" dirty="0"/>
+              <a:t>/DRXX.YY/ [a date in </a:t>
+            </a:r>
+            <a:r>
+              <a:rPr lang="en-GB" dirty="0" err="1"/>
+              <a:t>dmyyyy</a:t>
+            </a:r>
+            <a:r>
+              <a:rPr lang="en-GB" dirty="0"/>
+              <a:t> format]</a:t>
+            </a:r>
+          </a:p>
+          <a:p>
+            <a:r>
+              <a:rPr lang="en-GB" b="1" dirty="0"/>
+              <a:t>How to figure out if a file has not been transferred (successfully) to the Hadoop cluster?</a:t>
+            </a:r>
+          </a:p>
+          <a:p>
+            <a:pPr lvl="1"/>
+            <a:r>
+              <a:rPr lang="en-GB" dirty="0"/>
+              <a:t>If a file in </a:t>
+            </a:r>
+            <a:r>
+              <a:rPr lang="en-GB" b="1" dirty="0"/>
+              <a:t>ZZZ*</a:t>
+            </a:r>
+            <a:r>
+              <a:rPr lang="en-GB" dirty="0"/>
+              <a:t> directory is </a:t>
+            </a:r>
+            <a:r>
+              <a:rPr lang="en-GB" i="1" dirty="0" err="1"/>
+              <a:t>gzipped</a:t>
+            </a:r>
+            <a:r>
+              <a:rPr lang="en-GB" dirty="0"/>
+              <a:t> then it has been successfully transferred</a:t>
+            </a:r>
+          </a:p>
+          <a:p>
+            <a:pPr lvl="1"/>
+            <a:r>
+              <a:rPr lang="en-GB" sz="1050" b="1" dirty="0"/>
+              <a:t>*</a:t>
+            </a:r>
+            <a:r>
+              <a:rPr lang="en-GB" sz="1050" b="1" dirty="0" err="1"/>
+              <a:t>ZZZ.Codon:nfs</a:t>
+            </a:r>
+            <a:r>
+              <a:rPr lang="en-GB" sz="1050" b="1" dirty="0"/>
               <a:t>/production/</a:t>
             </a:r>
             <a:r>
-              <a:rPr lang="en-GB" sz="1100" dirty="0" err="1">
-                <a:latin typeface="Courier New" panose="02070309020205020404" pitchFamily="49" charset="0"/>
-                <a:cs typeface="Courier New" panose="02070309020205020404" pitchFamily="49" charset="0"/>
-              </a:rPr>
+              <a:rPr lang="en-GB" sz="1050" b="1" dirty="0" err="1"/>
               <a:t>tudor</a:t>
             </a:r>
             <a:r>
-              <a:rPr lang="en-GB" sz="1100" dirty="0">
-                <a:latin typeface="Courier New" panose="02070309020205020404" pitchFamily="49" charset="0"/>
-                <a:cs typeface="Courier New" panose="02070309020205020404" pitchFamily="49" charset="0"/>
-              </a:rPr>
+              <a:rPr lang="en-GB" sz="1050" b="1" dirty="0"/>
               <a:t>/</a:t>
             </a:r>
             <a:r>
-              <a:rPr lang="en-GB" sz="1100" dirty="0" err="1">
-                <a:latin typeface="Courier New" panose="02070309020205020404" pitchFamily="49" charset="0"/>
-                <a:cs typeface="Courier New" panose="02070309020205020404" pitchFamily="49" charset="0"/>
-              </a:rPr>
+              <a:rPr lang="en-GB" sz="1050" b="1" dirty="0" err="1"/>
               <a:t>komp</a:t>
             </a:r>
             <a:r>
-              <a:rPr lang="en-GB" sz="1100" dirty="0">
-                <a:latin typeface="Courier New" panose="02070309020205020404" pitchFamily="49" charset="0"/>
-                <a:cs typeface="Courier New" panose="02070309020205020404" pitchFamily="49" charset="0"/>
-              </a:rPr>
+              <a:rPr lang="en-GB" sz="1050" b="1" dirty="0"/>
               <a:t>/</a:t>
             </a:r>
             <a:r>
-              <a:rPr lang="en-GB" sz="1100" dirty="0" err="1">
-                <a:latin typeface="Courier New" panose="02070309020205020404" pitchFamily="49" charset="0"/>
-                <a:cs typeface="Courier New" panose="02070309020205020404" pitchFamily="49" charset="0"/>
-              </a:rPr>
+              <a:rPr lang="en-GB" sz="1050" b="1" dirty="0" err="1"/>
               <a:t>impc_statistical_pipeline</a:t>
             </a:r>
             <a:r>
-              <a:rPr lang="en-GB" sz="1100" dirty="0">
-                <a:latin typeface="Courier New" panose="02070309020205020404" pitchFamily="49" charset="0"/>
-                <a:cs typeface="Courier New" panose="02070309020205020404" pitchFamily="49" charset="0"/>
-              </a:rPr>
+              <a:rPr lang="en-GB" sz="1050" b="1" dirty="0"/>
               <a:t>/IMPC_DRs/</a:t>
             </a:r>
             <a:r>
-              <a:rPr lang="en-GB" sz="1100" b="1" dirty="0" err="1">
-                <a:latin typeface="Courier New" panose="02070309020205020404" pitchFamily="49" charset="0"/>
-                <a:cs typeface="Courier New" panose="02070309020205020404" pitchFamily="49" charset="0"/>
-              </a:rPr>
-              <a:t>stats_pipeline_input_drXX.y</a:t>
-            </a:r>
-            <a:r>
-              <a:rPr lang="en-GB" sz="1100" dirty="0">
-                <a:latin typeface="Courier New" panose="02070309020205020404" pitchFamily="49" charset="0"/>
-                <a:cs typeface="Courier New" panose="02070309020205020404" pitchFamily="49" charset="0"/>
-              </a:rPr>
+              <a:rPr lang="en-GB" sz="1050" b="1" dirty="0" err="1"/>
+              <a:t>stats_pipeline_input_drXX.YY</a:t>
+            </a:r>
+            <a:r>
+              <a:rPr lang="en-GB" sz="1050" b="1" dirty="0"/>
               <a:t>/SP/jobs/</a:t>
             </a:r>
             <a:r>
-              <a:rPr lang="en-GB" sz="1100" dirty="0" err="1">
-                <a:latin typeface="Courier New" panose="02070309020205020404" pitchFamily="49" charset="0"/>
-                <a:cs typeface="Courier New" panose="02070309020205020404" pitchFamily="49" charset="0"/>
-              </a:rPr>
+              <a:rPr lang="en-GB" sz="1050" b="1" dirty="0" err="1"/>
               <a:t>Results_IMPC_SP_Windowed</a:t>
             </a:r>
-            <a:endParaRPr lang="en-GB" sz="1100" dirty="0">
-              <a:latin typeface="Courier New" panose="02070309020205020404" pitchFamily="49" charset="0"/>
-              <a:cs typeface="Courier New" panose="02070309020205020404" pitchFamily="49" charset="0"/>
-            </a:endParaRPr>
-          </a:p>
-          <a:p>
-            <a:pPr marL="617220" lvl="1" indent="-342900">
-              <a:buFont typeface="+mj-lt"/>
-              <a:buAutoNum type="arabicPeriod"/>
-            </a:pPr>
-            <a:r>
-              <a:rPr lang="en-GB" sz="1100" dirty="0">
-                <a:latin typeface="Courier New" panose="02070309020205020404" pitchFamily="49" charset="0"/>
-                <a:cs typeface="Courier New" panose="02070309020205020404" pitchFamily="49" charset="0"/>
-              </a:rPr>
-              <a:t>Allocate a high memory machine on cluster and initialise an interactive shell by following the following command: </a:t>
-            </a:r>
-            <a:r>
-              <a:rPr lang="en-GB" sz="1100" dirty="0" err="1">
-                <a:latin typeface="Courier New" panose="02070309020205020404" pitchFamily="49" charset="0"/>
-                <a:cs typeface="Courier New" panose="02070309020205020404" pitchFamily="49" charset="0"/>
-              </a:rPr>
-              <a:t>bsub</a:t>
-            </a:r>
-            <a:r>
-              <a:rPr lang="en-GB" sz="1100" dirty="0">
-                <a:latin typeface="Courier New" panose="02070309020205020404" pitchFamily="49" charset="0"/>
-                <a:cs typeface="Courier New" panose="02070309020205020404" pitchFamily="49" charset="0"/>
-              </a:rPr>
-              <a:t> –M 52000 –e </a:t>
-            </a:r>
-            <a:r>
-              <a:rPr lang="en-GB" sz="1100" dirty="0" err="1">
-                <a:latin typeface="Courier New" panose="02070309020205020404" pitchFamily="49" charset="0"/>
-                <a:cs typeface="Courier New" panose="02070309020205020404" pitchFamily="49" charset="0"/>
-              </a:rPr>
-              <a:t>errReportGeneratingPipeline</a:t>
-            </a:r>
-            <a:r>
-              <a:rPr lang="en-GB" sz="1100" dirty="0">
-                <a:latin typeface="Courier New" panose="02070309020205020404" pitchFamily="49" charset="0"/>
-                <a:cs typeface="Courier New" panose="02070309020205020404" pitchFamily="49" charset="0"/>
-              </a:rPr>
-              <a:t> –o </a:t>
-            </a:r>
-            <a:r>
-              <a:rPr lang="en-GB" sz="1100" dirty="0" err="1">
-                <a:latin typeface="Courier New" panose="02070309020205020404" pitchFamily="49" charset="0"/>
-                <a:cs typeface="Courier New" panose="02070309020205020404" pitchFamily="49" charset="0"/>
-              </a:rPr>
-              <a:t>outReportGeneratingPipeline</a:t>
-            </a:r>
-            <a:r>
-              <a:rPr lang="en-GB" sz="1100" dirty="0">
-                <a:latin typeface="Courier New" panose="02070309020205020404" pitchFamily="49" charset="0"/>
-                <a:cs typeface="Courier New" panose="02070309020205020404" pitchFamily="49" charset="0"/>
-              </a:rPr>
-              <a:t> –Is /bin/bash</a:t>
-            </a:r>
-          </a:p>
-          <a:p>
-            <a:pPr marL="617220" lvl="1" indent="-342900">
-              <a:buFont typeface="+mj-lt"/>
-              <a:buAutoNum type="arabicPeriod"/>
-            </a:pPr>
-            <a:r>
-              <a:rPr lang="en-GB" sz="1100" dirty="0">
-                <a:latin typeface="Courier New" panose="02070309020205020404" pitchFamily="49" charset="0"/>
-                <a:cs typeface="Courier New" panose="02070309020205020404" pitchFamily="49" charset="0"/>
-              </a:rPr>
-              <a:t>Open an R session by typing R in your console (you need to make sure that this session is alive during the process or you can make a screen to keep it alive)</a:t>
-            </a:r>
-          </a:p>
-          <a:p>
-            <a:pPr marL="617220" lvl="1" indent="-342900">
-              <a:buFont typeface="+mj-lt"/>
-              <a:buAutoNum type="arabicPeriod"/>
-            </a:pPr>
-            <a:r>
-              <a:rPr lang="en-GB" sz="1100" dirty="0">
-                <a:latin typeface="Courier New" panose="02070309020205020404" pitchFamily="49" charset="0"/>
-                <a:cs typeface="Courier New" panose="02070309020205020404" pitchFamily="49" charset="0"/>
-              </a:rPr>
-              <a:t>Run the following commands in the R session:</a:t>
+            <a:r>
+              <a:rPr lang="en-GB" sz="1050" b="1" dirty="0"/>
+              <a:t>/</a:t>
+            </a:r>
+            <a:r>
+              <a:rPr lang="en-GB" sz="1050" b="1" dirty="0" err="1"/>
+              <a:t>AnnotationExtractorAndHadoopLoader</a:t>
+            </a:r>
+            <a:r>
+              <a:rPr lang="en-GB" sz="1050" b="1" dirty="0"/>
+              <a:t>/tmp</a:t>
+            </a:r>
+          </a:p>
+          <a:p>
+            <a:r>
+              <a:rPr lang="en-GB" b="1" dirty="0"/>
+              <a:t>How to transfer the failed files into Hadoop?</a:t>
+            </a:r>
+          </a:p>
+          <a:p>
+            <a:pPr lvl="1"/>
+            <a:r>
+              <a:rPr lang="en-GB" dirty="0"/>
+              <a:t>First cd  to </a:t>
+            </a:r>
+            <a:r>
+              <a:rPr lang="en-GB" b="1" dirty="0"/>
+              <a:t>ZZZ</a:t>
+            </a:r>
+            <a:r>
+              <a:rPr lang="en-GB" dirty="0"/>
+              <a:t> (see above path) and move the </a:t>
+            </a:r>
+            <a:r>
+              <a:rPr lang="en-GB" b="1" dirty="0"/>
+              <a:t>not</a:t>
+            </a:r>
+            <a:r>
+              <a:rPr lang="en-GB" dirty="0"/>
+              <a:t> </a:t>
+            </a:r>
+            <a:r>
+              <a:rPr lang="en-GB" dirty="0" err="1"/>
+              <a:t>gzipped</a:t>
+            </a:r>
+            <a:r>
+              <a:rPr lang="en-GB" dirty="0"/>
+              <a:t> files into </a:t>
+            </a:r>
+            <a:r>
+              <a:rPr lang="en-GB" b="1" dirty="0"/>
+              <a:t>YYY</a:t>
+            </a:r>
+            <a:r>
+              <a:rPr lang="en-GB" dirty="0"/>
+              <a:t> using SCP command.</a:t>
+            </a:r>
+          </a:p>
+          <a:p>
+            <a:pPr lvl="1"/>
+            <a:r>
+              <a:rPr lang="en-GB" sz="1100" dirty="0"/>
+              <a:t>Alternatively, you can run the following command in R (make sure that you open an R session in the </a:t>
+            </a:r>
+            <a:r>
+              <a:rPr lang="en-GB" sz="1100" b="1" dirty="0"/>
+              <a:t>ZZZ</a:t>
+            </a:r>
+            <a:r>
+              <a:rPr lang="en-GB" sz="1100" dirty="0"/>
+              <a:t> directory)</a:t>
             </a:r>
           </a:p>
           <a:p>
             <a:pPr lvl="2"/>
             <a:r>
-              <a:rPr lang="en-GB" sz="1100" dirty="0" err="1">
-                <a:latin typeface="Courier New" panose="02070309020205020404" pitchFamily="49" charset="0"/>
-                <a:cs typeface="Courier New" panose="02070309020205020404" pitchFamily="49" charset="0"/>
-              </a:rPr>
+              <a:rPr lang="en-GB" sz="1050" dirty="0" err="1"/>
               <a:t>DRrequiredAgeing</a:t>
             </a:r>
             <a:r>
-              <a:rPr lang="en-GB" sz="1100" dirty="0">
-                <a:latin typeface="Courier New" panose="02070309020205020404" pitchFamily="49" charset="0"/>
-                <a:cs typeface="Courier New" panose="02070309020205020404" pitchFamily="49" charset="0"/>
-              </a:rPr>
+              <a:rPr lang="en-GB" sz="1050" dirty="0"/>
               <a:t>:::</a:t>
             </a:r>
             <a:r>
-              <a:rPr lang="en-GB" sz="1100" dirty="0" err="1">
-                <a:latin typeface="Courier New" panose="02070309020205020404" pitchFamily="49" charset="0"/>
-                <a:cs typeface="Courier New" panose="02070309020205020404" pitchFamily="49" charset="0"/>
-              </a:rPr>
-              <a:t>IMPC_statspipelinePostProcess</a:t>
-            </a:r>
-            <a:r>
-              <a:rPr lang="en-GB" sz="1100" dirty="0">
-                <a:latin typeface="Courier New" panose="02070309020205020404" pitchFamily="49" charset="0"/>
-                <a:cs typeface="Courier New" panose="02070309020205020404" pitchFamily="49" charset="0"/>
-              </a:rPr>
-              <a:t>()</a:t>
-            </a:r>
-          </a:p>
-          <a:p>
-            <a:pPr lvl="2"/>
-            <a:r>
-              <a:rPr lang="en-GB" sz="1100" dirty="0" err="1">
-                <a:latin typeface="Courier New" panose="02070309020205020404" pitchFamily="49" charset="0"/>
-                <a:cs typeface="Courier New" panose="02070309020205020404" pitchFamily="49" charset="0"/>
-              </a:rPr>
-              <a:t>ClearReportsAfterCreation</a:t>
-            </a:r>
-            <a:r>
-              <a:rPr lang="en-GB" sz="1100" dirty="0">
-                <a:latin typeface="Courier New" panose="02070309020205020404" pitchFamily="49" charset="0"/>
-                <a:cs typeface="Courier New" panose="02070309020205020404" pitchFamily="49" charset="0"/>
-              </a:rPr>
-              <a:t>()</a:t>
-            </a:r>
+              <a:rPr lang="en-GB" sz="1050" dirty="0" err="1"/>
+              <a:t>HadoopReTransferSCP</a:t>
+            </a:r>
+            <a:r>
+              <a:rPr lang="en-GB" sz="1050" dirty="0"/>
+              <a:t>(prefix=‘DRXX.YY/</a:t>
+            </a:r>
+            <a:r>
+              <a:rPr lang="en-GB" sz="1050" b="1" dirty="0" err="1"/>
+              <a:t>tmpDir</a:t>
+            </a:r>
+            <a:r>
+              <a:rPr lang="en-GB" sz="1050" dirty="0"/>
+              <a:t>’)</a:t>
+            </a:r>
+          </a:p>
+          <a:p>
+            <a:pPr lvl="3"/>
+            <a:r>
+              <a:rPr lang="en-GB" sz="1050" dirty="0"/>
+              <a:t>Using the command above will clean up all .</a:t>
+            </a:r>
+            <a:r>
+              <a:rPr lang="en-GB" sz="1050" dirty="0" err="1"/>
+              <a:t>gz</a:t>
+            </a:r>
+            <a:r>
+              <a:rPr lang="en-GB" sz="1050" dirty="0"/>
+              <a:t> files (which were already transferred successfully) from the directory and transfer the other files into a directory </a:t>
+            </a:r>
+            <a:r>
+              <a:rPr lang="en-GB" sz="1050" b="1" dirty="0" err="1"/>
+              <a:t>tmpDir</a:t>
+            </a:r>
+            <a:r>
+              <a:rPr lang="en-GB" sz="1050" dirty="0"/>
+              <a:t> on Hadoop. Then I move the files into the </a:t>
+            </a:r>
+            <a:r>
+              <a:rPr lang="en-GB" sz="1050" b="1" dirty="0"/>
+              <a:t>YYY </a:t>
+            </a:r>
+            <a:r>
+              <a:rPr lang="en-GB" sz="1050" dirty="0"/>
+              <a:t>directory</a:t>
+            </a:r>
+            <a:r>
+              <a:rPr lang="en-GB" sz="1050" b="1" dirty="0"/>
+              <a:t>. The reason I do not transfer them directly to YYY is that the Hadoop HDFS does not allow rewriting files and if the file is already there, then the process will fail.</a:t>
+            </a:r>
+          </a:p>
+          <a:p>
+            <a:pPr lvl="3"/>
+            <a:endParaRPr lang="en-GB" sz="1050" dirty="0"/>
           </a:p>
           <a:p>
             <a:pPr lvl="1"/>
-            <a:r>
-              <a:rPr lang="en-GB" sz="1100" b="1" dirty="0">
-                <a:solidFill>
-                  <a:srgbClr val="2C481F"/>
-                </a:solidFill>
-                <a:latin typeface="Courier New" panose="02070309020205020404" pitchFamily="49" charset="0"/>
-                <a:cs typeface="Courier New" panose="02070309020205020404" pitchFamily="49" charset="0"/>
-              </a:rPr>
-              <a:t>► The </a:t>
-            </a:r>
-            <a:r>
-              <a:rPr lang="en-GB" sz="1100" b="1" kern="1200" dirty="0">
-                <a:solidFill>
-                  <a:srgbClr val="2C481F"/>
-                </a:solidFill>
-                <a:effectLst/>
-                <a:latin typeface="Courier New" panose="02070309020205020404" pitchFamily="49" charset="0"/>
-                <a:cs typeface="Courier New" panose="02070309020205020404" pitchFamily="49" charset="0"/>
-              </a:rPr>
-              <a:t>commands above will generate two csv files in the </a:t>
-            </a:r>
-            <a:r>
-              <a:rPr lang="en-GB" sz="1100" dirty="0">
-                <a:latin typeface="Courier New" panose="02070309020205020404" pitchFamily="49" charset="0"/>
-                <a:cs typeface="Courier New" panose="02070309020205020404" pitchFamily="49" charset="0"/>
-              </a:rPr>
-              <a:t>:/</a:t>
-            </a:r>
-            <a:r>
-              <a:rPr lang="en-GB" sz="1100" dirty="0" err="1">
-                <a:latin typeface="Courier New" panose="02070309020205020404" pitchFamily="49" charset="0"/>
-                <a:cs typeface="Courier New" panose="02070309020205020404" pitchFamily="49" charset="0"/>
-              </a:rPr>
-              <a:t>nfs</a:t>
-            </a:r>
-            <a:r>
-              <a:rPr lang="en-GB" sz="1100" dirty="0">
-                <a:latin typeface="Courier New" panose="02070309020205020404" pitchFamily="49" charset="0"/>
-                <a:cs typeface="Courier New" panose="02070309020205020404" pitchFamily="49" charset="0"/>
-              </a:rPr>
-              <a:t>/production/</a:t>
-            </a:r>
-            <a:r>
-              <a:rPr lang="en-GB" sz="1100" dirty="0" err="1">
-                <a:latin typeface="Courier New" panose="02070309020205020404" pitchFamily="49" charset="0"/>
-                <a:cs typeface="Courier New" panose="02070309020205020404" pitchFamily="49" charset="0"/>
-              </a:rPr>
-              <a:t>tudor</a:t>
-            </a:r>
-            <a:r>
-              <a:rPr lang="en-GB" sz="1100" dirty="0">
-                <a:latin typeface="Courier New" panose="02070309020205020404" pitchFamily="49" charset="0"/>
-                <a:cs typeface="Courier New" panose="02070309020205020404" pitchFamily="49" charset="0"/>
-              </a:rPr>
-              <a:t>/</a:t>
-            </a:r>
-            <a:r>
-              <a:rPr lang="en-GB" sz="1100" dirty="0" err="1">
-                <a:latin typeface="Courier New" panose="02070309020205020404" pitchFamily="49" charset="0"/>
-                <a:cs typeface="Courier New" panose="02070309020205020404" pitchFamily="49" charset="0"/>
-              </a:rPr>
-              <a:t>komp</a:t>
-            </a:r>
-            <a:r>
-              <a:rPr lang="en-GB" sz="1100" dirty="0">
-                <a:latin typeface="Courier New" panose="02070309020205020404" pitchFamily="49" charset="0"/>
-                <a:cs typeface="Courier New" panose="02070309020205020404" pitchFamily="49" charset="0"/>
-              </a:rPr>
-              <a:t>/</a:t>
-            </a:r>
-            <a:r>
-              <a:rPr lang="en-GB" sz="1100" dirty="0" err="1">
-                <a:latin typeface="Courier New" panose="02070309020205020404" pitchFamily="49" charset="0"/>
-                <a:cs typeface="Courier New" panose="02070309020205020404" pitchFamily="49" charset="0"/>
-              </a:rPr>
-              <a:t>impc_statistical_pipeline</a:t>
-            </a:r>
-            <a:r>
-              <a:rPr lang="en-GB" sz="1100" dirty="0">
-                <a:latin typeface="Courier New" panose="02070309020205020404" pitchFamily="49" charset="0"/>
-                <a:cs typeface="Courier New" panose="02070309020205020404" pitchFamily="49" charset="0"/>
-              </a:rPr>
-              <a:t>/IMPC_DRs/</a:t>
-            </a:r>
-            <a:r>
-              <a:rPr lang="en-GB" sz="1100" b="1" dirty="0" err="1">
-                <a:latin typeface="Courier New" panose="02070309020205020404" pitchFamily="49" charset="0"/>
-                <a:cs typeface="Courier New" panose="02070309020205020404" pitchFamily="49" charset="0"/>
-              </a:rPr>
-              <a:t>stats_pipeline_input_drXX.y</a:t>
-            </a:r>
-            <a:r>
-              <a:rPr lang="en-GB" sz="1100" dirty="0">
-                <a:latin typeface="Courier New" panose="02070309020205020404" pitchFamily="49" charset="0"/>
-                <a:cs typeface="Courier New" panose="02070309020205020404" pitchFamily="49" charset="0"/>
-              </a:rPr>
-              <a:t>/SP/jobs/</a:t>
-            </a:r>
-            <a:r>
-              <a:rPr lang="en-GB" sz="1100" dirty="0" err="1">
-                <a:latin typeface="Courier New" panose="02070309020205020404" pitchFamily="49" charset="0"/>
-                <a:cs typeface="Courier New" panose="02070309020205020404" pitchFamily="49" charset="0"/>
-              </a:rPr>
-              <a:t>Results_IMPC_SP_Windowed</a:t>
-            </a:r>
-            <a:r>
-              <a:rPr lang="en-GB" sz="1100" dirty="0">
-                <a:latin typeface="Courier New" panose="02070309020205020404" pitchFamily="49" charset="0"/>
-                <a:cs typeface="Courier New" panose="02070309020205020404" pitchFamily="49" charset="0"/>
-              </a:rPr>
-              <a:t> directory for the </a:t>
-            </a:r>
-            <a:r>
-              <a:rPr lang="en-GB" sz="1100" b="1" dirty="0" err="1">
-                <a:latin typeface="Courier New" panose="02070309020205020404" pitchFamily="49" charset="0"/>
-                <a:cs typeface="Courier New" panose="02070309020205020404" pitchFamily="49" charset="0"/>
-              </a:rPr>
-              <a:t>unidimentional</a:t>
-            </a:r>
-            <a:r>
-              <a:rPr lang="en-GB" sz="1100" dirty="0">
-                <a:latin typeface="Courier New" panose="02070309020205020404" pitchFamily="49" charset="0"/>
-                <a:cs typeface="Courier New" panose="02070309020205020404" pitchFamily="49" charset="0"/>
-              </a:rPr>
-              <a:t> and </a:t>
-            </a:r>
-            <a:r>
-              <a:rPr lang="en-GB" sz="1100" b="1" dirty="0">
-                <a:latin typeface="Courier New" panose="02070309020205020404" pitchFamily="49" charset="0"/>
-                <a:cs typeface="Courier New" panose="02070309020205020404" pitchFamily="49" charset="0"/>
-              </a:rPr>
-              <a:t>categorical</a:t>
-            </a:r>
-            <a:r>
-              <a:rPr lang="en-GB" sz="1100" dirty="0">
-                <a:latin typeface="Courier New" panose="02070309020205020404" pitchFamily="49" charset="0"/>
-                <a:cs typeface="Courier New" panose="02070309020205020404" pitchFamily="49" charset="0"/>
-              </a:rPr>
-              <a:t> results. The files can be </a:t>
-            </a:r>
-            <a:r>
-              <a:rPr lang="en-GB" sz="1100" b="1" dirty="0" err="1">
-                <a:latin typeface="Courier New" panose="02070309020205020404" pitchFamily="49" charset="0"/>
-                <a:cs typeface="Courier New" panose="02070309020205020404" pitchFamily="49" charset="0"/>
-              </a:rPr>
-              <a:t>gzip</a:t>
-            </a:r>
-            <a:r>
-              <a:rPr lang="en-GB" sz="1100" dirty="0">
-                <a:latin typeface="Courier New" panose="02070309020205020404" pitchFamily="49" charset="0"/>
-                <a:cs typeface="Courier New" panose="02070309020205020404" pitchFamily="49" charset="0"/>
-              </a:rPr>
-              <a:t> and moved to the FTP directory. You can decorate and format the files by using one of the formatted files in the previous data releases.</a:t>
-            </a:r>
-          </a:p>
-          <a:p>
-            <a:pPr lvl="2"/>
-            <a:endParaRPr lang="en-GB" sz="1400" dirty="0">
-              <a:latin typeface="Courier New" panose="02070309020205020404" pitchFamily="49" charset="0"/>
-              <a:cs typeface="Courier New" panose="02070309020205020404" pitchFamily="49" charset="0"/>
-            </a:endParaRPr>
+            <a:endParaRPr lang="en-GB" dirty="0"/>
           </a:p>
         </p:txBody>
       </p:sp>
@@ -8565,7 +9091,7 @@
           <p:cNvPr id="4" name="Date Placeholder 3">
             <a:extLst>
               <a:ext uri="{FF2B5EF4-FFF2-40B4-BE49-F238E27FC236}">
-                <a16:creationId xmlns:a16="http://schemas.microsoft.com/office/drawing/2014/main" id="{8E297709-FD23-B3A8-0B3B-3B60227D290E}"/>
+                <a16:creationId xmlns:a16="http://schemas.microsoft.com/office/drawing/2014/main" id="{6BE7F43F-5B2A-CE37-1825-07F4A63CE73F}"/>
               </a:ext>
             </a:extLst>
           </p:cNvPr>
@@ -8593,7 +9119,7 @@
     </p:spTree>
     <p:extLst>
       <p:ext uri="{BB962C8B-B14F-4D97-AF65-F5344CB8AC3E}">
-        <p14:creationId xmlns:p14="http://schemas.microsoft.com/office/powerpoint/2010/main" val="1791507408"/>
+        <p14:creationId xmlns:p14="http://schemas.microsoft.com/office/powerpoint/2010/main" val="270742275"/>
       </p:ext>
     </p:extLst>
   </p:cSld>
